--- a/slides/1_logistics_compiler_intro.pptx
+++ b/slides/1_logistics_compiler_intro.pptx
@@ -5,10 +5,10 @@
     <p:sldMasterId id="2147483687" r:id="rId1"/>
   </p:sldMasterIdLst>
   <p:notesMasterIdLst>
-    <p:notesMasterId r:id="rId71"/>
+    <p:notesMasterId r:id="rId60"/>
   </p:notesMasterIdLst>
   <p:handoutMasterIdLst>
-    <p:handoutMasterId r:id="rId72"/>
+    <p:handoutMasterId r:id="rId61"/>
   </p:handoutMasterIdLst>
   <p:sldIdLst>
     <p:sldId id="256" r:id="rId2"/>
@@ -69,17 +69,6 @@
     <p:sldId id="322" r:id="rId57"/>
     <p:sldId id="323" r:id="rId58"/>
     <p:sldId id="317" r:id="rId59"/>
-    <p:sldId id="324" r:id="rId60"/>
-    <p:sldId id="325" r:id="rId61"/>
-    <p:sldId id="328" r:id="rId62"/>
-    <p:sldId id="326" r:id="rId63"/>
-    <p:sldId id="327" r:id="rId64"/>
-    <p:sldId id="329" r:id="rId65"/>
-    <p:sldId id="330" r:id="rId66"/>
-    <p:sldId id="332" r:id="rId67"/>
-    <p:sldId id="333" r:id="rId68"/>
-    <p:sldId id="331" r:id="rId69"/>
-    <p:sldId id="334" r:id="rId70"/>
   </p:sldIdLst>
   <p:sldSz cx="12192000" cy="6858000"/>
   <p:notesSz cx="6858000" cy="9144000"/>
@@ -329,7 +318,7 @@
           <a:p>
             <a:fld id="{E1249EDF-C441-401E-BE19-3A9BC3A020D4}" type="datetimeFigureOut">
               <a:rPr lang="en-US" smtClean="0"/>
-              <a:t>4/1/2025</a:t>
+              <a:t>4/3/2025</a:t>
             </a:fld>
             <a:endParaRPr lang="en-US"/>
           </a:p>
@@ -507,7 +496,7 @@
           <a:p>
             <a:fld id="{EC53C71B-473E-4814-B444-77926C773EE5}" type="datetimeFigureOut">
               <a:rPr lang="en-US" smtClean="0"/>
-              <a:t>4/1/2025</a:t>
+              <a:t>4/3/2025</a:t>
             </a:fld>
             <a:endParaRPr lang="en-US"/>
           </a:p>
@@ -1081,30 +1070,7 @@
               <a:buFontTx/>
               <a:buChar char="-"/>
             </a:pPr>
-            <a:r>
-              <a:rPr lang="en-US" dirty="0"/>
-              <a:t>Come to the Intermediate Code generation stage</a:t>
-            </a:r>
-          </a:p>
-          <a:p>
-            <a:pPr marL="171450" indent="-171450">
-              <a:buFontTx/>
-              <a:buChar char="-"/>
-            </a:pPr>
-            <a:r>
-              <a:rPr lang="en-US" dirty="0"/>
-              <a:t>Going to show some low-level code</a:t>
-            </a:r>
-          </a:p>
-          <a:p>
-            <a:pPr marL="171450" indent="-171450">
-              <a:buFontTx/>
-              <a:buChar char="-"/>
-            </a:pPr>
-            <a:r>
-              <a:rPr lang="en-US" dirty="0"/>
-              <a:t>It’s okay if you don’t understand some of it</a:t>
-            </a:r>
+            <a:endParaRPr lang="en-US" dirty="0"/>
           </a:p>
         </p:txBody>
       </p:sp>
@@ -1183,10 +1149,7 @@
           <a:bodyPr/>
           <a:lstStyle/>
           <a:p>
-            <a:r>
-              <a:rPr lang="en-US" dirty="0"/>
-              <a:t>- Come back to the topic of optimizations in a moment</a:t>
-            </a:r>
+            <a:endParaRPr lang="en-US" dirty="0"/>
           </a:p>
         </p:txBody>
       </p:sp>
@@ -1251,20 +1214,7 @@
               <a:buFontTx/>
               <a:buChar char="-"/>
             </a:pPr>
-            <a:r>
-              <a:rPr lang="en-US" dirty="0"/>
-              <a:t>O3 compilation</a:t>
-            </a:r>
-          </a:p>
-          <a:p>
-            <a:pPr marL="171450" indent="-171450">
-              <a:buFontTx/>
-              <a:buChar char="-"/>
-            </a:pPr>
-            <a:r>
-              <a:rPr lang="en-US" dirty="0"/>
-              <a:t>No additions </a:t>
-            </a:r>
+            <a:endParaRPr lang="en-US" dirty="0"/>
           </a:p>
         </p:txBody>
       </p:sp>
@@ -1426,24 +1376,6 @@
               <a:buFontTx/>
               <a:buChar char="-"/>
             </a:pPr>
-            <a:r>
-              <a:rPr lang="en-US" dirty="0"/>
-              <a:t>LLVM has &gt; 50 optimization passes</a:t>
-            </a:r>
-          </a:p>
-          <a:p>
-            <a:pPr marL="171450" indent="-171450">
-              <a:buFontTx/>
-              <a:buChar char="-"/>
-            </a:pPr>
-            <a:r>
-              <a:rPr lang="en-US" b="1" dirty="0"/>
-              <a:t>Most </a:t>
-            </a:r>
-            <a:r>
-              <a:rPr lang="en-US" b="0" dirty="0"/>
-              <a:t>of them run on this intermediate representation</a:t>
-            </a:r>
             <a:endParaRPr lang="en-US" b="1" dirty="0"/>
           </a:p>
         </p:txBody>
@@ -1505,10 +1437,7 @@
           <a:bodyPr/>
           <a:lstStyle/>
           <a:p>
-            <a:r>
-              <a:rPr lang="en-US" dirty="0"/>
-              <a:t>- Tentative because it’s dependent on feedback</a:t>
-            </a:r>
+            <a:endParaRPr lang="en-US" dirty="0"/>
           </a:p>
         </p:txBody>
       </p:sp>
@@ -1573,20 +1502,7 @@
               <a:buFontTx/>
               <a:buChar char="-"/>
             </a:pPr>
-            <a:r>
-              <a:rPr lang="en-US" dirty="0"/>
-              <a:t>Every computation takes time</a:t>
-            </a:r>
-          </a:p>
-          <a:p>
-            <a:pPr marL="171450" indent="-171450">
-              <a:buFontTx/>
-              <a:buChar char="-"/>
-            </a:pPr>
-            <a:r>
-              <a:rPr lang="en-US" dirty="0"/>
-              <a:t>Want your code to run fast</a:t>
-            </a:r>
+            <a:endParaRPr lang="en-US" dirty="0"/>
           </a:p>
         </p:txBody>
       </p:sp>
@@ -1730,40 +1646,7 @@
               <a:buFontTx/>
               <a:buChar char="-"/>
             </a:pPr>
-            <a:r>
-              <a:rPr lang="en-US" dirty="0"/>
-              <a:t>Discussion</a:t>
-            </a:r>
-          </a:p>
-          <a:p>
-            <a:pPr marL="171450" indent="-171450">
-              <a:buFontTx/>
-              <a:buChar char="-"/>
-            </a:pPr>
-            <a:r>
-              <a:rPr lang="en-US" dirty="0"/>
-              <a:t>I’ll stop for questions</a:t>
-            </a:r>
-          </a:p>
-          <a:p>
-            <a:pPr marL="171450" indent="-171450">
-              <a:buFontTx/>
-              <a:buChar char="-"/>
-            </a:pPr>
-            <a:r>
-              <a:rPr lang="en-US" dirty="0"/>
-              <a:t>You can ask questions any time</a:t>
-            </a:r>
-          </a:p>
-          <a:p>
-            <a:pPr marL="171450" indent="-171450">
-              <a:buFontTx/>
-              <a:buChar char="-"/>
-            </a:pPr>
-            <a:r>
-              <a:rPr lang="en-US" dirty="0"/>
-              <a:t>I will also ask you some questions</a:t>
-            </a:r>
+            <a:endParaRPr lang="en-US" dirty="0"/>
           </a:p>
         </p:txBody>
       </p:sp>
@@ -1903,10 +1786,7 @@
           <a:bodyPr/>
           <a:lstStyle/>
           <a:p>
-            <a:r>
-              <a:rPr lang="en-US" dirty="0"/>
-              <a:t>- What properties should this program analysis provide us with?</a:t>
-            </a:r>
+            <a:endParaRPr lang="en-US" dirty="0"/>
           </a:p>
         </p:txBody>
       </p:sp>
@@ -1971,20 +1851,7 @@
               <a:buFontTx/>
               <a:buChar char="-"/>
             </a:pPr>
-            <a:r>
-              <a:rPr lang="en-US" dirty="0"/>
-              <a:t>standardized, normalized form</a:t>
-            </a:r>
-          </a:p>
-          <a:p>
-            <a:pPr marL="171450" indent="-171450">
-              <a:buFontTx/>
-              <a:buChar char="-"/>
-            </a:pPr>
-            <a:r>
-              <a:rPr lang="en-US" dirty="0"/>
-              <a:t>Which representation would you want to run the dead code analysis on? </a:t>
-            </a:r>
+            <a:endParaRPr lang="en-US" dirty="0"/>
           </a:p>
         </p:txBody>
       </p:sp>
@@ -2045,18 +1912,7 @@
           <a:bodyPr/>
           <a:lstStyle/>
           <a:p>
-            <a:r>
-              <a:rPr lang="en-US" dirty="0"/>
-              <a:t>- Not just </a:t>
-            </a:r>
-            <a:r>
-              <a:rPr lang="en-US" dirty="0" err="1"/>
-              <a:t>javascript</a:t>
-            </a:r>
-            <a:r>
-              <a:rPr lang="en-US" dirty="0"/>
-              <a:t> scripts, also frameworks</a:t>
-            </a:r>
+            <a:endParaRPr lang="en-US" dirty="0"/>
           </a:p>
         </p:txBody>
       </p:sp>
@@ -2121,25 +1977,7 @@
               <a:buFontTx/>
               <a:buChar char="-"/>
             </a:pPr>
-            <a:r>
-              <a:rPr lang="en-US" dirty="0"/>
-              <a:t>HTML is calling </a:t>
-            </a:r>
-            <a:r>
-              <a:rPr lang="en-US" dirty="0" err="1"/>
-              <a:t>javascript</a:t>
-            </a:r>
             <a:endParaRPr lang="en-US" dirty="0"/>
-          </a:p>
-          <a:p>
-            <a:pPr marL="171450" indent="-171450">
-              <a:buFontTx/>
-              <a:buChar char="-"/>
-            </a:pPr>
-            <a:r>
-              <a:rPr lang="en-US" dirty="0"/>
-              <a:t>It’s hard to tell before hand what types</a:t>
-            </a:r>
           </a:p>
         </p:txBody>
       </p:sp>
@@ -2200,10 +2038,7 @@
           <a:bodyPr/>
           <a:lstStyle/>
           <a:p>
-            <a:r>
-              <a:rPr lang="en-US" dirty="0"/>
-              <a:t>- Week 9, 10 misc. topics and slack</a:t>
-            </a:r>
+            <a:endParaRPr lang="en-US" dirty="0"/>
           </a:p>
         </p:txBody>
       </p:sp>
@@ -2264,10 +2099,7 @@
           <a:bodyPr/>
           <a:lstStyle/>
           <a:p>
-            <a:r>
-              <a:rPr lang="en-US" dirty="0"/>
-              <a:t>- Grade shouldn’t be the focus</a:t>
-            </a:r>
+            <a:endParaRPr lang="en-US" dirty="0"/>
           </a:p>
         </p:txBody>
       </p:sp>
@@ -2328,10 +2160,7 @@
           <a:bodyPr/>
           <a:lstStyle/>
           <a:p>
-            <a:r>
-              <a:rPr lang="en-US" dirty="0"/>
-              <a:t>- Will schedule short meetings before the presentations</a:t>
-            </a:r>
+            <a:endParaRPr lang="en-US" dirty="0"/>
           </a:p>
         </p:txBody>
       </p:sp>
@@ -2392,10 +2221,7 @@
           <a:bodyPr/>
           <a:lstStyle/>
           <a:p>
-            <a:r>
-              <a:rPr lang="en-US" dirty="0"/>
-              <a:t>- If you suggest an alternate paper in that area, or even want to cover an area not listed</a:t>
-            </a:r>
+            <a:endParaRPr lang="en-US" dirty="0"/>
           </a:p>
         </p:txBody>
       </p:sp>
@@ -2403,70 +2229,6 @@
     <p:extLst>
       <p:ext uri="{BB962C8B-B14F-4D97-AF65-F5344CB8AC3E}">
         <p14:creationId xmlns:p14="http://schemas.microsoft.com/office/powerpoint/2010/main" val="907647733"/>
-      </p:ext>
-    </p:extLst>
-  </p:cSld>
-  <p:clrMapOvr>
-    <a:masterClrMapping/>
-  </p:clrMapOvr>
-</p:notes>
-</file>
-
-<file path=ppt/notesSlides/notesSlide29.xml><?xml version="1.0" encoding="utf-8"?>
-<p:notes xmlns:a="http://schemas.openxmlformats.org/drawingml/2006/main" xmlns:r="http://schemas.openxmlformats.org/officeDocument/2006/relationships" xmlns:p="http://schemas.openxmlformats.org/presentationml/2006/main">
-  <p:cSld>
-    <p:spTree>
-      <p:nvGrpSpPr>
-        <p:cNvPr id="1" name=""/>
-        <p:cNvGrpSpPr/>
-        <p:nvPr/>
-      </p:nvGrpSpPr>
-      <p:grpSpPr>
-        <a:xfrm>
-          <a:off x="0" y="0"/>
-          <a:ext cx="0" cy="0"/>
-          <a:chOff x="0" y="0"/>
-          <a:chExt cx="0" cy="0"/>
-        </a:xfrm>
-      </p:grpSpPr>
-      <p:sp>
-        <p:nvSpPr>
-          <p:cNvPr id="2" name="Slide Image Placeholder 1"/>
-          <p:cNvSpPr>
-            <a:spLocks noGrp="1" noRot="1" noChangeAspect="1"/>
-          </p:cNvSpPr>
-          <p:nvPr>
-            <p:ph type="sldImg"/>
-          </p:nvPr>
-        </p:nvSpPr>
-        <p:spPr/>
-      </p:sp>
-      <p:sp>
-        <p:nvSpPr>
-          <p:cNvPr id="3" name="Notes Placeholder 2"/>
-          <p:cNvSpPr>
-            <a:spLocks noGrp="1"/>
-          </p:cNvSpPr>
-          <p:nvPr>
-            <p:ph type="body" idx="1"/>
-          </p:nvPr>
-        </p:nvSpPr>
-        <p:spPr/>
-        <p:txBody>
-          <a:bodyPr/>
-          <a:lstStyle/>
-          <a:p>
-            <a:r>
-              <a:rPr lang="en-US" dirty="0"/>
-              <a:t>- Question: what is a cache?</a:t>
-            </a:r>
-          </a:p>
-        </p:txBody>
-      </p:sp>
-    </p:spTree>
-    <p:extLst>
-      <p:ext uri="{BB962C8B-B14F-4D97-AF65-F5344CB8AC3E}">
-        <p14:creationId xmlns:p14="http://schemas.microsoft.com/office/powerpoint/2010/main" val="1597613428"/>
       </p:ext>
     </p:extLst>
   </p:cSld>
@@ -2520,10 +2282,7 @@
           <a:bodyPr/>
           <a:lstStyle/>
           <a:p>
-            <a:r>
-              <a:rPr lang="en-US" dirty="0"/>
-              <a:t>- 1 credit for a shorter name</a:t>
-            </a:r>
+            <a:endParaRPr lang="en-US" dirty="0"/>
           </a:p>
         </p:txBody>
       </p:sp>
@@ -2584,10 +2343,7 @@
           <a:bodyPr/>
           <a:lstStyle/>
           <a:p>
-            <a:r>
-              <a:rPr lang="en-US" dirty="0"/>
-              <a:t>- adventurous</a:t>
-            </a:r>
+            <a:endParaRPr lang="en-US" dirty="0"/>
           </a:p>
         </p:txBody>
       </p:sp>
@@ -2648,10 +2404,7 @@
           <a:bodyPr/>
           <a:lstStyle/>
           <a:p>
-            <a:r>
-              <a:rPr lang="en-US" dirty="0"/>
-              <a:t>- A lot of what we will study is independent of the programming language</a:t>
-            </a:r>
+            <a:endParaRPr lang="en-US" dirty="0"/>
           </a:p>
         </p:txBody>
       </p:sp>
@@ -2712,18 +2465,7 @@
           <a:bodyPr/>
           <a:lstStyle/>
           <a:p>
-            <a:r>
-              <a:rPr lang="en-US" dirty="0"/>
-              <a:t>- </a:t>
-            </a:r>
-            <a:r>
-              <a:rPr lang="en-US" dirty="0" err="1"/>
-              <a:t>transpiler</a:t>
-            </a:r>
-            <a:r>
-              <a:rPr lang="en-US" dirty="0"/>
-              <a:t>, interpreter</a:t>
-            </a:r>
+            <a:endParaRPr lang="en-US" dirty="0"/>
           </a:p>
         </p:txBody>
       </p:sp>
@@ -2788,30 +2530,7 @@
               <a:buFontTx/>
               <a:buChar char="-"/>
             </a:pPr>
-            <a:r>
-              <a:rPr lang="en-US" dirty="0"/>
-              <a:t>Take a look at how this works</a:t>
-            </a:r>
-          </a:p>
-          <a:p>
-            <a:pPr marL="171450" indent="-171450">
-              <a:buFontTx/>
-              <a:buChar char="-"/>
-            </a:pPr>
-            <a:r>
-              <a:rPr lang="en-US" dirty="0"/>
-              <a:t>Undergrad compiler course</a:t>
-            </a:r>
-          </a:p>
-          <a:p>
-            <a:pPr marL="171450" indent="-171450">
-              <a:buFontTx/>
-              <a:buChar char="-"/>
-            </a:pPr>
-            <a:r>
-              <a:rPr lang="en-US" dirty="0"/>
-              <a:t>If you don’t know … that’s fine. We will cover the necessary material </a:t>
-            </a:r>
+            <a:endParaRPr lang="en-US" dirty="0"/>
           </a:p>
         </p:txBody>
       </p:sp>
@@ -2894,53 +2613,7 @@
               <a:buFontTx/>
               <a:buChar char="-"/>
             </a:pPr>
-            <a:r>
-              <a:rPr lang="en-US" b="1" dirty="0"/>
-              <a:t>Runs through these stages -&gt; lower each step</a:t>
-            </a:r>
-          </a:p>
-          <a:p>
-            <a:pPr marL="171450" indent="-171450">
-              <a:buFontTx/>
-              <a:buChar char="-"/>
-            </a:pPr>
-            <a:r>
-              <a:rPr lang="en-US" dirty="0"/>
-              <a:t>Undergrad compiler course focus on FE and BE</a:t>
-            </a:r>
-          </a:p>
-          <a:p>
-            <a:pPr marL="171450" indent="-171450">
-              <a:buFontTx/>
-              <a:buChar char="-"/>
-            </a:pPr>
-            <a:r>
-              <a:rPr lang="en-US" dirty="0"/>
-              <a:t>We will focus more on code </a:t>
-            </a:r>
-            <a:r>
-              <a:rPr lang="en-US" dirty="0" err="1"/>
-              <a:t>optim</a:t>
-            </a:r>
             <a:endParaRPr lang="en-US" dirty="0"/>
-          </a:p>
-          <a:p>
-            <a:pPr marL="171450" indent="-171450">
-              <a:buFontTx/>
-              <a:buChar char="-"/>
-            </a:pPr>
-            <a:r>
-              <a:rPr lang="en-US" dirty="0"/>
-              <a:t>If not take, we’ll go over enough </a:t>
-            </a:r>
-            <a:r>
-              <a:rPr lang="en-US" dirty="0" err="1"/>
-              <a:t>bg</a:t>
-            </a:r>
-            <a:r>
-              <a:rPr lang="en-US" dirty="0"/>
-              <a:t> for it to make sense</a:t>
-            </a:r>
           </a:p>
         </p:txBody>
       </p:sp>
@@ -3220,7 +2893,7 @@
               <a:pPr>
                 <a:defRPr/>
               </a:pPr>
-              <a:t>Tuesday, April 1, 2025</a:t>
+              <a:t>Thursday, April 3, 2025</a:t>
             </a:fld>
             <a:endParaRPr lang="en-US" dirty="0"/>
           </a:p>
@@ -3434,7 +3107,7 @@
               <a:pPr>
                 <a:defRPr/>
               </a:pPr>
-              <a:t>Tuesday, April 1, 2025</a:t>
+              <a:t>Thursday, April 3, 2025</a:t>
             </a:fld>
             <a:endParaRPr lang="en-US" dirty="0"/>
           </a:p>
@@ -3849,7 +3522,7 @@
               <a:pPr>
                 <a:defRPr/>
               </a:pPr>
-              <a:t>Tuesday, April 1, 2025</a:t>
+              <a:t>Thursday, April 3, 2025</a:t>
             </a:fld>
             <a:endParaRPr lang="en-US" dirty="0"/>
           </a:p>
@@ -4209,7 +3882,7 @@
               <a:pPr>
                 <a:defRPr/>
               </a:pPr>
-              <a:t>Tuesday, April 1, 2025</a:t>
+              <a:t>Thursday, April 3, 2025</a:t>
             </a:fld>
             <a:endParaRPr lang="en-US" dirty="0"/>
           </a:p>
@@ -4487,7 +4160,7 @@
               <a:pPr>
                 <a:defRPr/>
               </a:pPr>
-              <a:t>Tuesday, April 1, 2025</a:t>
+              <a:t>Thursday, April 3, 2025</a:t>
             </a:fld>
             <a:endParaRPr lang="en-US" dirty="0"/>
           </a:p>
@@ -4771,7 +4444,7 @@
               <a:pPr>
                 <a:defRPr/>
               </a:pPr>
-              <a:t>Tuesday, April 1, 2025</a:t>
+              <a:t>Thursday, April 3, 2025</a:t>
             </a:fld>
             <a:endParaRPr lang="en-US" dirty="0"/>
           </a:p>
@@ -5324,7 +4997,7 @@
               <a:pPr>
                 <a:defRPr/>
               </a:pPr>
-              <a:t>Tuesday, April 1, 2025</a:t>
+              <a:t>Thursday, April 3, 2025</a:t>
             </a:fld>
             <a:endParaRPr lang="en-US" dirty="0"/>
           </a:p>
@@ -23915,7 +23588,7 @@
           <a:p>
             <a:r>
               <a:rPr lang="en-US" dirty="0"/>
-              <a:t>	return p + q;</a:t>
+              <a:t>	return p + q + r;</a:t>
             </a:r>
           </a:p>
           <a:p>
@@ -24413,7 +24086,7 @@
           <a:p>
             <a:r>
               <a:rPr lang="en-US" dirty="0"/>
-              <a:t>	return p + q;</a:t>
+              <a:t>	return p + q + r;</a:t>
             </a:r>
           </a:p>
           <a:p>
@@ -24839,7 +24512,7 @@
           <a:p>
             <a:r>
               <a:rPr lang="en-US" dirty="0"/>
-              <a:t>	return p + q;</a:t>
+              <a:t>	return p + q + r;</a:t>
             </a:r>
           </a:p>
           <a:p>
@@ -33463,95 +33136,6 @@
 </p:sld>
 </file>
 
-<file path=ppt/slides/slide59.xml><?xml version="1.0" encoding="utf-8"?>
-<p:sld xmlns:a="http://schemas.openxmlformats.org/drawingml/2006/main" xmlns:r="http://schemas.openxmlformats.org/officeDocument/2006/relationships" xmlns:p="http://schemas.openxmlformats.org/presentationml/2006/main">
-  <p:cSld>
-    <p:spTree>
-      <p:nvGrpSpPr>
-        <p:cNvPr id="1" name="">
-          <a:extLst>
-            <a:ext uri="{FF2B5EF4-FFF2-40B4-BE49-F238E27FC236}">
-              <a16:creationId xmlns:a16="http://schemas.microsoft.com/office/drawing/2014/main" id="{E9B21E69-87D9-8728-72D8-25ECC3F39C0C}"/>
-            </a:ext>
-          </a:extLst>
-        </p:cNvPr>
-        <p:cNvGrpSpPr/>
-        <p:nvPr/>
-      </p:nvGrpSpPr>
-      <p:grpSpPr>
-        <a:xfrm>
-          <a:off x="0" y="0"/>
-          <a:ext cx="0" cy="0"/>
-          <a:chOff x="0" y="0"/>
-          <a:chExt cx="0" cy="0"/>
-        </a:xfrm>
-      </p:grpSpPr>
-      <p:sp>
-        <p:nvSpPr>
-          <p:cNvPr id="2" name="Content Placeholder 1">
-            <a:extLst>
-              <a:ext uri="{FF2B5EF4-FFF2-40B4-BE49-F238E27FC236}">
-                <a16:creationId xmlns:a16="http://schemas.microsoft.com/office/drawing/2014/main" id="{339AF34A-F70B-FC77-8167-1815ACB86662}"/>
-              </a:ext>
-            </a:extLst>
-          </p:cNvPr>
-          <p:cNvSpPr>
-            <a:spLocks noGrp="1"/>
-          </p:cNvSpPr>
-          <p:nvPr>
-            <p:ph idx="1"/>
-          </p:nvPr>
-        </p:nvSpPr>
-        <p:spPr/>
-        <p:txBody>
-          <a:bodyPr/>
-          <a:lstStyle/>
-          <a:p>
-            <a:endParaRPr lang="en-US"/>
-          </a:p>
-        </p:txBody>
-      </p:sp>
-      <p:sp>
-        <p:nvSpPr>
-          <p:cNvPr id="3" name="Text Placeholder 2">
-            <a:extLst>
-              <a:ext uri="{FF2B5EF4-FFF2-40B4-BE49-F238E27FC236}">
-                <a16:creationId xmlns:a16="http://schemas.microsoft.com/office/drawing/2014/main" id="{D91F2245-5D76-782B-9489-C5EE514C6482}"/>
-              </a:ext>
-            </a:extLst>
-          </p:cNvPr>
-          <p:cNvSpPr>
-            <a:spLocks noGrp="1"/>
-          </p:cNvSpPr>
-          <p:nvPr>
-            <p:ph type="body" sz="quarter" idx="13"/>
-          </p:nvPr>
-        </p:nvSpPr>
-        <p:spPr/>
-        <p:txBody>
-          <a:bodyPr/>
-          <a:lstStyle/>
-          <a:p>
-            <a:r>
-              <a:rPr lang="en-US" dirty="0"/>
-              <a:t>Compiler optimization background</a:t>
-            </a:r>
-          </a:p>
-        </p:txBody>
-      </p:sp>
-    </p:spTree>
-    <p:extLst>
-      <p:ext uri="{BB962C8B-B14F-4D97-AF65-F5344CB8AC3E}">
-        <p14:creationId xmlns:p14="http://schemas.microsoft.com/office/powerpoint/2010/main" val="3136935757"/>
-      </p:ext>
-    </p:extLst>
-  </p:cSld>
-  <p:clrMapOvr>
-    <a:masterClrMapping/>
-  </p:clrMapOvr>
-</p:sld>
-</file>
-
 <file path=ppt/slides/slide6.xml><?xml version="1.0" encoding="utf-8"?>
 <p:sld xmlns:a="http://schemas.openxmlformats.org/drawingml/2006/main" xmlns:r="http://schemas.openxmlformats.org/officeDocument/2006/relationships" xmlns:p="http://schemas.openxmlformats.org/presentationml/2006/main">
   <p:cSld>
@@ -33735,5378 +33319,6 @@
     <p:extLst>
       <p:ext uri="{BB962C8B-B14F-4D97-AF65-F5344CB8AC3E}">
         <p14:creationId xmlns:p14="http://schemas.microsoft.com/office/powerpoint/2010/main" val="2786881382"/>
-      </p:ext>
-    </p:extLst>
-  </p:cSld>
-  <p:clrMapOvr>
-    <a:masterClrMapping/>
-  </p:clrMapOvr>
-</p:sld>
-</file>
-
-<file path=ppt/slides/slide60.xml><?xml version="1.0" encoding="utf-8"?>
-<p:sld xmlns:a="http://schemas.openxmlformats.org/drawingml/2006/main" xmlns:r="http://schemas.openxmlformats.org/officeDocument/2006/relationships" xmlns:p="http://schemas.openxmlformats.org/presentationml/2006/main">
-  <p:cSld>
-    <p:spTree>
-      <p:nvGrpSpPr>
-        <p:cNvPr id="1" name=""/>
-        <p:cNvGrpSpPr/>
-        <p:nvPr/>
-      </p:nvGrpSpPr>
-      <p:grpSpPr>
-        <a:xfrm>
-          <a:off x="0" y="0"/>
-          <a:ext cx="0" cy="0"/>
-          <a:chOff x="0" y="0"/>
-          <a:chExt cx="0" cy="0"/>
-        </a:xfrm>
-      </p:grpSpPr>
-      <p:sp>
-        <p:nvSpPr>
-          <p:cNvPr id="4" name="Title 3">
-            <a:extLst>
-              <a:ext uri="{FF2B5EF4-FFF2-40B4-BE49-F238E27FC236}">
-                <a16:creationId xmlns:a16="http://schemas.microsoft.com/office/drawing/2014/main" id="{A8DE506E-05C1-4424-CA35-68C7F1350F71}"/>
-              </a:ext>
-            </a:extLst>
-          </p:cNvPr>
-          <p:cNvSpPr>
-            <a:spLocks noGrp="1"/>
-          </p:cNvSpPr>
-          <p:nvPr>
-            <p:ph type="title"/>
-          </p:nvPr>
-        </p:nvSpPr>
-        <p:spPr/>
-        <p:txBody>
-          <a:bodyPr/>
-          <a:lstStyle/>
-          <a:p>
-            <a:r>
-              <a:rPr lang="en-US" dirty="0"/>
-              <a:t>Compiler optimization</a:t>
-            </a:r>
-          </a:p>
-        </p:txBody>
-      </p:sp>
-      <p:sp>
-        <p:nvSpPr>
-          <p:cNvPr id="6" name="Rectangle 5">
-            <a:extLst>
-              <a:ext uri="{FF2B5EF4-FFF2-40B4-BE49-F238E27FC236}">
-                <a16:creationId xmlns:a16="http://schemas.microsoft.com/office/drawing/2014/main" id="{5163D461-5D3B-E01C-AB95-2C26F2DFCAF3}"/>
-              </a:ext>
-            </a:extLst>
-          </p:cNvPr>
-          <p:cNvSpPr/>
-          <p:nvPr/>
-        </p:nvSpPr>
-        <p:spPr>
-          <a:xfrm>
-            <a:off x="5012266" y="936978"/>
-            <a:ext cx="1975555" cy="812800"/>
-          </a:xfrm>
-          <a:prstGeom prst="rect">
-            <a:avLst/>
-          </a:prstGeom>
-        </p:spPr>
-        <p:style>
-          <a:lnRef idx="2">
-            <a:schemeClr val="accent1">
-              <a:shade val="15000"/>
-            </a:schemeClr>
-          </a:lnRef>
-          <a:fillRef idx="1">
-            <a:schemeClr val="accent1"/>
-          </a:fillRef>
-          <a:effectRef idx="0">
-            <a:schemeClr val="accent1"/>
-          </a:effectRef>
-          <a:fontRef idx="minor">
-            <a:schemeClr val="lt1"/>
-          </a:fontRef>
-        </p:style>
-        <p:txBody>
-          <a:bodyPr rtlCol="0" anchor="ctr"/>
-          <a:lstStyle/>
-          <a:p>
-            <a:pPr algn="ctr"/>
-            <a:r>
-              <a:rPr lang="en-US" sz="2400" dirty="0">
-                <a:ln w="0"/>
-                <a:solidFill>
-                  <a:schemeClr val="tx1"/>
-                </a:solidFill>
-                <a:effectLst>
-                  <a:outerShdw blurRad="38100" dist="19050" dir="2700000" algn="tl" rotWithShape="0">
-                    <a:schemeClr val="dk1">
-                      <a:alpha val="40000"/>
-                    </a:schemeClr>
-                  </a:outerShdw>
-                </a:effectLst>
-              </a:rPr>
-              <a:t>Optimizations</a:t>
-            </a:r>
-          </a:p>
-        </p:txBody>
-      </p:sp>
-      <p:grpSp>
-        <p:nvGrpSpPr>
-          <p:cNvPr id="25" name="Group 24">
-            <a:extLst>
-              <a:ext uri="{FF2B5EF4-FFF2-40B4-BE49-F238E27FC236}">
-                <a16:creationId xmlns:a16="http://schemas.microsoft.com/office/drawing/2014/main" id="{A630FD86-9FDD-0D44-535A-14CCBDD780A5}"/>
-              </a:ext>
-            </a:extLst>
-          </p:cNvPr>
-          <p:cNvGrpSpPr/>
-          <p:nvPr/>
-        </p:nvGrpSpPr>
-        <p:grpSpPr>
-          <a:xfrm>
-            <a:off x="1851377" y="1749778"/>
-            <a:ext cx="4148667" cy="1704635"/>
-            <a:chOff x="1851377" y="1749778"/>
-            <a:chExt cx="4148667" cy="1704635"/>
-          </a:xfrm>
-        </p:grpSpPr>
-        <p:sp>
-          <p:nvSpPr>
-            <p:cNvPr id="7" name="Rectangle 6">
-              <a:extLst>
-                <a:ext uri="{FF2B5EF4-FFF2-40B4-BE49-F238E27FC236}">
-                  <a16:creationId xmlns:a16="http://schemas.microsoft.com/office/drawing/2014/main" id="{F5F77653-5CB3-419E-3826-0FE0D5A7FA65}"/>
-                </a:ext>
-              </a:extLst>
-            </p:cNvPr>
-            <p:cNvSpPr/>
-            <p:nvPr/>
-          </p:nvSpPr>
-          <p:spPr>
-            <a:xfrm>
-              <a:off x="1851377" y="2641613"/>
-              <a:ext cx="2568223" cy="812800"/>
-            </a:xfrm>
-            <a:prstGeom prst="rect">
-              <a:avLst/>
-            </a:prstGeom>
-            <a:solidFill>
-              <a:schemeClr val="accent1">
-                <a:lumMod val="20000"/>
-                <a:lumOff val="80000"/>
-              </a:schemeClr>
-            </a:solidFill>
-          </p:spPr>
-          <p:style>
-            <a:lnRef idx="2">
-              <a:schemeClr val="accent1">
-                <a:shade val="15000"/>
-              </a:schemeClr>
-            </a:lnRef>
-            <a:fillRef idx="1">
-              <a:schemeClr val="accent1"/>
-            </a:fillRef>
-            <a:effectRef idx="0">
-              <a:schemeClr val="accent1"/>
-            </a:effectRef>
-            <a:fontRef idx="minor">
-              <a:schemeClr val="lt1"/>
-            </a:fontRef>
-          </p:style>
-          <p:txBody>
-            <a:bodyPr rtlCol="0" anchor="ctr"/>
-            <a:lstStyle/>
-            <a:p>
-              <a:pPr algn="ctr"/>
-              <a:r>
-                <a:rPr lang="en-US" sz="2400" dirty="0">
-                  <a:ln w="0"/>
-                  <a:solidFill>
-                    <a:schemeClr val="tx1"/>
-                  </a:solidFill>
-                  <a:effectLst>
-                    <a:outerShdw blurRad="38100" dist="19050" dir="2700000" algn="tl" rotWithShape="0">
-                      <a:schemeClr val="dk1">
-                        <a:alpha val="40000"/>
-                      </a:schemeClr>
-                    </a:outerShdw>
-                  </a:effectLst>
-                </a:rPr>
-                <a:t>Remove redundant computations</a:t>
-              </a:r>
-            </a:p>
-          </p:txBody>
-        </p:sp>
-        <p:cxnSp>
-          <p:nvCxnSpPr>
-            <p:cNvPr id="10" name="Straight Arrow Connector 9">
-              <a:extLst>
-                <a:ext uri="{FF2B5EF4-FFF2-40B4-BE49-F238E27FC236}">
-                  <a16:creationId xmlns:a16="http://schemas.microsoft.com/office/drawing/2014/main" id="{A23A9079-194D-773B-C786-6AADE8FEBA35}"/>
-                </a:ext>
-              </a:extLst>
-            </p:cNvPr>
-            <p:cNvCxnSpPr>
-              <a:stCxn id="6" idx="2"/>
-              <a:endCxn id="7" idx="0"/>
-            </p:cNvCxnSpPr>
-            <p:nvPr/>
-          </p:nvCxnSpPr>
-          <p:spPr>
-            <a:xfrm flipH="1">
-              <a:off x="3135489" y="1749778"/>
-              <a:ext cx="2864555" cy="891835"/>
-            </a:xfrm>
-            <a:prstGeom prst="straightConnector1">
-              <a:avLst/>
-            </a:prstGeom>
-            <a:ln w="22225">
-              <a:tailEnd type="triangle"/>
-            </a:ln>
-          </p:spPr>
-          <p:style>
-            <a:lnRef idx="1">
-              <a:schemeClr val="dk1"/>
-            </a:lnRef>
-            <a:fillRef idx="0">
-              <a:schemeClr val="dk1"/>
-            </a:fillRef>
-            <a:effectRef idx="0">
-              <a:schemeClr val="dk1"/>
-            </a:effectRef>
-            <a:fontRef idx="minor">
-              <a:schemeClr val="tx1"/>
-            </a:fontRef>
-          </p:style>
-        </p:cxnSp>
-      </p:grpSp>
-      <p:sp>
-        <p:nvSpPr>
-          <p:cNvPr id="15" name="TextBox 14">
-            <a:extLst>
-              <a:ext uri="{FF2B5EF4-FFF2-40B4-BE49-F238E27FC236}">
-                <a16:creationId xmlns:a16="http://schemas.microsoft.com/office/drawing/2014/main" id="{9B6B9045-C3AA-3B44-0F53-FE9A8FD6DAC2}"/>
-              </a:ext>
-            </a:extLst>
-          </p:cNvPr>
-          <p:cNvSpPr txBox="1"/>
-          <p:nvPr/>
-        </p:nvSpPr>
-        <p:spPr>
-          <a:xfrm>
-            <a:off x="936977" y="3695114"/>
-            <a:ext cx="4075289" cy="1015663"/>
-          </a:xfrm>
-          <a:prstGeom prst="rect">
-            <a:avLst/>
-          </a:prstGeom>
-          <a:noFill/>
-        </p:spPr>
-        <p:txBody>
-          <a:bodyPr wrap="square" rtlCol="0">
-            <a:spAutoFit/>
-          </a:bodyPr>
-          <a:lstStyle/>
-          <a:p>
-            <a:r>
-              <a:rPr lang="en-US" sz="2000" b="1" i="1" dirty="0"/>
-              <a:t>(Dead code elimination, common sub-expression elimination, constant propagation)</a:t>
-            </a:r>
-          </a:p>
-        </p:txBody>
-      </p:sp>
-      <p:grpSp>
-        <p:nvGrpSpPr>
-          <p:cNvPr id="26" name="Group 25">
-            <a:extLst>
-              <a:ext uri="{FF2B5EF4-FFF2-40B4-BE49-F238E27FC236}">
-                <a16:creationId xmlns:a16="http://schemas.microsoft.com/office/drawing/2014/main" id="{57E727FC-A8AF-5AB7-B4E9-10BC630655D1}"/>
-              </a:ext>
-            </a:extLst>
-          </p:cNvPr>
-          <p:cNvGrpSpPr/>
-          <p:nvPr/>
-        </p:nvGrpSpPr>
-        <p:grpSpPr>
-          <a:xfrm>
-            <a:off x="5246511" y="1749778"/>
-            <a:ext cx="4075289" cy="3005324"/>
-            <a:chOff x="5246511" y="1749778"/>
-            <a:chExt cx="4075289" cy="3005324"/>
-          </a:xfrm>
-        </p:grpSpPr>
-        <p:cxnSp>
-          <p:nvCxnSpPr>
-            <p:cNvPr id="11" name="Straight Arrow Connector 10">
-              <a:extLst>
-                <a:ext uri="{FF2B5EF4-FFF2-40B4-BE49-F238E27FC236}">
-                  <a16:creationId xmlns:a16="http://schemas.microsoft.com/office/drawing/2014/main" id="{56D834B7-1015-F583-77A5-958726B6231C}"/>
-                </a:ext>
-              </a:extLst>
-            </p:cNvPr>
-            <p:cNvCxnSpPr>
-              <a:cxnSpLocks/>
-              <a:stCxn id="6" idx="2"/>
-              <a:endCxn id="8" idx="0"/>
-            </p:cNvCxnSpPr>
-            <p:nvPr/>
-          </p:nvCxnSpPr>
-          <p:spPr>
-            <a:xfrm>
-              <a:off x="6000044" y="1749778"/>
-              <a:ext cx="990601" cy="885347"/>
-            </a:xfrm>
-            <a:prstGeom prst="straightConnector1">
-              <a:avLst/>
-            </a:prstGeom>
-            <a:ln w="22225">
-              <a:tailEnd type="triangle"/>
-            </a:ln>
-          </p:spPr>
-          <p:style>
-            <a:lnRef idx="1">
-              <a:schemeClr val="dk1"/>
-            </a:lnRef>
-            <a:fillRef idx="0">
-              <a:schemeClr val="dk1"/>
-            </a:fillRef>
-            <a:effectRef idx="0">
-              <a:schemeClr val="dk1"/>
-            </a:effectRef>
-            <a:fontRef idx="minor">
-              <a:schemeClr val="tx1"/>
-            </a:fontRef>
-          </p:style>
-        </p:cxnSp>
-        <p:grpSp>
-          <p:nvGrpSpPr>
-            <p:cNvPr id="18" name="Group 17">
-              <a:extLst>
-                <a:ext uri="{FF2B5EF4-FFF2-40B4-BE49-F238E27FC236}">
-                  <a16:creationId xmlns:a16="http://schemas.microsoft.com/office/drawing/2014/main" id="{F83E1759-7864-EE51-A58B-B267054B678E}"/>
-                </a:ext>
-              </a:extLst>
-            </p:cNvPr>
-            <p:cNvGrpSpPr/>
-            <p:nvPr/>
-          </p:nvGrpSpPr>
-          <p:grpSpPr>
-            <a:xfrm>
-              <a:off x="5246511" y="2635125"/>
-              <a:ext cx="4075289" cy="2119977"/>
-              <a:chOff x="6355643" y="2616200"/>
-              <a:chExt cx="4075289" cy="2119977"/>
-            </a:xfrm>
-          </p:grpSpPr>
-          <p:sp>
-            <p:nvSpPr>
-              <p:cNvPr id="8" name="Rectangle 7">
-                <a:extLst>
-                  <a:ext uri="{FF2B5EF4-FFF2-40B4-BE49-F238E27FC236}">
-                    <a16:creationId xmlns:a16="http://schemas.microsoft.com/office/drawing/2014/main" id="{A5EE9E9F-DB07-2610-12B5-814F93B2448E}"/>
-                  </a:ext>
-                </a:extLst>
-              </p:cNvPr>
-              <p:cNvSpPr/>
-              <p:nvPr/>
-            </p:nvSpPr>
-            <p:spPr>
-              <a:xfrm>
-                <a:off x="6355643" y="2616200"/>
-                <a:ext cx="3488267" cy="1190977"/>
-              </a:xfrm>
-              <a:prstGeom prst="rect">
-                <a:avLst/>
-              </a:prstGeom>
-              <a:solidFill>
-                <a:schemeClr val="accent6">
-                  <a:lumMod val="40000"/>
-                  <a:lumOff val="60000"/>
-                </a:schemeClr>
-              </a:solidFill>
-            </p:spPr>
-            <p:style>
-              <a:lnRef idx="2">
-                <a:schemeClr val="accent1">
-                  <a:shade val="15000"/>
-                </a:schemeClr>
-              </a:lnRef>
-              <a:fillRef idx="1">
-                <a:schemeClr val="accent1"/>
-              </a:fillRef>
-              <a:effectRef idx="0">
-                <a:schemeClr val="accent1"/>
-              </a:effectRef>
-              <a:fontRef idx="minor">
-                <a:schemeClr val="lt1"/>
-              </a:fontRef>
-            </p:style>
-            <p:txBody>
-              <a:bodyPr rtlCol="0" anchor="ctr"/>
-              <a:lstStyle/>
-              <a:p>
-                <a:pPr algn="ctr"/>
-                <a:r>
-                  <a:rPr lang="en-US" sz="2400" dirty="0">
-                    <a:ln w="0"/>
-                    <a:solidFill>
-                      <a:schemeClr val="tx1"/>
-                    </a:solidFill>
-                    <a:effectLst>
-                      <a:outerShdw blurRad="38100" dist="19050" dir="2700000" algn="tl" rotWithShape="0">
-                        <a:schemeClr val="dk1">
-                          <a:alpha val="40000"/>
-                        </a:schemeClr>
-                      </a:outerShdw>
-                    </a:effectLst>
-                  </a:rPr>
-                  <a:t>Automatically rewrite code to make better use of hardware</a:t>
-                </a:r>
-              </a:p>
-            </p:txBody>
-          </p:sp>
-          <p:sp>
-            <p:nvSpPr>
-              <p:cNvPr id="16" name="TextBox 15">
-                <a:extLst>
-                  <a:ext uri="{FF2B5EF4-FFF2-40B4-BE49-F238E27FC236}">
-                    <a16:creationId xmlns:a16="http://schemas.microsoft.com/office/drawing/2014/main" id="{EAF67D01-9381-6592-3E80-EE793A061949}"/>
-                  </a:ext>
-                </a:extLst>
-              </p:cNvPr>
-              <p:cNvSpPr txBox="1"/>
-              <p:nvPr/>
-            </p:nvSpPr>
-            <p:spPr>
-              <a:xfrm>
-                <a:off x="6355643" y="4028291"/>
-                <a:ext cx="4075289" cy="707886"/>
-              </a:xfrm>
-              <a:prstGeom prst="rect">
-                <a:avLst/>
-              </a:prstGeom>
-              <a:noFill/>
-            </p:spPr>
-            <p:txBody>
-              <a:bodyPr wrap="square" rtlCol="0">
-                <a:spAutoFit/>
-              </a:bodyPr>
-              <a:lstStyle/>
-              <a:p>
-                <a:r>
-                  <a:rPr lang="en-US" sz="2000" b="1" i="1" dirty="0"/>
-                  <a:t>(Loop fission, vectorization, loop tiling, prefetching)</a:t>
-                </a:r>
-              </a:p>
-            </p:txBody>
-          </p:sp>
-        </p:grpSp>
-      </p:grpSp>
-      <p:grpSp>
-        <p:nvGrpSpPr>
-          <p:cNvPr id="27" name="Group 26">
-            <a:extLst>
-              <a:ext uri="{FF2B5EF4-FFF2-40B4-BE49-F238E27FC236}">
-                <a16:creationId xmlns:a16="http://schemas.microsoft.com/office/drawing/2014/main" id="{F375D071-A1DC-27E3-C37D-09E317D6C084}"/>
-              </a:ext>
-            </a:extLst>
-          </p:cNvPr>
-          <p:cNvGrpSpPr/>
-          <p:nvPr/>
-        </p:nvGrpSpPr>
-        <p:grpSpPr>
-          <a:xfrm>
-            <a:off x="6000044" y="1749778"/>
-            <a:ext cx="5672669" cy="2653222"/>
-            <a:chOff x="6000044" y="1749778"/>
-            <a:chExt cx="5672669" cy="2653222"/>
-          </a:xfrm>
-        </p:grpSpPr>
-        <p:cxnSp>
-          <p:nvCxnSpPr>
-            <p:cNvPr id="19" name="Straight Arrow Connector 18">
-              <a:extLst>
-                <a:ext uri="{FF2B5EF4-FFF2-40B4-BE49-F238E27FC236}">
-                  <a16:creationId xmlns:a16="http://schemas.microsoft.com/office/drawing/2014/main" id="{15D0C625-8F2E-C88D-E9B0-F6E53DEB5D2D}"/>
-                </a:ext>
-              </a:extLst>
-            </p:cNvPr>
-            <p:cNvCxnSpPr>
-              <a:cxnSpLocks/>
-              <a:stCxn id="6" idx="2"/>
-              <a:endCxn id="22" idx="0"/>
-            </p:cNvCxnSpPr>
-            <p:nvPr/>
-          </p:nvCxnSpPr>
-          <p:spPr>
-            <a:xfrm>
-              <a:off x="6000044" y="1749778"/>
-              <a:ext cx="4340579" cy="891835"/>
-            </a:xfrm>
-            <a:prstGeom prst="straightConnector1">
-              <a:avLst/>
-            </a:prstGeom>
-            <a:ln w="22225">
-              <a:tailEnd type="triangle"/>
-            </a:ln>
-          </p:spPr>
-          <p:style>
-            <a:lnRef idx="1">
-              <a:schemeClr val="dk1"/>
-            </a:lnRef>
-            <a:fillRef idx="0">
-              <a:schemeClr val="dk1"/>
-            </a:fillRef>
-            <a:effectRef idx="0">
-              <a:schemeClr val="dk1"/>
-            </a:effectRef>
-            <a:fontRef idx="minor">
-              <a:schemeClr val="tx1"/>
-            </a:fontRef>
-          </p:style>
-        </p:cxnSp>
-        <p:sp>
-          <p:nvSpPr>
-            <p:cNvPr id="22" name="Rectangle 21">
-              <a:extLst>
-                <a:ext uri="{FF2B5EF4-FFF2-40B4-BE49-F238E27FC236}">
-                  <a16:creationId xmlns:a16="http://schemas.microsoft.com/office/drawing/2014/main" id="{339D26E0-4578-88E6-570E-39989A1309B2}"/>
-                </a:ext>
-              </a:extLst>
-            </p:cNvPr>
-            <p:cNvSpPr/>
-            <p:nvPr/>
-          </p:nvSpPr>
-          <p:spPr>
-            <a:xfrm>
-              <a:off x="9248423" y="2641613"/>
-              <a:ext cx="2184399" cy="1190977"/>
-            </a:xfrm>
-            <a:prstGeom prst="rect">
-              <a:avLst/>
-            </a:prstGeom>
-            <a:solidFill>
-              <a:schemeClr val="tx1">
-                <a:lumMod val="25000"/>
-                <a:lumOff val="75000"/>
-              </a:schemeClr>
-            </a:solidFill>
-          </p:spPr>
-          <p:style>
-            <a:lnRef idx="2">
-              <a:schemeClr val="accent1">
-                <a:shade val="15000"/>
-              </a:schemeClr>
-            </a:lnRef>
-            <a:fillRef idx="1">
-              <a:schemeClr val="accent1"/>
-            </a:fillRef>
-            <a:effectRef idx="0">
-              <a:schemeClr val="accent1"/>
-            </a:effectRef>
-            <a:fontRef idx="minor">
-              <a:schemeClr val="lt1"/>
-            </a:fontRef>
-          </p:style>
-          <p:txBody>
-            <a:bodyPr rtlCol="0" anchor="ctr"/>
-            <a:lstStyle/>
-            <a:p>
-              <a:pPr algn="ctr"/>
-              <a:r>
-                <a:rPr lang="en-US" sz="2400" dirty="0">
-                  <a:ln w="0"/>
-                  <a:solidFill>
-                    <a:schemeClr val="tx1"/>
-                  </a:solidFill>
-                  <a:effectLst>
-                    <a:outerShdw blurRad="38100" dist="19050" dir="2700000" algn="tl" rotWithShape="0">
-                      <a:schemeClr val="dk1">
-                        <a:alpha val="40000"/>
-                      </a:schemeClr>
-                    </a:outerShdw>
-                  </a:effectLst>
-                </a:rPr>
-                <a:t>Both aspects</a:t>
-              </a:r>
-            </a:p>
-          </p:txBody>
-        </p:sp>
-        <p:sp>
-          <p:nvSpPr>
-            <p:cNvPr id="24" name="TextBox 23">
-              <a:extLst>
-                <a:ext uri="{FF2B5EF4-FFF2-40B4-BE49-F238E27FC236}">
-                  <a16:creationId xmlns:a16="http://schemas.microsoft.com/office/drawing/2014/main" id="{F841D381-CC47-BB41-9F4C-8C9543C0EA8A}"/>
-                </a:ext>
-              </a:extLst>
-            </p:cNvPr>
-            <p:cNvSpPr txBox="1"/>
-            <p:nvPr/>
-          </p:nvSpPr>
-          <p:spPr>
-            <a:xfrm>
-              <a:off x="9417757" y="4002890"/>
-              <a:ext cx="2254956" cy="400110"/>
-            </a:xfrm>
-            <a:prstGeom prst="rect">
-              <a:avLst/>
-            </a:prstGeom>
-            <a:noFill/>
-          </p:spPr>
-          <p:txBody>
-            <a:bodyPr wrap="square" rtlCol="0">
-              <a:spAutoFit/>
-            </a:bodyPr>
-            <a:lstStyle/>
-            <a:p>
-              <a:r>
-                <a:rPr lang="en-US" sz="2000" b="1" i="1" dirty="0"/>
-                <a:t>(Function inlining)</a:t>
-              </a:r>
-            </a:p>
-          </p:txBody>
-        </p:sp>
-      </p:grpSp>
-      <p:sp>
-        <p:nvSpPr>
-          <p:cNvPr id="2" name="TextBox 1">
-            <a:extLst>
-              <a:ext uri="{FF2B5EF4-FFF2-40B4-BE49-F238E27FC236}">
-                <a16:creationId xmlns:a16="http://schemas.microsoft.com/office/drawing/2014/main" id="{FD95DE8B-E223-23CE-68D6-E7B91F4339C3}"/>
-              </a:ext>
-            </a:extLst>
-          </p:cNvPr>
-          <p:cNvSpPr txBox="1"/>
-          <p:nvPr/>
-        </p:nvSpPr>
-        <p:spPr>
-          <a:xfrm>
-            <a:off x="2144888" y="2118751"/>
-            <a:ext cx="1258999" cy="461665"/>
-          </a:xfrm>
-          <a:prstGeom prst="rect">
-            <a:avLst/>
-          </a:prstGeom>
-          <a:noFill/>
-        </p:spPr>
-        <p:txBody>
-          <a:bodyPr wrap="none" rtlCol="0">
-            <a:spAutoFit/>
-          </a:bodyPr>
-          <a:lstStyle/>
-          <a:p>
-            <a:r>
-              <a:rPr lang="en-US" sz="2400" b="1" i="1" dirty="0"/>
-              <a:t>(Theory)</a:t>
-            </a:r>
-          </a:p>
-        </p:txBody>
-      </p:sp>
-      <p:sp>
-        <p:nvSpPr>
-          <p:cNvPr id="3" name="TextBox 2">
-            <a:extLst>
-              <a:ext uri="{FF2B5EF4-FFF2-40B4-BE49-F238E27FC236}">
-                <a16:creationId xmlns:a16="http://schemas.microsoft.com/office/drawing/2014/main" id="{EA22FD34-0C16-9BF8-0EEC-80D479443FE3}"/>
-              </a:ext>
-            </a:extLst>
-          </p:cNvPr>
-          <p:cNvSpPr txBox="1"/>
-          <p:nvPr/>
-        </p:nvSpPr>
-        <p:spPr>
-          <a:xfrm>
-            <a:off x="5246511" y="2118751"/>
-            <a:ext cx="1654620" cy="461665"/>
-          </a:xfrm>
-          <a:prstGeom prst="rect">
-            <a:avLst/>
-          </a:prstGeom>
-          <a:noFill/>
-        </p:spPr>
-        <p:txBody>
-          <a:bodyPr wrap="none" rtlCol="0">
-            <a:spAutoFit/>
-          </a:bodyPr>
-          <a:lstStyle/>
-          <a:p>
-            <a:r>
-              <a:rPr lang="en-US" sz="2400" b="1" i="1" dirty="0"/>
-              <a:t>(Hardware)</a:t>
-            </a:r>
-          </a:p>
-        </p:txBody>
-      </p:sp>
-    </p:spTree>
-    <p:extLst>
-      <p:ext uri="{BB962C8B-B14F-4D97-AF65-F5344CB8AC3E}">
-        <p14:creationId xmlns:p14="http://schemas.microsoft.com/office/powerpoint/2010/main" val="1419212335"/>
-      </p:ext>
-    </p:extLst>
-  </p:cSld>
-  <p:clrMapOvr>
-    <a:masterClrMapping/>
-  </p:clrMapOvr>
-  <p:timing>
-    <p:tnLst>
-      <p:par>
-        <p:cTn id="1" dur="indefinite" restart="never" nodeType="tmRoot">
-          <p:childTnLst>
-            <p:seq concurrent="1" nextAc="seek">
-              <p:cTn id="2" dur="indefinite" nodeType="mainSeq">
-                <p:childTnLst>
-                  <p:par>
-                    <p:cTn id="3" fill="hold">
-                      <p:stCondLst>
-                        <p:cond delay="indefinite"/>
-                      </p:stCondLst>
-                      <p:childTnLst>
-                        <p:par>
-                          <p:cTn id="4" fill="hold">
-                            <p:stCondLst>
-                              <p:cond delay="0"/>
-                            </p:stCondLst>
-                            <p:childTnLst>
-                              <p:par>
-                                <p:cTn id="5" presetID="1" presetClass="entr" presetSubtype="0" fill="hold" nodeType="clickEffect">
-                                  <p:stCondLst>
-                                    <p:cond delay="0"/>
-                                  </p:stCondLst>
-                                  <p:childTnLst>
-                                    <p:set>
-                                      <p:cBhvr>
-                                        <p:cTn id="6" dur="1" fill="hold">
-                                          <p:stCondLst>
-                                            <p:cond delay="0"/>
-                                          </p:stCondLst>
-                                        </p:cTn>
-                                        <p:tgtEl>
-                                          <p:spTgt spid="25"/>
-                                        </p:tgtEl>
-                                        <p:attrNameLst>
-                                          <p:attrName>style.visibility</p:attrName>
-                                        </p:attrNameLst>
-                                      </p:cBhvr>
-                                      <p:to>
-                                        <p:strVal val="visible"/>
-                                      </p:to>
-                                    </p:set>
-                                  </p:childTnLst>
-                                </p:cTn>
-                              </p:par>
-                            </p:childTnLst>
-                          </p:cTn>
-                        </p:par>
-                      </p:childTnLst>
-                    </p:cTn>
-                  </p:par>
-                  <p:par>
-                    <p:cTn id="7" fill="hold">
-                      <p:stCondLst>
-                        <p:cond delay="indefinite"/>
-                      </p:stCondLst>
-                      <p:childTnLst>
-                        <p:par>
-                          <p:cTn id="8" fill="hold">
-                            <p:stCondLst>
-                              <p:cond delay="0"/>
-                            </p:stCondLst>
-                            <p:childTnLst>
-                              <p:par>
-                                <p:cTn id="9" presetID="1" presetClass="entr" presetSubtype="0" fill="hold" grpId="0" nodeType="clickEffect">
-                                  <p:stCondLst>
-                                    <p:cond delay="0"/>
-                                  </p:stCondLst>
-                                  <p:childTnLst>
-                                    <p:set>
-                                      <p:cBhvr>
-                                        <p:cTn id="10" dur="1" fill="hold">
-                                          <p:stCondLst>
-                                            <p:cond delay="0"/>
-                                          </p:stCondLst>
-                                        </p:cTn>
-                                        <p:tgtEl>
-                                          <p:spTgt spid="15"/>
-                                        </p:tgtEl>
-                                        <p:attrNameLst>
-                                          <p:attrName>style.visibility</p:attrName>
-                                        </p:attrNameLst>
-                                      </p:cBhvr>
-                                      <p:to>
-                                        <p:strVal val="visible"/>
-                                      </p:to>
-                                    </p:set>
-                                  </p:childTnLst>
-                                </p:cTn>
-                              </p:par>
-                            </p:childTnLst>
-                          </p:cTn>
-                        </p:par>
-                      </p:childTnLst>
-                    </p:cTn>
-                  </p:par>
-                  <p:par>
-                    <p:cTn id="11" fill="hold">
-                      <p:stCondLst>
-                        <p:cond delay="indefinite"/>
-                      </p:stCondLst>
-                      <p:childTnLst>
-                        <p:par>
-                          <p:cTn id="12" fill="hold">
-                            <p:stCondLst>
-                              <p:cond delay="0"/>
-                            </p:stCondLst>
-                            <p:childTnLst>
-                              <p:par>
-                                <p:cTn id="13" presetID="1" presetClass="entr" presetSubtype="0" fill="hold" grpId="0" nodeType="clickEffect">
-                                  <p:stCondLst>
-                                    <p:cond delay="0"/>
-                                  </p:stCondLst>
-                                  <p:childTnLst>
-                                    <p:set>
-                                      <p:cBhvr>
-                                        <p:cTn id="14" dur="1" fill="hold">
-                                          <p:stCondLst>
-                                            <p:cond delay="0"/>
-                                          </p:stCondLst>
-                                        </p:cTn>
-                                        <p:tgtEl>
-                                          <p:spTgt spid="2"/>
-                                        </p:tgtEl>
-                                        <p:attrNameLst>
-                                          <p:attrName>style.visibility</p:attrName>
-                                        </p:attrNameLst>
-                                      </p:cBhvr>
-                                      <p:to>
-                                        <p:strVal val="visible"/>
-                                      </p:to>
-                                    </p:set>
-                                  </p:childTnLst>
-                                </p:cTn>
-                              </p:par>
-                            </p:childTnLst>
-                          </p:cTn>
-                        </p:par>
-                      </p:childTnLst>
-                    </p:cTn>
-                  </p:par>
-                  <p:par>
-                    <p:cTn id="15" fill="hold">
-                      <p:stCondLst>
-                        <p:cond delay="indefinite"/>
-                      </p:stCondLst>
-                      <p:childTnLst>
-                        <p:par>
-                          <p:cTn id="16" fill="hold">
-                            <p:stCondLst>
-                              <p:cond delay="0"/>
-                            </p:stCondLst>
-                            <p:childTnLst>
-                              <p:par>
-                                <p:cTn id="17" presetID="1" presetClass="entr" presetSubtype="0" fill="hold" nodeType="clickEffect">
-                                  <p:stCondLst>
-                                    <p:cond delay="0"/>
-                                  </p:stCondLst>
-                                  <p:childTnLst>
-                                    <p:set>
-                                      <p:cBhvr>
-                                        <p:cTn id="18" dur="1" fill="hold">
-                                          <p:stCondLst>
-                                            <p:cond delay="0"/>
-                                          </p:stCondLst>
-                                        </p:cTn>
-                                        <p:tgtEl>
-                                          <p:spTgt spid="26"/>
-                                        </p:tgtEl>
-                                        <p:attrNameLst>
-                                          <p:attrName>style.visibility</p:attrName>
-                                        </p:attrNameLst>
-                                      </p:cBhvr>
-                                      <p:to>
-                                        <p:strVal val="visible"/>
-                                      </p:to>
-                                    </p:set>
-                                  </p:childTnLst>
-                                </p:cTn>
-                              </p:par>
-                            </p:childTnLst>
-                          </p:cTn>
-                        </p:par>
-                      </p:childTnLst>
-                    </p:cTn>
-                  </p:par>
-                  <p:par>
-                    <p:cTn id="19" fill="hold">
-                      <p:stCondLst>
-                        <p:cond delay="indefinite"/>
-                      </p:stCondLst>
-                      <p:childTnLst>
-                        <p:par>
-                          <p:cTn id="20" fill="hold">
-                            <p:stCondLst>
-                              <p:cond delay="0"/>
-                            </p:stCondLst>
-                            <p:childTnLst>
-                              <p:par>
-                                <p:cTn id="21" presetID="1" presetClass="entr" presetSubtype="0" fill="hold" grpId="0" nodeType="clickEffect">
-                                  <p:stCondLst>
-                                    <p:cond delay="0"/>
-                                  </p:stCondLst>
-                                  <p:childTnLst>
-                                    <p:set>
-                                      <p:cBhvr>
-                                        <p:cTn id="22" dur="1" fill="hold">
-                                          <p:stCondLst>
-                                            <p:cond delay="0"/>
-                                          </p:stCondLst>
-                                        </p:cTn>
-                                        <p:tgtEl>
-                                          <p:spTgt spid="3"/>
-                                        </p:tgtEl>
-                                        <p:attrNameLst>
-                                          <p:attrName>style.visibility</p:attrName>
-                                        </p:attrNameLst>
-                                      </p:cBhvr>
-                                      <p:to>
-                                        <p:strVal val="visible"/>
-                                      </p:to>
-                                    </p:set>
-                                  </p:childTnLst>
-                                </p:cTn>
-                              </p:par>
-                            </p:childTnLst>
-                          </p:cTn>
-                        </p:par>
-                      </p:childTnLst>
-                    </p:cTn>
-                  </p:par>
-                  <p:par>
-                    <p:cTn id="23" fill="hold">
-                      <p:stCondLst>
-                        <p:cond delay="indefinite"/>
-                      </p:stCondLst>
-                      <p:childTnLst>
-                        <p:par>
-                          <p:cTn id="24" fill="hold">
-                            <p:stCondLst>
-                              <p:cond delay="0"/>
-                            </p:stCondLst>
-                            <p:childTnLst>
-                              <p:par>
-                                <p:cTn id="25" presetID="1" presetClass="entr" presetSubtype="0" fill="hold" nodeType="clickEffect">
-                                  <p:stCondLst>
-                                    <p:cond delay="0"/>
-                                  </p:stCondLst>
-                                  <p:childTnLst>
-                                    <p:set>
-                                      <p:cBhvr>
-                                        <p:cTn id="26" dur="1" fill="hold">
-                                          <p:stCondLst>
-                                            <p:cond delay="0"/>
-                                          </p:stCondLst>
-                                        </p:cTn>
-                                        <p:tgtEl>
-                                          <p:spTgt spid="27"/>
-                                        </p:tgtEl>
-                                        <p:attrNameLst>
-                                          <p:attrName>style.visibility</p:attrName>
-                                        </p:attrNameLst>
-                                      </p:cBhvr>
-                                      <p:to>
-                                        <p:strVal val="visible"/>
-                                      </p:to>
-                                    </p:set>
-                                  </p:childTnLst>
-                                </p:cTn>
-                              </p:par>
-                            </p:childTnLst>
-                          </p:cTn>
-                        </p:par>
-                      </p:childTnLst>
-                    </p:cTn>
-                  </p:par>
-                </p:childTnLst>
-              </p:cTn>
-              <p:prevCondLst>
-                <p:cond evt="onPrev" delay="0">
-                  <p:tgtEl>
-                    <p:sldTgt/>
-                  </p:tgtEl>
-                </p:cond>
-              </p:prevCondLst>
-              <p:nextCondLst>
-                <p:cond evt="onNext" delay="0">
-                  <p:tgtEl>
-                    <p:sldTgt/>
-                  </p:tgtEl>
-                </p:cond>
-              </p:nextCondLst>
-            </p:seq>
-          </p:childTnLst>
-        </p:cTn>
-      </p:par>
-    </p:tnLst>
-    <p:bldLst>
-      <p:bldP spid="15" grpId="0"/>
-      <p:bldP spid="2" grpId="0"/>
-      <p:bldP spid="3" grpId="0"/>
-    </p:bldLst>
-  </p:timing>
-</p:sld>
-</file>
-
-<file path=ppt/slides/slide61.xml><?xml version="1.0" encoding="utf-8"?>
-<p:sld xmlns:a="http://schemas.openxmlformats.org/drawingml/2006/main" xmlns:r="http://schemas.openxmlformats.org/officeDocument/2006/relationships" xmlns:p="http://schemas.openxmlformats.org/presentationml/2006/main">
-  <p:cSld>
-    <p:spTree>
-      <p:nvGrpSpPr>
-        <p:cNvPr id="1" name=""/>
-        <p:cNvGrpSpPr/>
-        <p:nvPr/>
-      </p:nvGrpSpPr>
-      <p:grpSpPr>
-        <a:xfrm>
-          <a:off x="0" y="0"/>
-          <a:ext cx="0" cy="0"/>
-          <a:chOff x="0" y="0"/>
-          <a:chExt cx="0" cy="0"/>
-        </a:xfrm>
-      </p:grpSpPr>
-      <p:sp>
-        <p:nvSpPr>
-          <p:cNvPr id="4" name="Rectangle 3">
-            <a:extLst>
-              <a:ext uri="{FF2B5EF4-FFF2-40B4-BE49-F238E27FC236}">
-                <a16:creationId xmlns:a16="http://schemas.microsoft.com/office/drawing/2014/main" id="{2DC8856A-C6B9-8E10-6C10-1026E102443B}"/>
-              </a:ext>
-            </a:extLst>
-          </p:cNvPr>
-          <p:cNvSpPr/>
-          <p:nvPr/>
-        </p:nvSpPr>
-        <p:spPr>
-          <a:xfrm>
-            <a:off x="182343" y="3136612"/>
-            <a:ext cx="11827340" cy="646331"/>
-          </a:xfrm>
-          <a:prstGeom prst="rect">
-            <a:avLst/>
-          </a:prstGeom>
-          <a:noFill/>
-        </p:spPr>
-        <p:txBody>
-          <a:bodyPr wrap="none" lIns="91440" tIns="45720" rIns="91440" bIns="45720">
-            <a:spAutoFit/>
-          </a:bodyPr>
-          <a:lstStyle/>
-          <a:p>
-            <a:pPr algn="ctr"/>
-            <a:r>
-              <a:rPr lang="en-US" sz="3600" b="1" i="1" cap="none" spc="0" dirty="0">
-                <a:ln w="0"/>
-                <a:solidFill>
-                  <a:schemeClr val="tx1"/>
-                </a:solidFill>
-                <a:effectLst>
-                  <a:outerShdw blurRad="38100" dist="19050" dir="2700000" algn="tl" rotWithShape="0">
-                    <a:schemeClr val="dk1">
-                      <a:alpha val="40000"/>
-                    </a:schemeClr>
-                  </a:outerShdw>
-                </a:effectLst>
-              </a:rPr>
-              <a:t>Need to understand some computer architecture background</a:t>
-            </a:r>
-          </a:p>
-        </p:txBody>
-      </p:sp>
-    </p:spTree>
-    <p:extLst>
-      <p:ext uri="{BB962C8B-B14F-4D97-AF65-F5344CB8AC3E}">
-        <p14:creationId xmlns:p14="http://schemas.microsoft.com/office/powerpoint/2010/main" val="1639398011"/>
-      </p:ext>
-    </p:extLst>
-  </p:cSld>
-  <p:clrMapOvr>
-    <a:masterClrMapping/>
-  </p:clrMapOvr>
-</p:sld>
-</file>
-
-<file path=ppt/slides/slide62.xml><?xml version="1.0" encoding="utf-8"?>
-<p:sld xmlns:a="http://schemas.openxmlformats.org/drawingml/2006/main" xmlns:r="http://schemas.openxmlformats.org/officeDocument/2006/relationships" xmlns:p="http://schemas.openxmlformats.org/presentationml/2006/main">
-  <p:cSld>
-    <p:spTree>
-      <p:nvGrpSpPr>
-        <p:cNvPr id="1" name=""/>
-        <p:cNvGrpSpPr/>
-        <p:nvPr/>
-      </p:nvGrpSpPr>
-      <p:grpSpPr>
-        <a:xfrm>
-          <a:off x="0" y="0"/>
-          <a:ext cx="0" cy="0"/>
-          <a:chOff x="0" y="0"/>
-          <a:chExt cx="0" cy="0"/>
-        </a:xfrm>
-      </p:grpSpPr>
-      <p:sp>
-        <p:nvSpPr>
-          <p:cNvPr id="4" name="Title 3">
-            <a:extLst>
-              <a:ext uri="{FF2B5EF4-FFF2-40B4-BE49-F238E27FC236}">
-                <a16:creationId xmlns:a16="http://schemas.microsoft.com/office/drawing/2014/main" id="{F065BED7-F8B0-34DC-D65A-7ACA5C46A17B}"/>
-              </a:ext>
-            </a:extLst>
-          </p:cNvPr>
-          <p:cNvSpPr>
-            <a:spLocks noGrp="1"/>
-          </p:cNvSpPr>
-          <p:nvPr>
-            <p:ph type="title"/>
-          </p:nvPr>
-        </p:nvSpPr>
-        <p:spPr/>
-        <p:txBody>
-          <a:bodyPr/>
-          <a:lstStyle/>
-          <a:p>
-            <a:r>
-              <a:rPr lang="en-US" dirty="0"/>
-              <a:t>Recap: memory hierarchy</a:t>
-            </a:r>
-          </a:p>
-        </p:txBody>
-      </p:sp>
-      <p:sp>
-        <p:nvSpPr>
-          <p:cNvPr id="14" name="Rectangle 13">
-            <a:extLst>
-              <a:ext uri="{FF2B5EF4-FFF2-40B4-BE49-F238E27FC236}">
-                <a16:creationId xmlns:a16="http://schemas.microsoft.com/office/drawing/2014/main" id="{1BA4FCD3-B047-BD95-C0B2-AFDB62A16BAC}"/>
-              </a:ext>
-            </a:extLst>
-          </p:cNvPr>
-          <p:cNvSpPr/>
-          <p:nvPr/>
-        </p:nvSpPr>
-        <p:spPr>
-          <a:xfrm>
-            <a:off x="1606791" y="1135306"/>
-            <a:ext cx="3650544" cy="3175085"/>
-          </a:xfrm>
-          <a:prstGeom prst="rect">
-            <a:avLst/>
-          </a:prstGeom>
-        </p:spPr>
-        <p:style>
-          <a:lnRef idx="2">
-            <a:schemeClr val="accent1">
-              <a:shade val="15000"/>
-            </a:schemeClr>
-          </a:lnRef>
-          <a:fillRef idx="1">
-            <a:schemeClr val="accent1"/>
-          </a:fillRef>
-          <a:effectRef idx="0">
-            <a:schemeClr val="accent1"/>
-          </a:effectRef>
-          <a:fontRef idx="minor">
-            <a:schemeClr val="lt1"/>
-          </a:fontRef>
-        </p:style>
-        <p:txBody>
-          <a:bodyPr rtlCol="0" anchor="ctr"/>
-          <a:lstStyle/>
-          <a:p>
-            <a:pPr algn="ctr"/>
-            <a:endParaRPr lang="en-US"/>
-          </a:p>
-        </p:txBody>
-      </p:sp>
-      <p:grpSp>
-        <p:nvGrpSpPr>
-          <p:cNvPr id="19" name="Group 18">
-            <a:extLst>
-              <a:ext uri="{FF2B5EF4-FFF2-40B4-BE49-F238E27FC236}">
-                <a16:creationId xmlns:a16="http://schemas.microsoft.com/office/drawing/2014/main" id="{7B32EA4C-D3E9-18CA-6B0F-91168076D754}"/>
-              </a:ext>
-            </a:extLst>
-          </p:cNvPr>
-          <p:cNvGrpSpPr/>
-          <p:nvPr/>
-        </p:nvGrpSpPr>
-        <p:grpSpPr>
-          <a:xfrm>
-            <a:off x="1979324" y="1255957"/>
-            <a:ext cx="1054100" cy="1079500"/>
-            <a:chOff x="4229100" y="1276350"/>
-            <a:chExt cx="1054100" cy="1079500"/>
-          </a:xfrm>
-        </p:grpSpPr>
-        <p:sp>
-          <p:nvSpPr>
-            <p:cNvPr id="15" name="Rectangle 14">
-              <a:extLst>
-                <a:ext uri="{FF2B5EF4-FFF2-40B4-BE49-F238E27FC236}">
-                  <a16:creationId xmlns:a16="http://schemas.microsoft.com/office/drawing/2014/main" id="{445F37F5-5D2C-E691-83AC-5763B7C6430D}"/>
-                </a:ext>
-              </a:extLst>
-            </p:cNvPr>
-            <p:cNvSpPr/>
-            <p:nvPr/>
-          </p:nvSpPr>
-          <p:spPr>
-            <a:xfrm>
-              <a:off x="4229100" y="1276350"/>
-              <a:ext cx="1054100" cy="1079500"/>
-            </a:xfrm>
-            <a:prstGeom prst="rect">
-              <a:avLst/>
-            </a:prstGeom>
-          </p:spPr>
-          <p:style>
-            <a:lnRef idx="2">
-              <a:schemeClr val="dk1">
-                <a:shade val="15000"/>
-              </a:schemeClr>
-            </a:lnRef>
-            <a:fillRef idx="1">
-              <a:schemeClr val="dk1"/>
-            </a:fillRef>
-            <a:effectRef idx="0">
-              <a:schemeClr val="dk1"/>
-            </a:effectRef>
-            <a:fontRef idx="minor">
-              <a:schemeClr val="lt1"/>
-            </a:fontRef>
-          </p:style>
-          <p:txBody>
-            <a:bodyPr rtlCol="0" anchor="ctr"/>
-            <a:lstStyle/>
-            <a:p>
-              <a:pPr algn="ctr"/>
-              <a:r>
-                <a:rPr lang="en-US" sz="2800" dirty="0"/>
-                <a:t>CPU</a:t>
-              </a:r>
-              <a:endParaRPr lang="en-US" dirty="0"/>
-            </a:p>
-          </p:txBody>
-        </p:sp>
-        <p:sp>
-          <p:nvSpPr>
-            <p:cNvPr id="16" name="Rectangle 15">
-              <a:extLst>
-                <a:ext uri="{FF2B5EF4-FFF2-40B4-BE49-F238E27FC236}">
-                  <a16:creationId xmlns:a16="http://schemas.microsoft.com/office/drawing/2014/main" id="{9E922B90-4045-40D4-9EC9-EFD546DC5C3D}"/>
-                </a:ext>
-              </a:extLst>
-            </p:cNvPr>
-            <p:cNvSpPr/>
-            <p:nvPr/>
-          </p:nvSpPr>
-          <p:spPr>
-            <a:xfrm>
-              <a:off x="4331970" y="2002155"/>
-              <a:ext cx="848360" cy="275590"/>
-            </a:xfrm>
-            <a:prstGeom prst="rect">
-              <a:avLst/>
-            </a:prstGeom>
-          </p:spPr>
-          <p:style>
-            <a:lnRef idx="2">
-              <a:schemeClr val="accent5">
-                <a:shade val="15000"/>
-              </a:schemeClr>
-            </a:lnRef>
-            <a:fillRef idx="1">
-              <a:schemeClr val="accent5"/>
-            </a:fillRef>
-            <a:effectRef idx="0">
-              <a:schemeClr val="accent5"/>
-            </a:effectRef>
-            <a:fontRef idx="minor">
-              <a:schemeClr val="lt1"/>
-            </a:fontRef>
-          </p:style>
-          <p:txBody>
-            <a:bodyPr rtlCol="0" anchor="ctr"/>
-            <a:lstStyle/>
-            <a:p>
-              <a:pPr algn="ctr"/>
-              <a:r>
-                <a:rPr lang="en-US" dirty="0">
-                  <a:solidFill>
-                    <a:schemeClr val="tx1"/>
-                  </a:solidFill>
-                </a:rPr>
-                <a:t>REGS</a:t>
-              </a:r>
-            </a:p>
-          </p:txBody>
-        </p:sp>
-      </p:grpSp>
-      <p:grpSp>
-        <p:nvGrpSpPr>
-          <p:cNvPr id="20" name="Group 19">
-            <a:extLst>
-              <a:ext uri="{FF2B5EF4-FFF2-40B4-BE49-F238E27FC236}">
-                <a16:creationId xmlns:a16="http://schemas.microsoft.com/office/drawing/2014/main" id="{53F6DFE3-571E-53F7-F1DB-A462D5177E91}"/>
-              </a:ext>
-            </a:extLst>
-          </p:cNvPr>
-          <p:cNvGrpSpPr/>
-          <p:nvPr/>
-        </p:nvGrpSpPr>
-        <p:grpSpPr>
-          <a:xfrm>
-            <a:off x="3676891" y="1255957"/>
-            <a:ext cx="1054100" cy="1079500"/>
-            <a:chOff x="6158018" y="1276350"/>
-            <a:chExt cx="1054100" cy="1079500"/>
-          </a:xfrm>
-        </p:grpSpPr>
-        <p:sp>
-          <p:nvSpPr>
-            <p:cNvPr id="17" name="Rectangle 16">
-              <a:extLst>
-                <a:ext uri="{FF2B5EF4-FFF2-40B4-BE49-F238E27FC236}">
-                  <a16:creationId xmlns:a16="http://schemas.microsoft.com/office/drawing/2014/main" id="{91920E57-F4A3-D66B-5D02-76EA2970734A}"/>
-                </a:ext>
-              </a:extLst>
-            </p:cNvPr>
-            <p:cNvSpPr/>
-            <p:nvPr/>
-          </p:nvSpPr>
-          <p:spPr>
-            <a:xfrm>
-              <a:off x="6158018" y="1276350"/>
-              <a:ext cx="1054100" cy="1079500"/>
-            </a:xfrm>
-            <a:prstGeom prst="rect">
-              <a:avLst/>
-            </a:prstGeom>
-          </p:spPr>
-          <p:style>
-            <a:lnRef idx="2">
-              <a:schemeClr val="dk1">
-                <a:shade val="15000"/>
-              </a:schemeClr>
-            </a:lnRef>
-            <a:fillRef idx="1">
-              <a:schemeClr val="dk1"/>
-            </a:fillRef>
-            <a:effectRef idx="0">
-              <a:schemeClr val="dk1"/>
-            </a:effectRef>
-            <a:fontRef idx="minor">
-              <a:schemeClr val="lt1"/>
-            </a:fontRef>
-          </p:style>
-          <p:txBody>
-            <a:bodyPr rtlCol="0" anchor="ctr"/>
-            <a:lstStyle/>
-            <a:p>
-              <a:pPr algn="ctr"/>
-              <a:r>
-                <a:rPr lang="en-US" sz="2800" dirty="0"/>
-                <a:t>CPU</a:t>
-              </a:r>
-              <a:endParaRPr lang="en-US" dirty="0"/>
-            </a:p>
-          </p:txBody>
-        </p:sp>
-        <p:sp>
-          <p:nvSpPr>
-            <p:cNvPr id="18" name="Rectangle 17">
-              <a:extLst>
-                <a:ext uri="{FF2B5EF4-FFF2-40B4-BE49-F238E27FC236}">
-                  <a16:creationId xmlns:a16="http://schemas.microsoft.com/office/drawing/2014/main" id="{FC459348-CC8C-A761-7C8A-B9E30EBCF6FD}"/>
-                </a:ext>
-              </a:extLst>
-            </p:cNvPr>
-            <p:cNvSpPr/>
-            <p:nvPr/>
-          </p:nvSpPr>
-          <p:spPr>
-            <a:xfrm>
-              <a:off x="6260888" y="2002155"/>
-              <a:ext cx="848360" cy="275590"/>
-            </a:xfrm>
-            <a:prstGeom prst="rect">
-              <a:avLst/>
-            </a:prstGeom>
-          </p:spPr>
-          <p:style>
-            <a:lnRef idx="2">
-              <a:schemeClr val="accent5">
-                <a:shade val="15000"/>
-              </a:schemeClr>
-            </a:lnRef>
-            <a:fillRef idx="1">
-              <a:schemeClr val="accent5"/>
-            </a:fillRef>
-            <a:effectRef idx="0">
-              <a:schemeClr val="accent5"/>
-            </a:effectRef>
-            <a:fontRef idx="minor">
-              <a:schemeClr val="lt1"/>
-            </a:fontRef>
-          </p:style>
-          <p:txBody>
-            <a:bodyPr rtlCol="0" anchor="ctr"/>
-            <a:lstStyle/>
-            <a:p>
-              <a:pPr algn="ctr"/>
-              <a:r>
-                <a:rPr lang="en-US" dirty="0">
-                  <a:solidFill>
-                    <a:schemeClr val="tx1"/>
-                  </a:solidFill>
-                </a:rPr>
-                <a:t>REGS</a:t>
-              </a:r>
-            </a:p>
-          </p:txBody>
-        </p:sp>
-      </p:grpSp>
-      <p:sp>
-        <p:nvSpPr>
-          <p:cNvPr id="21" name="Rectangle 20">
-            <a:extLst>
-              <a:ext uri="{FF2B5EF4-FFF2-40B4-BE49-F238E27FC236}">
-                <a16:creationId xmlns:a16="http://schemas.microsoft.com/office/drawing/2014/main" id="{2D53366D-BF51-8E5C-1A50-AB12AF3DD899}"/>
-              </a:ext>
-            </a:extLst>
-          </p:cNvPr>
-          <p:cNvSpPr/>
-          <p:nvPr/>
-        </p:nvSpPr>
-        <p:spPr>
-          <a:xfrm>
-            <a:off x="1755663" y="2493642"/>
-            <a:ext cx="1501422" cy="440267"/>
-          </a:xfrm>
-          <a:prstGeom prst="rect">
-            <a:avLst/>
-          </a:prstGeom>
-        </p:spPr>
-        <p:style>
-          <a:lnRef idx="2">
-            <a:schemeClr val="accent6">
-              <a:shade val="15000"/>
-            </a:schemeClr>
-          </a:lnRef>
-          <a:fillRef idx="1">
-            <a:schemeClr val="accent6"/>
-          </a:fillRef>
-          <a:effectRef idx="0">
-            <a:schemeClr val="accent6"/>
-          </a:effectRef>
-          <a:fontRef idx="minor">
-            <a:schemeClr val="lt1"/>
-          </a:fontRef>
-        </p:style>
-        <p:txBody>
-          <a:bodyPr rtlCol="0" anchor="ctr"/>
-          <a:lstStyle/>
-          <a:p>
-            <a:pPr algn="ctr"/>
-            <a:r>
-              <a:rPr lang="en-US" b="1" dirty="0">
-                <a:solidFill>
-                  <a:schemeClr val="tx1"/>
-                </a:solidFill>
-              </a:rPr>
-              <a:t>L1 Cache</a:t>
-            </a:r>
-          </a:p>
-        </p:txBody>
-      </p:sp>
-      <p:sp>
-        <p:nvSpPr>
-          <p:cNvPr id="22" name="Rectangle 21">
-            <a:extLst>
-              <a:ext uri="{FF2B5EF4-FFF2-40B4-BE49-F238E27FC236}">
-                <a16:creationId xmlns:a16="http://schemas.microsoft.com/office/drawing/2014/main" id="{E54FA52A-DD15-D108-9F74-A408B517EE9D}"/>
-              </a:ext>
-            </a:extLst>
-          </p:cNvPr>
-          <p:cNvSpPr/>
-          <p:nvPr/>
-        </p:nvSpPr>
-        <p:spPr>
-          <a:xfrm>
-            <a:off x="3453230" y="2505319"/>
-            <a:ext cx="1501422" cy="440267"/>
-          </a:xfrm>
-          <a:prstGeom prst="rect">
-            <a:avLst/>
-          </a:prstGeom>
-        </p:spPr>
-        <p:style>
-          <a:lnRef idx="2">
-            <a:schemeClr val="accent6">
-              <a:shade val="15000"/>
-            </a:schemeClr>
-          </a:lnRef>
-          <a:fillRef idx="1">
-            <a:schemeClr val="accent6"/>
-          </a:fillRef>
-          <a:effectRef idx="0">
-            <a:schemeClr val="accent6"/>
-          </a:effectRef>
-          <a:fontRef idx="minor">
-            <a:schemeClr val="lt1"/>
-          </a:fontRef>
-        </p:style>
-        <p:txBody>
-          <a:bodyPr rtlCol="0" anchor="ctr"/>
-          <a:lstStyle/>
-          <a:p>
-            <a:pPr algn="ctr"/>
-            <a:r>
-              <a:rPr lang="en-US" b="1" dirty="0">
-                <a:solidFill>
-                  <a:schemeClr val="tx1"/>
-                </a:solidFill>
-              </a:rPr>
-              <a:t>L1 Cache</a:t>
-            </a:r>
-          </a:p>
-        </p:txBody>
-      </p:sp>
-      <p:sp>
-        <p:nvSpPr>
-          <p:cNvPr id="23" name="Rectangle 22">
-            <a:extLst>
-              <a:ext uri="{FF2B5EF4-FFF2-40B4-BE49-F238E27FC236}">
-                <a16:creationId xmlns:a16="http://schemas.microsoft.com/office/drawing/2014/main" id="{ACBCADF8-EC02-4351-4E04-7C57CC37BB07}"/>
-              </a:ext>
-            </a:extLst>
-          </p:cNvPr>
-          <p:cNvSpPr/>
-          <p:nvPr/>
-        </p:nvSpPr>
-        <p:spPr>
-          <a:xfrm>
-            <a:off x="1829633" y="3763321"/>
-            <a:ext cx="3217333" cy="440267"/>
-          </a:xfrm>
-          <a:prstGeom prst="rect">
-            <a:avLst/>
-          </a:prstGeom>
-          <a:solidFill>
-            <a:schemeClr val="tx2">
-              <a:lumMod val="20000"/>
-              <a:lumOff val="80000"/>
-            </a:schemeClr>
-          </a:solidFill>
-        </p:spPr>
-        <p:style>
-          <a:lnRef idx="2">
-            <a:schemeClr val="accent6">
-              <a:shade val="15000"/>
-            </a:schemeClr>
-          </a:lnRef>
-          <a:fillRef idx="1">
-            <a:schemeClr val="accent6"/>
-          </a:fillRef>
-          <a:effectRef idx="0">
-            <a:schemeClr val="accent6"/>
-          </a:effectRef>
-          <a:fontRef idx="minor">
-            <a:schemeClr val="lt1"/>
-          </a:fontRef>
-        </p:style>
-        <p:txBody>
-          <a:bodyPr rtlCol="0" anchor="ctr"/>
-          <a:lstStyle/>
-          <a:p>
-            <a:pPr algn="ctr"/>
-            <a:r>
-              <a:rPr lang="en-US" b="1" dirty="0">
-                <a:solidFill>
-                  <a:schemeClr val="tx1"/>
-                </a:solidFill>
-              </a:rPr>
-              <a:t>LLC Cache</a:t>
-            </a:r>
-          </a:p>
-        </p:txBody>
-      </p:sp>
-      <p:cxnSp>
-        <p:nvCxnSpPr>
-          <p:cNvPr id="25" name="Straight Arrow Connector 24">
-            <a:extLst>
-              <a:ext uri="{FF2B5EF4-FFF2-40B4-BE49-F238E27FC236}">
-                <a16:creationId xmlns:a16="http://schemas.microsoft.com/office/drawing/2014/main" id="{18459354-5BE6-1F38-4CFB-4F7686ECE180}"/>
-              </a:ext>
-            </a:extLst>
-          </p:cNvPr>
-          <p:cNvCxnSpPr>
-            <a:cxnSpLocks/>
-            <a:stCxn id="15" idx="2"/>
-            <a:endCxn id="21" idx="0"/>
-          </p:cNvCxnSpPr>
-          <p:nvPr/>
-        </p:nvCxnSpPr>
-        <p:spPr>
-          <a:xfrm>
-            <a:off x="2506374" y="2335457"/>
-            <a:ext cx="0" cy="158185"/>
-          </a:xfrm>
-          <a:prstGeom prst="straightConnector1">
-            <a:avLst/>
-          </a:prstGeom>
-          <a:ln>
-            <a:headEnd type="triangle"/>
-            <a:tailEnd type="triangle"/>
-          </a:ln>
-        </p:spPr>
-        <p:style>
-          <a:lnRef idx="1">
-            <a:schemeClr val="dk1"/>
-          </a:lnRef>
-          <a:fillRef idx="0">
-            <a:schemeClr val="dk1"/>
-          </a:fillRef>
-          <a:effectRef idx="0">
-            <a:schemeClr val="dk1"/>
-          </a:effectRef>
-          <a:fontRef idx="minor">
-            <a:schemeClr val="tx1"/>
-          </a:fontRef>
-        </p:style>
-      </p:cxnSp>
-      <p:cxnSp>
-        <p:nvCxnSpPr>
-          <p:cNvPr id="28" name="Straight Arrow Connector 27">
-            <a:extLst>
-              <a:ext uri="{FF2B5EF4-FFF2-40B4-BE49-F238E27FC236}">
-                <a16:creationId xmlns:a16="http://schemas.microsoft.com/office/drawing/2014/main" id="{B8B313EF-B77C-FA42-487F-72A080425F45}"/>
-              </a:ext>
-            </a:extLst>
-          </p:cNvPr>
-          <p:cNvCxnSpPr>
-            <a:cxnSpLocks/>
-            <a:stCxn id="17" idx="2"/>
-            <a:endCxn id="22" idx="0"/>
-          </p:cNvCxnSpPr>
-          <p:nvPr/>
-        </p:nvCxnSpPr>
-        <p:spPr>
-          <a:xfrm>
-            <a:off x="4203941" y="2335457"/>
-            <a:ext cx="0" cy="169862"/>
-          </a:xfrm>
-          <a:prstGeom prst="straightConnector1">
-            <a:avLst/>
-          </a:prstGeom>
-          <a:ln>
-            <a:headEnd type="triangle"/>
-            <a:tailEnd type="triangle"/>
-          </a:ln>
-        </p:spPr>
-        <p:style>
-          <a:lnRef idx="1">
-            <a:schemeClr val="dk1"/>
-          </a:lnRef>
-          <a:fillRef idx="0">
-            <a:schemeClr val="dk1"/>
-          </a:fillRef>
-          <a:effectRef idx="0">
-            <a:schemeClr val="dk1"/>
-          </a:effectRef>
-          <a:fontRef idx="minor">
-            <a:schemeClr val="tx1"/>
-          </a:fontRef>
-        </p:style>
-      </p:cxnSp>
-      <p:cxnSp>
-        <p:nvCxnSpPr>
-          <p:cNvPr id="32" name="Straight Arrow Connector 31">
-            <a:extLst>
-              <a:ext uri="{FF2B5EF4-FFF2-40B4-BE49-F238E27FC236}">
-                <a16:creationId xmlns:a16="http://schemas.microsoft.com/office/drawing/2014/main" id="{DE4D796A-ABE2-218D-53CB-D23F98EF1815}"/>
-              </a:ext>
-            </a:extLst>
-          </p:cNvPr>
-          <p:cNvCxnSpPr>
-            <a:cxnSpLocks/>
-            <a:stCxn id="21" idx="2"/>
-          </p:cNvCxnSpPr>
-          <p:nvPr/>
-        </p:nvCxnSpPr>
-        <p:spPr>
-          <a:xfrm>
-            <a:off x="2506374" y="2933909"/>
-            <a:ext cx="0" cy="220133"/>
-          </a:xfrm>
-          <a:prstGeom prst="straightConnector1">
-            <a:avLst/>
-          </a:prstGeom>
-          <a:ln>
-            <a:headEnd type="triangle"/>
-            <a:tailEnd type="triangle"/>
-          </a:ln>
-        </p:spPr>
-        <p:style>
-          <a:lnRef idx="1">
-            <a:schemeClr val="dk1"/>
-          </a:lnRef>
-          <a:fillRef idx="0">
-            <a:schemeClr val="dk1"/>
-          </a:fillRef>
-          <a:effectRef idx="0">
-            <a:schemeClr val="dk1"/>
-          </a:effectRef>
-          <a:fontRef idx="minor">
-            <a:schemeClr val="tx1"/>
-          </a:fontRef>
-        </p:style>
-      </p:cxnSp>
-      <p:cxnSp>
-        <p:nvCxnSpPr>
-          <p:cNvPr id="36" name="Straight Arrow Connector 35">
-            <a:extLst>
-              <a:ext uri="{FF2B5EF4-FFF2-40B4-BE49-F238E27FC236}">
-                <a16:creationId xmlns:a16="http://schemas.microsoft.com/office/drawing/2014/main" id="{97E5ED43-1208-A302-6CEF-8E07305A175E}"/>
-              </a:ext>
-            </a:extLst>
-          </p:cNvPr>
-          <p:cNvCxnSpPr>
-            <a:cxnSpLocks/>
-            <a:stCxn id="22" idx="2"/>
-          </p:cNvCxnSpPr>
-          <p:nvPr/>
-        </p:nvCxnSpPr>
-        <p:spPr>
-          <a:xfrm>
-            <a:off x="4203941" y="2945586"/>
-            <a:ext cx="0" cy="216930"/>
-          </a:xfrm>
-          <a:prstGeom prst="straightConnector1">
-            <a:avLst/>
-          </a:prstGeom>
-          <a:ln>
-            <a:headEnd type="triangle"/>
-            <a:tailEnd type="triangle"/>
-          </a:ln>
-        </p:spPr>
-        <p:style>
-          <a:lnRef idx="1">
-            <a:schemeClr val="dk1"/>
-          </a:lnRef>
-          <a:fillRef idx="0">
-            <a:schemeClr val="dk1"/>
-          </a:fillRef>
-          <a:effectRef idx="0">
-            <a:schemeClr val="dk1"/>
-          </a:effectRef>
-          <a:fontRef idx="minor">
-            <a:schemeClr val="tx1"/>
-          </a:fontRef>
-        </p:style>
-      </p:cxnSp>
-      <p:sp>
-        <p:nvSpPr>
-          <p:cNvPr id="51" name="TextBox 50">
-            <a:extLst>
-              <a:ext uri="{FF2B5EF4-FFF2-40B4-BE49-F238E27FC236}">
-                <a16:creationId xmlns:a16="http://schemas.microsoft.com/office/drawing/2014/main" id="{18AF3F90-E2EA-99A2-117E-6E0B496B4364}"/>
-              </a:ext>
-            </a:extLst>
-          </p:cNvPr>
-          <p:cNvSpPr txBox="1"/>
-          <p:nvPr/>
-        </p:nvSpPr>
-        <p:spPr>
-          <a:xfrm>
-            <a:off x="2814553" y="662222"/>
-            <a:ext cx="1235018" cy="461665"/>
-          </a:xfrm>
-          <a:prstGeom prst="rect">
-            <a:avLst/>
-          </a:prstGeom>
-          <a:noFill/>
-        </p:spPr>
-        <p:txBody>
-          <a:bodyPr wrap="none" rtlCol="0">
-            <a:spAutoFit/>
-          </a:bodyPr>
-          <a:lstStyle/>
-          <a:p>
-            <a:r>
-              <a:rPr lang="en-US" sz="2400" b="1" i="1" dirty="0"/>
-              <a:t>Socket 1</a:t>
-            </a:r>
-          </a:p>
-        </p:txBody>
-      </p:sp>
-      <p:sp>
-        <p:nvSpPr>
-          <p:cNvPr id="53" name="Rectangle 52">
-            <a:extLst>
-              <a:ext uri="{FF2B5EF4-FFF2-40B4-BE49-F238E27FC236}">
-                <a16:creationId xmlns:a16="http://schemas.microsoft.com/office/drawing/2014/main" id="{9CE92988-7F8B-077F-A82A-C36A6D852EF0}"/>
-              </a:ext>
-            </a:extLst>
-          </p:cNvPr>
-          <p:cNvSpPr/>
-          <p:nvPr/>
-        </p:nvSpPr>
-        <p:spPr>
-          <a:xfrm>
-            <a:off x="1579261" y="4691943"/>
-            <a:ext cx="8116117" cy="696277"/>
-          </a:xfrm>
-          <a:prstGeom prst="rect">
-            <a:avLst/>
-          </a:prstGeom>
-          <a:solidFill>
-            <a:schemeClr val="accent2"/>
-          </a:solidFill>
-        </p:spPr>
-        <p:style>
-          <a:lnRef idx="2">
-            <a:schemeClr val="accent6">
-              <a:shade val="15000"/>
-            </a:schemeClr>
-          </a:lnRef>
-          <a:fillRef idx="1">
-            <a:schemeClr val="accent6"/>
-          </a:fillRef>
-          <a:effectRef idx="0">
-            <a:schemeClr val="accent6"/>
-          </a:effectRef>
-          <a:fontRef idx="minor">
-            <a:schemeClr val="lt1"/>
-          </a:fontRef>
-        </p:style>
-        <p:txBody>
-          <a:bodyPr rtlCol="0" anchor="ctr"/>
-          <a:lstStyle/>
-          <a:p>
-            <a:pPr algn="ctr"/>
-            <a:r>
-              <a:rPr lang="en-US" b="1" dirty="0">
-                <a:solidFill>
-                  <a:schemeClr val="tx1"/>
-                </a:solidFill>
-              </a:rPr>
-              <a:t>DRAM</a:t>
-            </a:r>
-          </a:p>
-        </p:txBody>
-      </p:sp>
-      <p:cxnSp>
-        <p:nvCxnSpPr>
-          <p:cNvPr id="55" name="Straight Connector 54">
-            <a:extLst>
-              <a:ext uri="{FF2B5EF4-FFF2-40B4-BE49-F238E27FC236}">
-                <a16:creationId xmlns:a16="http://schemas.microsoft.com/office/drawing/2014/main" id="{2A2E5947-633E-54A2-ACC9-473EE0110053}"/>
-              </a:ext>
-            </a:extLst>
-          </p:cNvPr>
-          <p:cNvCxnSpPr/>
-          <p:nvPr/>
-        </p:nvCxnSpPr>
-        <p:spPr>
-          <a:xfrm>
-            <a:off x="1579261" y="4497128"/>
-            <a:ext cx="8088587" cy="0"/>
-          </a:xfrm>
-          <a:prstGeom prst="line">
-            <a:avLst/>
-          </a:prstGeom>
-          <a:ln w="31750">
-            <a:solidFill>
-              <a:schemeClr val="accent4"/>
-            </a:solidFill>
-          </a:ln>
-        </p:spPr>
-        <p:style>
-          <a:lnRef idx="1">
-            <a:schemeClr val="accent1"/>
-          </a:lnRef>
-          <a:fillRef idx="0">
-            <a:schemeClr val="accent1"/>
-          </a:fillRef>
-          <a:effectRef idx="0">
-            <a:schemeClr val="accent1"/>
-          </a:effectRef>
-          <a:fontRef idx="minor">
-            <a:schemeClr val="tx1"/>
-          </a:fontRef>
-        </p:style>
-      </p:cxnSp>
-      <p:sp>
-        <p:nvSpPr>
-          <p:cNvPr id="56" name="TextBox 55">
-            <a:extLst>
-              <a:ext uri="{FF2B5EF4-FFF2-40B4-BE49-F238E27FC236}">
-                <a16:creationId xmlns:a16="http://schemas.microsoft.com/office/drawing/2014/main" id="{6D6FFC78-5EF0-B7E2-66E2-5A7241CB1E62}"/>
-              </a:ext>
-            </a:extLst>
-          </p:cNvPr>
-          <p:cNvSpPr txBox="1"/>
-          <p:nvPr/>
-        </p:nvSpPr>
-        <p:spPr>
-          <a:xfrm>
-            <a:off x="9815832" y="4235518"/>
-            <a:ext cx="2051267" cy="523220"/>
-          </a:xfrm>
-          <a:prstGeom prst="rect">
-            <a:avLst/>
-          </a:prstGeom>
-          <a:noFill/>
-        </p:spPr>
-        <p:txBody>
-          <a:bodyPr wrap="none" rtlCol="0">
-            <a:spAutoFit/>
-          </a:bodyPr>
-          <a:lstStyle/>
-          <a:p>
-            <a:r>
-              <a:rPr lang="en-US" sz="2800" b="1" i="1" dirty="0"/>
-              <a:t>Memory bus</a:t>
-            </a:r>
-          </a:p>
-        </p:txBody>
-      </p:sp>
-      <p:cxnSp>
-        <p:nvCxnSpPr>
-          <p:cNvPr id="57" name="Straight Arrow Connector 56">
-            <a:extLst>
-              <a:ext uri="{FF2B5EF4-FFF2-40B4-BE49-F238E27FC236}">
-                <a16:creationId xmlns:a16="http://schemas.microsoft.com/office/drawing/2014/main" id="{285361B7-74AD-54CF-A10D-6D02E5CB2812}"/>
-              </a:ext>
-            </a:extLst>
-          </p:cNvPr>
-          <p:cNvCxnSpPr>
-            <a:cxnSpLocks/>
-            <a:stCxn id="23" idx="2"/>
-          </p:cNvCxnSpPr>
-          <p:nvPr/>
-        </p:nvCxnSpPr>
-        <p:spPr>
-          <a:xfrm>
-            <a:off x="3438300" y="4203588"/>
-            <a:ext cx="0" cy="284877"/>
-          </a:xfrm>
-          <a:prstGeom prst="straightConnector1">
-            <a:avLst/>
-          </a:prstGeom>
-          <a:ln>
-            <a:headEnd type="triangle"/>
-            <a:tailEnd type="triangle"/>
-          </a:ln>
-        </p:spPr>
-        <p:style>
-          <a:lnRef idx="1">
-            <a:schemeClr val="dk1"/>
-          </a:lnRef>
-          <a:fillRef idx="0">
-            <a:schemeClr val="dk1"/>
-          </a:fillRef>
-          <a:effectRef idx="0">
-            <a:schemeClr val="dk1"/>
-          </a:effectRef>
-          <a:fontRef idx="minor">
-            <a:schemeClr val="tx1"/>
-          </a:fontRef>
-        </p:style>
-      </p:cxnSp>
-      <p:cxnSp>
-        <p:nvCxnSpPr>
-          <p:cNvPr id="62" name="Straight Arrow Connector 61">
-            <a:extLst>
-              <a:ext uri="{FF2B5EF4-FFF2-40B4-BE49-F238E27FC236}">
-                <a16:creationId xmlns:a16="http://schemas.microsoft.com/office/drawing/2014/main" id="{E473171A-E409-0768-8BA8-651C5B3329BB}"/>
-              </a:ext>
-            </a:extLst>
-          </p:cNvPr>
-          <p:cNvCxnSpPr>
-            <a:cxnSpLocks/>
-            <a:endCxn id="53" idx="0"/>
-          </p:cNvCxnSpPr>
-          <p:nvPr/>
-        </p:nvCxnSpPr>
-        <p:spPr>
-          <a:xfrm>
-            <a:off x="5637320" y="4497128"/>
-            <a:ext cx="0" cy="194815"/>
-          </a:xfrm>
-          <a:prstGeom prst="straightConnector1">
-            <a:avLst/>
-          </a:prstGeom>
-          <a:ln>
-            <a:headEnd type="triangle"/>
-            <a:tailEnd type="triangle"/>
-          </a:ln>
-        </p:spPr>
-        <p:style>
-          <a:lnRef idx="1">
-            <a:schemeClr val="dk1"/>
-          </a:lnRef>
-          <a:fillRef idx="0">
-            <a:schemeClr val="dk1"/>
-          </a:fillRef>
-          <a:effectRef idx="0">
-            <a:schemeClr val="dk1"/>
-          </a:effectRef>
-          <a:fontRef idx="minor">
-            <a:schemeClr val="tx1"/>
-          </a:fontRef>
-        </p:style>
-      </p:cxnSp>
-      <p:sp>
-        <p:nvSpPr>
-          <p:cNvPr id="1026" name="Rectangle 1025">
-            <a:extLst>
-              <a:ext uri="{FF2B5EF4-FFF2-40B4-BE49-F238E27FC236}">
-                <a16:creationId xmlns:a16="http://schemas.microsoft.com/office/drawing/2014/main" id="{458032B5-7DE3-06FE-5C0E-CA8FC0D43C03}"/>
-              </a:ext>
-            </a:extLst>
-          </p:cNvPr>
-          <p:cNvSpPr/>
-          <p:nvPr/>
-        </p:nvSpPr>
-        <p:spPr>
-          <a:xfrm>
-            <a:off x="1221446" y="5090138"/>
-            <a:ext cx="9467592" cy="584775"/>
-          </a:xfrm>
-          <a:prstGeom prst="rect">
-            <a:avLst/>
-          </a:prstGeom>
-          <a:solidFill>
-            <a:srgbClr val="FFFFFF"/>
-          </a:solidFill>
-        </p:spPr>
-        <p:txBody>
-          <a:bodyPr wrap="none" lIns="91440" tIns="45720" rIns="91440" bIns="45720">
-            <a:spAutoFit/>
-          </a:bodyPr>
-          <a:lstStyle/>
-          <a:p>
-            <a:pPr algn="ctr"/>
-            <a:r>
-              <a:rPr lang="en-US" sz="3200" b="1" i="1" dirty="0">
-                <a:ln w="0"/>
-                <a:effectLst>
-                  <a:outerShdw blurRad="38100" dist="19050" dir="2700000" algn="tl" rotWithShape="0">
-                    <a:schemeClr val="dk1">
-                      <a:alpha val="40000"/>
-                    </a:schemeClr>
-                  </a:outerShdw>
-                </a:effectLst>
-              </a:rPr>
-              <a:t>Some memory is closer to the CPU and faster to access</a:t>
-            </a:r>
-            <a:endParaRPr lang="en-US" sz="3200" b="1" i="1" cap="none" spc="0" dirty="0">
-              <a:ln w="0"/>
-              <a:solidFill>
-                <a:schemeClr val="tx1"/>
-              </a:solidFill>
-              <a:effectLst>
-                <a:outerShdw blurRad="38100" dist="19050" dir="2700000" algn="tl" rotWithShape="0">
-                  <a:schemeClr val="dk1">
-                    <a:alpha val="40000"/>
-                  </a:schemeClr>
-                </a:outerShdw>
-              </a:effectLst>
-            </a:endParaRPr>
-          </a:p>
-        </p:txBody>
-      </p:sp>
-      <p:sp>
-        <p:nvSpPr>
-          <p:cNvPr id="1027" name="TextBox 1026">
-            <a:extLst>
-              <a:ext uri="{FF2B5EF4-FFF2-40B4-BE49-F238E27FC236}">
-                <a16:creationId xmlns:a16="http://schemas.microsoft.com/office/drawing/2014/main" id="{49195663-C462-5E1D-2BB7-DA4372355F53}"/>
-              </a:ext>
-            </a:extLst>
-          </p:cNvPr>
-          <p:cNvSpPr txBox="1"/>
-          <p:nvPr/>
-        </p:nvSpPr>
-        <p:spPr>
-          <a:xfrm>
-            <a:off x="180445" y="2508862"/>
-            <a:ext cx="1866238" cy="461665"/>
-          </a:xfrm>
-          <a:prstGeom prst="rect">
-            <a:avLst/>
-          </a:prstGeom>
-          <a:noFill/>
-        </p:spPr>
-        <p:txBody>
-          <a:bodyPr wrap="square" rtlCol="0">
-            <a:spAutoFit/>
-          </a:bodyPr>
-          <a:lstStyle/>
-          <a:p>
-            <a:r>
-              <a:rPr lang="en-US" sz="2400" b="1" i="1" dirty="0"/>
-              <a:t>(32 KB)</a:t>
-            </a:r>
-          </a:p>
-        </p:txBody>
-      </p:sp>
-      <p:sp>
-        <p:nvSpPr>
-          <p:cNvPr id="1029" name="TextBox 1028">
-            <a:extLst>
-              <a:ext uri="{FF2B5EF4-FFF2-40B4-BE49-F238E27FC236}">
-                <a16:creationId xmlns:a16="http://schemas.microsoft.com/office/drawing/2014/main" id="{A89EF0BA-CEA9-E2F9-58C5-051F6FB0111D}"/>
-              </a:ext>
-            </a:extLst>
-          </p:cNvPr>
-          <p:cNvSpPr txBox="1"/>
-          <p:nvPr/>
-        </p:nvSpPr>
-        <p:spPr>
-          <a:xfrm>
-            <a:off x="95679" y="3817207"/>
-            <a:ext cx="1312755" cy="461665"/>
-          </a:xfrm>
-          <a:prstGeom prst="rect">
-            <a:avLst/>
-          </a:prstGeom>
-          <a:noFill/>
-        </p:spPr>
-        <p:txBody>
-          <a:bodyPr wrap="square" rtlCol="0">
-            <a:spAutoFit/>
-          </a:bodyPr>
-          <a:lstStyle/>
-          <a:p>
-            <a:r>
-              <a:rPr lang="en-US" sz="2400" b="1" i="1" dirty="0"/>
-              <a:t>(1-8 MB)</a:t>
-            </a:r>
-          </a:p>
-        </p:txBody>
-      </p:sp>
-      <p:sp>
-        <p:nvSpPr>
-          <p:cNvPr id="1031" name="TextBox 1030">
-            <a:extLst>
-              <a:ext uri="{FF2B5EF4-FFF2-40B4-BE49-F238E27FC236}">
-                <a16:creationId xmlns:a16="http://schemas.microsoft.com/office/drawing/2014/main" id="{147F88CF-09F3-52E1-F0FF-E0DEB431F32E}"/>
-              </a:ext>
-            </a:extLst>
-          </p:cNvPr>
-          <p:cNvSpPr txBox="1"/>
-          <p:nvPr/>
-        </p:nvSpPr>
-        <p:spPr>
-          <a:xfrm>
-            <a:off x="0" y="4901367"/>
-            <a:ext cx="2111488" cy="461665"/>
-          </a:xfrm>
-          <a:prstGeom prst="rect">
-            <a:avLst/>
-          </a:prstGeom>
-          <a:noFill/>
-        </p:spPr>
-        <p:txBody>
-          <a:bodyPr wrap="square" rtlCol="0">
-            <a:spAutoFit/>
-          </a:bodyPr>
-          <a:lstStyle/>
-          <a:p>
-            <a:r>
-              <a:rPr lang="en-US" sz="2400" b="1" i="1" dirty="0"/>
-              <a:t>(Multiple GB)</a:t>
-            </a:r>
-          </a:p>
-        </p:txBody>
-      </p:sp>
-      <p:sp>
-        <p:nvSpPr>
-          <p:cNvPr id="1038" name="Rectangle 1037">
-            <a:extLst>
-              <a:ext uri="{FF2B5EF4-FFF2-40B4-BE49-F238E27FC236}">
-                <a16:creationId xmlns:a16="http://schemas.microsoft.com/office/drawing/2014/main" id="{D2AD7A64-9D3D-6E37-0443-4E69B6A15097}"/>
-              </a:ext>
-            </a:extLst>
-          </p:cNvPr>
-          <p:cNvSpPr/>
-          <p:nvPr/>
-        </p:nvSpPr>
-        <p:spPr>
-          <a:xfrm>
-            <a:off x="1785256" y="3144980"/>
-            <a:ext cx="1501422" cy="440267"/>
-          </a:xfrm>
-          <a:prstGeom prst="rect">
-            <a:avLst/>
-          </a:prstGeom>
-          <a:solidFill>
-            <a:srgbClr val="FFD5D5"/>
-          </a:solidFill>
-        </p:spPr>
-        <p:style>
-          <a:lnRef idx="2">
-            <a:schemeClr val="accent6">
-              <a:shade val="15000"/>
-            </a:schemeClr>
-          </a:lnRef>
-          <a:fillRef idx="1">
-            <a:schemeClr val="accent6"/>
-          </a:fillRef>
-          <a:effectRef idx="0">
-            <a:schemeClr val="accent6"/>
-          </a:effectRef>
-          <a:fontRef idx="minor">
-            <a:schemeClr val="lt1"/>
-          </a:fontRef>
-        </p:style>
-        <p:txBody>
-          <a:bodyPr rtlCol="0" anchor="ctr"/>
-          <a:lstStyle/>
-          <a:p>
-            <a:pPr algn="ctr"/>
-            <a:r>
-              <a:rPr lang="en-US" b="1" dirty="0">
-                <a:solidFill>
-                  <a:schemeClr val="tx1"/>
-                </a:solidFill>
-              </a:rPr>
-              <a:t>L2 Cache</a:t>
-            </a:r>
-          </a:p>
-        </p:txBody>
-      </p:sp>
-      <p:sp>
-        <p:nvSpPr>
-          <p:cNvPr id="1042" name="TextBox 1041">
-            <a:extLst>
-              <a:ext uri="{FF2B5EF4-FFF2-40B4-BE49-F238E27FC236}">
-                <a16:creationId xmlns:a16="http://schemas.microsoft.com/office/drawing/2014/main" id="{38A84F61-AC9C-78C3-F3DB-8D9553797E12}"/>
-              </a:ext>
-            </a:extLst>
-          </p:cNvPr>
-          <p:cNvSpPr txBox="1"/>
-          <p:nvPr/>
-        </p:nvSpPr>
-        <p:spPr>
-          <a:xfrm>
-            <a:off x="122625" y="3175387"/>
-            <a:ext cx="1866238" cy="461665"/>
-          </a:xfrm>
-          <a:prstGeom prst="rect">
-            <a:avLst/>
-          </a:prstGeom>
-          <a:noFill/>
-        </p:spPr>
-        <p:txBody>
-          <a:bodyPr wrap="square" rtlCol="0">
-            <a:spAutoFit/>
-          </a:bodyPr>
-          <a:lstStyle/>
-          <a:p>
-            <a:r>
-              <a:rPr lang="en-US" sz="2400" b="1" i="1" dirty="0"/>
-              <a:t>(256 KB)</a:t>
-            </a:r>
-          </a:p>
-        </p:txBody>
-      </p:sp>
-      <p:sp>
-        <p:nvSpPr>
-          <p:cNvPr id="1043" name="Rectangle 1042">
-            <a:extLst>
-              <a:ext uri="{FF2B5EF4-FFF2-40B4-BE49-F238E27FC236}">
-                <a16:creationId xmlns:a16="http://schemas.microsoft.com/office/drawing/2014/main" id="{8B4579B9-C850-A96A-EBE5-8209EBF1FB8B}"/>
-              </a:ext>
-            </a:extLst>
-          </p:cNvPr>
-          <p:cNvSpPr/>
-          <p:nvPr/>
-        </p:nvSpPr>
-        <p:spPr>
-          <a:xfrm>
-            <a:off x="3453230" y="3146110"/>
-            <a:ext cx="1501422" cy="440267"/>
-          </a:xfrm>
-          <a:prstGeom prst="rect">
-            <a:avLst/>
-          </a:prstGeom>
-          <a:solidFill>
-            <a:srgbClr val="FFD5D5"/>
-          </a:solidFill>
-        </p:spPr>
-        <p:style>
-          <a:lnRef idx="2">
-            <a:schemeClr val="accent6">
-              <a:shade val="15000"/>
-            </a:schemeClr>
-          </a:lnRef>
-          <a:fillRef idx="1">
-            <a:schemeClr val="accent6"/>
-          </a:fillRef>
-          <a:effectRef idx="0">
-            <a:schemeClr val="accent6"/>
-          </a:effectRef>
-          <a:fontRef idx="minor">
-            <a:schemeClr val="lt1"/>
-          </a:fontRef>
-        </p:style>
-        <p:txBody>
-          <a:bodyPr rtlCol="0" anchor="ctr"/>
-          <a:lstStyle/>
-          <a:p>
-            <a:pPr algn="ctr"/>
-            <a:r>
-              <a:rPr lang="en-US" b="1" dirty="0">
-                <a:solidFill>
-                  <a:schemeClr val="tx1"/>
-                </a:solidFill>
-              </a:rPr>
-              <a:t>L2 Cache</a:t>
-            </a:r>
-          </a:p>
-        </p:txBody>
-      </p:sp>
-      <p:cxnSp>
-        <p:nvCxnSpPr>
-          <p:cNvPr id="1046" name="Straight Arrow Connector 1045">
-            <a:extLst>
-              <a:ext uri="{FF2B5EF4-FFF2-40B4-BE49-F238E27FC236}">
-                <a16:creationId xmlns:a16="http://schemas.microsoft.com/office/drawing/2014/main" id="{815CA361-85F0-6F77-1EB5-BB011B8C58B7}"/>
-              </a:ext>
-            </a:extLst>
-          </p:cNvPr>
-          <p:cNvCxnSpPr>
-            <a:cxnSpLocks/>
-            <a:stCxn id="1038" idx="2"/>
-          </p:cNvCxnSpPr>
-          <p:nvPr/>
-        </p:nvCxnSpPr>
-        <p:spPr>
-          <a:xfrm>
-            <a:off x="2535967" y="3585247"/>
-            <a:ext cx="0" cy="166397"/>
-          </a:xfrm>
-          <a:prstGeom prst="straightConnector1">
-            <a:avLst/>
-          </a:prstGeom>
-          <a:ln>
-            <a:headEnd type="triangle"/>
-            <a:tailEnd type="triangle"/>
-          </a:ln>
-        </p:spPr>
-        <p:style>
-          <a:lnRef idx="1">
-            <a:schemeClr val="dk1"/>
-          </a:lnRef>
-          <a:fillRef idx="0">
-            <a:schemeClr val="dk1"/>
-          </a:fillRef>
-          <a:effectRef idx="0">
-            <a:schemeClr val="dk1"/>
-          </a:effectRef>
-          <a:fontRef idx="minor">
-            <a:schemeClr val="tx1"/>
-          </a:fontRef>
-        </p:style>
-      </p:cxnSp>
-      <p:cxnSp>
-        <p:nvCxnSpPr>
-          <p:cNvPr id="1049" name="Straight Arrow Connector 1048">
-            <a:extLst>
-              <a:ext uri="{FF2B5EF4-FFF2-40B4-BE49-F238E27FC236}">
-                <a16:creationId xmlns:a16="http://schemas.microsoft.com/office/drawing/2014/main" id="{B2168FAA-14EA-E806-2027-9017CE5390D6}"/>
-              </a:ext>
-            </a:extLst>
-          </p:cNvPr>
-          <p:cNvCxnSpPr>
-            <a:cxnSpLocks/>
-            <a:stCxn id="1043" idx="2"/>
-          </p:cNvCxnSpPr>
-          <p:nvPr/>
-        </p:nvCxnSpPr>
-        <p:spPr>
-          <a:xfrm flipH="1">
-            <a:off x="4203940" y="3586377"/>
-            <a:ext cx="1" cy="176944"/>
-          </a:xfrm>
-          <a:prstGeom prst="straightConnector1">
-            <a:avLst/>
-          </a:prstGeom>
-          <a:ln>
-            <a:headEnd type="triangle"/>
-            <a:tailEnd type="triangle"/>
-          </a:ln>
-        </p:spPr>
-        <p:style>
-          <a:lnRef idx="1">
-            <a:schemeClr val="dk1"/>
-          </a:lnRef>
-          <a:fillRef idx="0">
-            <a:schemeClr val="dk1"/>
-          </a:fillRef>
-          <a:effectRef idx="0">
-            <a:schemeClr val="dk1"/>
-          </a:effectRef>
-          <a:fontRef idx="minor">
-            <a:schemeClr val="tx1"/>
-          </a:fontRef>
-        </p:style>
-      </p:cxnSp>
-      <p:sp>
-        <p:nvSpPr>
-          <p:cNvPr id="1052" name="Rectangle 1051">
-            <a:extLst>
-              <a:ext uri="{FF2B5EF4-FFF2-40B4-BE49-F238E27FC236}">
-                <a16:creationId xmlns:a16="http://schemas.microsoft.com/office/drawing/2014/main" id="{4484DB15-73F9-73F9-1D35-4331A218755F}"/>
-              </a:ext>
-            </a:extLst>
-          </p:cNvPr>
-          <p:cNvSpPr/>
-          <p:nvPr/>
-        </p:nvSpPr>
-        <p:spPr>
-          <a:xfrm>
-            <a:off x="5806370" y="1103787"/>
-            <a:ext cx="3650544" cy="3175085"/>
-          </a:xfrm>
-          <a:prstGeom prst="rect">
-            <a:avLst/>
-          </a:prstGeom>
-        </p:spPr>
-        <p:style>
-          <a:lnRef idx="2">
-            <a:schemeClr val="accent1">
-              <a:shade val="15000"/>
-            </a:schemeClr>
-          </a:lnRef>
-          <a:fillRef idx="1">
-            <a:schemeClr val="accent1"/>
-          </a:fillRef>
-          <a:effectRef idx="0">
-            <a:schemeClr val="accent1"/>
-          </a:effectRef>
-          <a:fontRef idx="minor">
-            <a:schemeClr val="lt1"/>
-          </a:fontRef>
-        </p:style>
-        <p:txBody>
-          <a:bodyPr rtlCol="0" anchor="ctr"/>
-          <a:lstStyle/>
-          <a:p>
-            <a:pPr algn="ctr"/>
-            <a:endParaRPr lang="en-US"/>
-          </a:p>
-        </p:txBody>
-      </p:sp>
-      <p:grpSp>
-        <p:nvGrpSpPr>
-          <p:cNvPr id="1053" name="Group 1052">
-            <a:extLst>
-              <a:ext uri="{FF2B5EF4-FFF2-40B4-BE49-F238E27FC236}">
-                <a16:creationId xmlns:a16="http://schemas.microsoft.com/office/drawing/2014/main" id="{E8B63F40-E471-19FC-ADA0-4359EF6B130A}"/>
-              </a:ext>
-            </a:extLst>
-          </p:cNvPr>
-          <p:cNvGrpSpPr/>
-          <p:nvPr/>
-        </p:nvGrpSpPr>
-        <p:grpSpPr>
-          <a:xfrm>
-            <a:off x="6178903" y="1224438"/>
-            <a:ext cx="1054100" cy="1079500"/>
-            <a:chOff x="4229100" y="1276350"/>
-            <a:chExt cx="1054100" cy="1079500"/>
-          </a:xfrm>
-        </p:grpSpPr>
-        <p:sp>
-          <p:nvSpPr>
-            <p:cNvPr id="1054" name="Rectangle 1053">
-              <a:extLst>
-                <a:ext uri="{FF2B5EF4-FFF2-40B4-BE49-F238E27FC236}">
-                  <a16:creationId xmlns:a16="http://schemas.microsoft.com/office/drawing/2014/main" id="{5ABBABB6-F524-6D68-C156-76F6DE97FDCD}"/>
-                </a:ext>
-              </a:extLst>
-            </p:cNvPr>
-            <p:cNvSpPr/>
-            <p:nvPr/>
-          </p:nvSpPr>
-          <p:spPr>
-            <a:xfrm>
-              <a:off x="4229100" y="1276350"/>
-              <a:ext cx="1054100" cy="1079500"/>
-            </a:xfrm>
-            <a:prstGeom prst="rect">
-              <a:avLst/>
-            </a:prstGeom>
-          </p:spPr>
-          <p:style>
-            <a:lnRef idx="2">
-              <a:schemeClr val="dk1">
-                <a:shade val="15000"/>
-              </a:schemeClr>
-            </a:lnRef>
-            <a:fillRef idx="1">
-              <a:schemeClr val="dk1"/>
-            </a:fillRef>
-            <a:effectRef idx="0">
-              <a:schemeClr val="dk1"/>
-            </a:effectRef>
-            <a:fontRef idx="minor">
-              <a:schemeClr val="lt1"/>
-            </a:fontRef>
-          </p:style>
-          <p:txBody>
-            <a:bodyPr rtlCol="0" anchor="ctr"/>
-            <a:lstStyle/>
-            <a:p>
-              <a:pPr algn="ctr"/>
-              <a:r>
-                <a:rPr lang="en-US" sz="2800" dirty="0"/>
-                <a:t>CPU</a:t>
-              </a:r>
-              <a:endParaRPr lang="en-US" dirty="0"/>
-            </a:p>
-          </p:txBody>
-        </p:sp>
-        <p:sp>
-          <p:nvSpPr>
-            <p:cNvPr id="1055" name="Rectangle 1054">
-              <a:extLst>
-                <a:ext uri="{FF2B5EF4-FFF2-40B4-BE49-F238E27FC236}">
-                  <a16:creationId xmlns:a16="http://schemas.microsoft.com/office/drawing/2014/main" id="{3D115591-AA42-7CD7-19A2-72B3DA26C3DA}"/>
-                </a:ext>
-              </a:extLst>
-            </p:cNvPr>
-            <p:cNvSpPr/>
-            <p:nvPr/>
-          </p:nvSpPr>
-          <p:spPr>
-            <a:xfrm>
-              <a:off x="4331970" y="2002155"/>
-              <a:ext cx="848360" cy="275590"/>
-            </a:xfrm>
-            <a:prstGeom prst="rect">
-              <a:avLst/>
-            </a:prstGeom>
-          </p:spPr>
-          <p:style>
-            <a:lnRef idx="2">
-              <a:schemeClr val="accent5">
-                <a:shade val="15000"/>
-              </a:schemeClr>
-            </a:lnRef>
-            <a:fillRef idx="1">
-              <a:schemeClr val="accent5"/>
-            </a:fillRef>
-            <a:effectRef idx="0">
-              <a:schemeClr val="accent5"/>
-            </a:effectRef>
-            <a:fontRef idx="minor">
-              <a:schemeClr val="lt1"/>
-            </a:fontRef>
-          </p:style>
-          <p:txBody>
-            <a:bodyPr rtlCol="0" anchor="ctr"/>
-            <a:lstStyle/>
-            <a:p>
-              <a:pPr algn="ctr"/>
-              <a:r>
-                <a:rPr lang="en-US" dirty="0">
-                  <a:solidFill>
-                    <a:schemeClr val="tx1"/>
-                  </a:solidFill>
-                </a:rPr>
-                <a:t>REGS</a:t>
-              </a:r>
-            </a:p>
-          </p:txBody>
-        </p:sp>
-      </p:grpSp>
-      <p:grpSp>
-        <p:nvGrpSpPr>
-          <p:cNvPr id="1056" name="Group 1055">
-            <a:extLst>
-              <a:ext uri="{FF2B5EF4-FFF2-40B4-BE49-F238E27FC236}">
-                <a16:creationId xmlns:a16="http://schemas.microsoft.com/office/drawing/2014/main" id="{DCD334A7-51D7-0863-D96F-36A717119686}"/>
-              </a:ext>
-            </a:extLst>
-          </p:cNvPr>
-          <p:cNvGrpSpPr/>
-          <p:nvPr/>
-        </p:nvGrpSpPr>
-        <p:grpSpPr>
-          <a:xfrm>
-            <a:off x="7876470" y="1224438"/>
-            <a:ext cx="1054100" cy="1079500"/>
-            <a:chOff x="6158018" y="1276350"/>
-            <a:chExt cx="1054100" cy="1079500"/>
-          </a:xfrm>
-        </p:grpSpPr>
-        <p:sp>
-          <p:nvSpPr>
-            <p:cNvPr id="1057" name="Rectangle 1056">
-              <a:extLst>
-                <a:ext uri="{FF2B5EF4-FFF2-40B4-BE49-F238E27FC236}">
-                  <a16:creationId xmlns:a16="http://schemas.microsoft.com/office/drawing/2014/main" id="{6D7E0D5C-1F44-C188-2C68-FD663B21460A}"/>
-                </a:ext>
-              </a:extLst>
-            </p:cNvPr>
-            <p:cNvSpPr/>
-            <p:nvPr/>
-          </p:nvSpPr>
-          <p:spPr>
-            <a:xfrm>
-              <a:off x="6158018" y="1276350"/>
-              <a:ext cx="1054100" cy="1079500"/>
-            </a:xfrm>
-            <a:prstGeom prst="rect">
-              <a:avLst/>
-            </a:prstGeom>
-          </p:spPr>
-          <p:style>
-            <a:lnRef idx="2">
-              <a:schemeClr val="dk1">
-                <a:shade val="15000"/>
-              </a:schemeClr>
-            </a:lnRef>
-            <a:fillRef idx="1">
-              <a:schemeClr val="dk1"/>
-            </a:fillRef>
-            <a:effectRef idx="0">
-              <a:schemeClr val="dk1"/>
-            </a:effectRef>
-            <a:fontRef idx="minor">
-              <a:schemeClr val="lt1"/>
-            </a:fontRef>
-          </p:style>
-          <p:txBody>
-            <a:bodyPr rtlCol="0" anchor="ctr"/>
-            <a:lstStyle/>
-            <a:p>
-              <a:pPr algn="ctr"/>
-              <a:r>
-                <a:rPr lang="en-US" sz="2800" dirty="0"/>
-                <a:t>CPU</a:t>
-              </a:r>
-              <a:endParaRPr lang="en-US" dirty="0"/>
-            </a:p>
-          </p:txBody>
-        </p:sp>
-        <p:sp>
-          <p:nvSpPr>
-            <p:cNvPr id="1058" name="Rectangle 1057">
-              <a:extLst>
-                <a:ext uri="{FF2B5EF4-FFF2-40B4-BE49-F238E27FC236}">
-                  <a16:creationId xmlns:a16="http://schemas.microsoft.com/office/drawing/2014/main" id="{2F1D19E2-CFF8-44BA-8261-4AFCF1A973A7}"/>
-                </a:ext>
-              </a:extLst>
-            </p:cNvPr>
-            <p:cNvSpPr/>
-            <p:nvPr/>
-          </p:nvSpPr>
-          <p:spPr>
-            <a:xfrm>
-              <a:off x="6260888" y="2002155"/>
-              <a:ext cx="848360" cy="275590"/>
-            </a:xfrm>
-            <a:prstGeom prst="rect">
-              <a:avLst/>
-            </a:prstGeom>
-          </p:spPr>
-          <p:style>
-            <a:lnRef idx="2">
-              <a:schemeClr val="accent5">
-                <a:shade val="15000"/>
-              </a:schemeClr>
-            </a:lnRef>
-            <a:fillRef idx="1">
-              <a:schemeClr val="accent5"/>
-            </a:fillRef>
-            <a:effectRef idx="0">
-              <a:schemeClr val="accent5"/>
-            </a:effectRef>
-            <a:fontRef idx="minor">
-              <a:schemeClr val="lt1"/>
-            </a:fontRef>
-          </p:style>
-          <p:txBody>
-            <a:bodyPr rtlCol="0" anchor="ctr"/>
-            <a:lstStyle/>
-            <a:p>
-              <a:pPr algn="ctr"/>
-              <a:r>
-                <a:rPr lang="en-US" dirty="0">
-                  <a:solidFill>
-                    <a:schemeClr val="tx1"/>
-                  </a:solidFill>
-                </a:rPr>
-                <a:t>REGS</a:t>
-              </a:r>
-            </a:p>
-          </p:txBody>
-        </p:sp>
-      </p:grpSp>
-      <p:sp>
-        <p:nvSpPr>
-          <p:cNvPr id="1059" name="Rectangle 1058">
-            <a:extLst>
-              <a:ext uri="{FF2B5EF4-FFF2-40B4-BE49-F238E27FC236}">
-                <a16:creationId xmlns:a16="http://schemas.microsoft.com/office/drawing/2014/main" id="{4EE0BA77-C1A5-C4A2-9486-9FDF73785440}"/>
-              </a:ext>
-            </a:extLst>
-          </p:cNvPr>
-          <p:cNvSpPr/>
-          <p:nvPr/>
-        </p:nvSpPr>
-        <p:spPr>
-          <a:xfrm>
-            <a:off x="5955242" y="2462123"/>
-            <a:ext cx="1501422" cy="440267"/>
-          </a:xfrm>
-          <a:prstGeom prst="rect">
-            <a:avLst/>
-          </a:prstGeom>
-        </p:spPr>
-        <p:style>
-          <a:lnRef idx="2">
-            <a:schemeClr val="accent6">
-              <a:shade val="15000"/>
-            </a:schemeClr>
-          </a:lnRef>
-          <a:fillRef idx="1">
-            <a:schemeClr val="accent6"/>
-          </a:fillRef>
-          <a:effectRef idx="0">
-            <a:schemeClr val="accent6"/>
-          </a:effectRef>
-          <a:fontRef idx="minor">
-            <a:schemeClr val="lt1"/>
-          </a:fontRef>
-        </p:style>
-        <p:txBody>
-          <a:bodyPr rtlCol="0" anchor="ctr"/>
-          <a:lstStyle/>
-          <a:p>
-            <a:pPr algn="ctr"/>
-            <a:r>
-              <a:rPr lang="en-US" b="1" dirty="0">
-                <a:solidFill>
-                  <a:schemeClr val="tx1"/>
-                </a:solidFill>
-              </a:rPr>
-              <a:t>L1 Cache</a:t>
-            </a:r>
-          </a:p>
-        </p:txBody>
-      </p:sp>
-      <p:sp>
-        <p:nvSpPr>
-          <p:cNvPr id="1060" name="Rectangle 1059">
-            <a:extLst>
-              <a:ext uri="{FF2B5EF4-FFF2-40B4-BE49-F238E27FC236}">
-                <a16:creationId xmlns:a16="http://schemas.microsoft.com/office/drawing/2014/main" id="{CBE2CB19-A173-7F06-52E7-9AC3CC1C796F}"/>
-              </a:ext>
-            </a:extLst>
-          </p:cNvPr>
-          <p:cNvSpPr/>
-          <p:nvPr/>
-        </p:nvSpPr>
-        <p:spPr>
-          <a:xfrm>
-            <a:off x="7652809" y="2473800"/>
-            <a:ext cx="1501422" cy="440267"/>
-          </a:xfrm>
-          <a:prstGeom prst="rect">
-            <a:avLst/>
-          </a:prstGeom>
-        </p:spPr>
-        <p:style>
-          <a:lnRef idx="2">
-            <a:schemeClr val="accent6">
-              <a:shade val="15000"/>
-            </a:schemeClr>
-          </a:lnRef>
-          <a:fillRef idx="1">
-            <a:schemeClr val="accent6"/>
-          </a:fillRef>
-          <a:effectRef idx="0">
-            <a:schemeClr val="accent6"/>
-          </a:effectRef>
-          <a:fontRef idx="minor">
-            <a:schemeClr val="lt1"/>
-          </a:fontRef>
-        </p:style>
-        <p:txBody>
-          <a:bodyPr rtlCol="0" anchor="ctr"/>
-          <a:lstStyle/>
-          <a:p>
-            <a:pPr algn="ctr"/>
-            <a:r>
-              <a:rPr lang="en-US" b="1" dirty="0">
-                <a:solidFill>
-                  <a:schemeClr val="tx1"/>
-                </a:solidFill>
-              </a:rPr>
-              <a:t>L1 Cache</a:t>
-            </a:r>
-          </a:p>
-        </p:txBody>
-      </p:sp>
-      <p:sp>
-        <p:nvSpPr>
-          <p:cNvPr id="1061" name="Rectangle 1060">
-            <a:extLst>
-              <a:ext uri="{FF2B5EF4-FFF2-40B4-BE49-F238E27FC236}">
-                <a16:creationId xmlns:a16="http://schemas.microsoft.com/office/drawing/2014/main" id="{17634F71-E796-6082-4682-2DDA37068020}"/>
-              </a:ext>
-            </a:extLst>
-          </p:cNvPr>
-          <p:cNvSpPr/>
-          <p:nvPr/>
-        </p:nvSpPr>
-        <p:spPr>
-          <a:xfrm>
-            <a:off x="6029212" y="3731802"/>
-            <a:ext cx="3217333" cy="440267"/>
-          </a:xfrm>
-          <a:prstGeom prst="rect">
-            <a:avLst/>
-          </a:prstGeom>
-          <a:solidFill>
-            <a:schemeClr val="tx2">
-              <a:lumMod val="20000"/>
-              <a:lumOff val="80000"/>
-            </a:schemeClr>
-          </a:solidFill>
-        </p:spPr>
-        <p:style>
-          <a:lnRef idx="2">
-            <a:schemeClr val="accent6">
-              <a:shade val="15000"/>
-            </a:schemeClr>
-          </a:lnRef>
-          <a:fillRef idx="1">
-            <a:schemeClr val="accent6"/>
-          </a:fillRef>
-          <a:effectRef idx="0">
-            <a:schemeClr val="accent6"/>
-          </a:effectRef>
-          <a:fontRef idx="minor">
-            <a:schemeClr val="lt1"/>
-          </a:fontRef>
-        </p:style>
-        <p:txBody>
-          <a:bodyPr rtlCol="0" anchor="ctr"/>
-          <a:lstStyle/>
-          <a:p>
-            <a:pPr algn="ctr"/>
-            <a:r>
-              <a:rPr lang="en-US" b="1" dirty="0">
-                <a:solidFill>
-                  <a:schemeClr val="tx1"/>
-                </a:solidFill>
-              </a:rPr>
-              <a:t>LLC Cache</a:t>
-            </a:r>
-          </a:p>
-        </p:txBody>
-      </p:sp>
-      <p:cxnSp>
-        <p:nvCxnSpPr>
-          <p:cNvPr id="1062" name="Straight Arrow Connector 1061">
-            <a:extLst>
-              <a:ext uri="{FF2B5EF4-FFF2-40B4-BE49-F238E27FC236}">
-                <a16:creationId xmlns:a16="http://schemas.microsoft.com/office/drawing/2014/main" id="{EAC002B2-1365-4571-6DD4-48817257A9C5}"/>
-              </a:ext>
-            </a:extLst>
-          </p:cNvPr>
-          <p:cNvCxnSpPr>
-            <a:cxnSpLocks/>
-            <a:stCxn id="1054" idx="2"/>
-            <a:endCxn id="1059" idx="0"/>
-          </p:cNvCxnSpPr>
-          <p:nvPr/>
-        </p:nvCxnSpPr>
-        <p:spPr>
-          <a:xfrm>
-            <a:off x="6705953" y="2303938"/>
-            <a:ext cx="0" cy="158185"/>
-          </a:xfrm>
-          <a:prstGeom prst="straightConnector1">
-            <a:avLst/>
-          </a:prstGeom>
-          <a:ln>
-            <a:headEnd type="triangle"/>
-            <a:tailEnd type="triangle"/>
-          </a:ln>
-        </p:spPr>
-        <p:style>
-          <a:lnRef idx="1">
-            <a:schemeClr val="dk1"/>
-          </a:lnRef>
-          <a:fillRef idx="0">
-            <a:schemeClr val="dk1"/>
-          </a:fillRef>
-          <a:effectRef idx="0">
-            <a:schemeClr val="dk1"/>
-          </a:effectRef>
-          <a:fontRef idx="minor">
-            <a:schemeClr val="tx1"/>
-          </a:fontRef>
-        </p:style>
-      </p:cxnSp>
-      <p:cxnSp>
-        <p:nvCxnSpPr>
-          <p:cNvPr id="1063" name="Straight Arrow Connector 1062">
-            <a:extLst>
-              <a:ext uri="{FF2B5EF4-FFF2-40B4-BE49-F238E27FC236}">
-                <a16:creationId xmlns:a16="http://schemas.microsoft.com/office/drawing/2014/main" id="{83DE6DA7-834E-95DC-FB1C-F6F431258A92}"/>
-              </a:ext>
-            </a:extLst>
-          </p:cNvPr>
-          <p:cNvCxnSpPr>
-            <a:cxnSpLocks/>
-            <a:stCxn id="1057" idx="2"/>
-            <a:endCxn id="1060" idx="0"/>
-          </p:cNvCxnSpPr>
-          <p:nvPr/>
-        </p:nvCxnSpPr>
-        <p:spPr>
-          <a:xfrm>
-            <a:off x="8403520" y="2303938"/>
-            <a:ext cx="0" cy="169862"/>
-          </a:xfrm>
-          <a:prstGeom prst="straightConnector1">
-            <a:avLst/>
-          </a:prstGeom>
-          <a:ln>
-            <a:headEnd type="triangle"/>
-            <a:tailEnd type="triangle"/>
-          </a:ln>
-        </p:spPr>
-        <p:style>
-          <a:lnRef idx="1">
-            <a:schemeClr val="dk1"/>
-          </a:lnRef>
-          <a:fillRef idx="0">
-            <a:schemeClr val="dk1"/>
-          </a:fillRef>
-          <a:effectRef idx="0">
-            <a:schemeClr val="dk1"/>
-          </a:effectRef>
-          <a:fontRef idx="minor">
-            <a:schemeClr val="tx1"/>
-          </a:fontRef>
-        </p:style>
-      </p:cxnSp>
-      <p:cxnSp>
-        <p:nvCxnSpPr>
-          <p:cNvPr id="1064" name="Straight Arrow Connector 1063">
-            <a:extLst>
-              <a:ext uri="{FF2B5EF4-FFF2-40B4-BE49-F238E27FC236}">
-                <a16:creationId xmlns:a16="http://schemas.microsoft.com/office/drawing/2014/main" id="{5E43CC4D-DD43-D85C-0CEA-DC4ED2F4920B}"/>
-              </a:ext>
-            </a:extLst>
-          </p:cNvPr>
-          <p:cNvCxnSpPr>
-            <a:cxnSpLocks/>
-            <a:stCxn id="1059" idx="2"/>
-          </p:cNvCxnSpPr>
-          <p:nvPr/>
-        </p:nvCxnSpPr>
-        <p:spPr>
-          <a:xfrm>
-            <a:off x="6705953" y="2902390"/>
-            <a:ext cx="0" cy="220133"/>
-          </a:xfrm>
-          <a:prstGeom prst="straightConnector1">
-            <a:avLst/>
-          </a:prstGeom>
-          <a:ln>
-            <a:headEnd type="triangle"/>
-            <a:tailEnd type="triangle"/>
-          </a:ln>
-        </p:spPr>
-        <p:style>
-          <a:lnRef idx="1">
-            <a:schemeClr val="dk1"/>
-          </a:lnRef>
-          <a:fillRef idx="0">
-            <a:schemeClr val="dk1"/>
-          </a:fillRef>
-          <a:effectRef idx="0">
-            <a:schemeClr val="dk1"/>
-          </a:effectRef>
-          <a:fontRef idx="minor">
-            <a:schemeClr val="tx1"/>
-          </a:fontRef>
-        </p:style>
-      </p:cxnSp>
-      <p:cxnSp>
-        <p:nvCxnSpPr>
-          <p:cNvPr id="1065" name="Straight Arrow Connector 1064">
-            <a:extLst>
-              <a:ext uri="{FF2B5EF4-FFF2-40B4-BE49-F238E27FC236}">
-                <a16:creationId xmlns:a16="http://schemas.microsoft.com/office/drawing/2014/main" id="{747B302E-2002-5F6F-B53D-3F53D5553386}"/>
-              </a:ext>
-            </a:extLst>
-          </p:cNvPr>
-          <p:cNvCxnSpPr>
-            <a:cxnSpLocks/>
-            <a:stCxn id="1060" idx="2"/>
-          </p:cNvCxnSpPr>
-          <p:nvPr/>
-        </p:nvCxnSpPr>
-        <p:spPr>
-          <a:xfrm>
-            <a:off x="8403520" y="2914067"/>
-            <a:ext cx="0" cy="216930"/>
-          </a:xfrm>
-          <a:prstGeom prst="straightConnector1">
-            <a:avLst/>
-          </a:prstGeom>
-          <a:ln>
-            <a:headEnd type="triangle"/>
-            <a:tailEnd type="triangle"/>
-          </a:ln>
-        </p:spPr>
-        <p:style>
-          <a:lnRef idx="1">
-            <a:schemeClr val="dk1"/>
-          </a:lnRef>
-          <a:fillRef idx="0">
-            <a:schemeClr val="dk1"/>
-          </a:fillRef>
-          <a:effectRef idx="0">
-            <a:schemeClr val="dk1"/>
-          </a:effectRef>
-          <a:fontRef idx="minor">
-            <a:schemeClr val="tx1"/>
-          </a:fontRef>
-        </p:style>
-      </p:cxnSp>
-      <p:sp>
-        <p:nvSpPr>
-          <p:cNvPr id="1066" name="TextBox 1065">
-            <a:extLst>
-              <a:ext uri="{FF2B5EF4-FFF2-40B4-BE49-F238E27FC236}">
-                <a16:creationId xmlns:a16="http://schemas.microsoft.com/office/drawing/2014/main" id="{99919499-4C23-4302-F8DF-982867819C6F}"/>
-              </a:ext>
-            </a:extLst>
-          </p:cNvPr>
-          <p:cNvSpPr txBox="1"/>
-          <p:nvPr/>
-        </p:nvSpPr>
-        <p:spPr>
-          <a:xfrm>
-            <a:off x="7014132" y="630703"/>
-            <a:ext cx="1235018" cy="461665"/>
-          </a:xfrm>
-          <a:prstGeom prst="rect">
-            <a:avLst/>
-          </a:prstGeom>
-          <a:noFill/>
-        </p:spPr>
-        <p:txBody>
-          <a:bodyPr wrap="none" rtlCol="0">
-            <a:spAutoFit/>
-          </a:bodyPr>
-          <a:lstStyle/>
-          <a:p>
-            <a:r>
-              <a:rPr lang="en-US" sz="2400" b="1" i="1" dirty="0"/>
-              <a:t>Socket 2</a:t>
-            </a:r>
-          </a:p>
-        </p:txBody>
-      </p:sp>
-      <p:sp>
-        <p:nvSpPr>
-          <p:cNvPr id="1067" name="Rectangle 1066">
-            <a:extLst>
-              <a:ext uri="{FF2B5EF4-FFF2-40B4-BE49-F238E27FC236}">
-                <a16:creationId xmlns:a16="http://schemas.microsoft.com/office/drawing/2014/main" id="{E67FB4DF-C6DA-13D8-6E8C-43BC19ED2BF3}"/>
-              </a:ext>
-            </a:extLst>
-          </p:cNvPr>
-          <p:cNvSpPr/>
-          <p:nvPr/>
-        </p:nvSpPr>
-        <p:spPr>
-          <a:xfrm>
-            <a:off x="5984835" y="3113461"/>
-            <a:ext cx="1501422" cy="440267"/>
-          </a:xfrm>
-          <a:prstGeom prst="rect">
-            <a:avLst/>
-          </a:prstGeom>
-          <a:solidFill>
-            <a:srgbClr val="FFD5D5"/>
-          </a:solidFill>
-        </p:spPr>
-        <p:style>
-          <a:lnRef idx="2">
-            <a:schemeClr val="accent6">
-              <a:shade val="15000"/>
-            </a:schemeClr>
-          </a:lnRef>
-          <a:fillRef idx="1">
-            <a:schemeClr val="accent6"/>
-          </a:fillRef>
-          <a:effectRef idx="0">
-            <a:schemeClr val="accent6"/>
-          </a:effectRef>
-          <a:fontRef idx="minor">
-            <a:schemeClr val="lt1"/>
-          </a:fontRef>
-        </p:style>
-        <p:txBody>
-          <a:bodyPr rtlCol="0" anchor="ctr"/>
-          <a:lstStyle/>
-          <a:p>
-            <a:pPr algn="ctr"/>
-            <a:r>
-              <a:rPr lang="en-US" b="1" dirty="0">
-                <a:solidFill>
-                  <a:schemeClr val="tx1"/>
-                </a:solidFill>
-              </a:rPr>
-              <a:t>L2 Cache</a:t>
-            </a:r>
-          </a:p>
-        </p:txBody>
-      </p:sp>
-      <p:sp>
-        <p:nvSpPr>
-          <p:cNvPr id="1068" name="Rectangle 1067">
-            <a:extLst>
-              <a:ext uri="{FF2B5EF4-FFF2-40B4-BE49-F238E27FC236}">
-                <a16:creationId xmlns:a16="http://schemas.microsoft.com/office/drawing/2014/main" id="{42E8341B-37C5-CD39-CA73-C2233F5B28EC}"/>
-              </a:ext>
-            </a:extLst>
-          </p:cNvPr>
-          <p:cNvSpPr/>
-          <p:nvPr/>
-        </p:nvSpPr>
-        <p:spPr>
-          <a:xfrm>
-            <a:off x="7652809" y="3114591"/>
-            <a:ext cx="1501422" cy="440267"/>
-          </a:xfrm>
-          <a:prstGeom prst="rect">
-            <a:avLst/>
-          </a:prstGeom>
-          <a:solidFill>
-            <a:srgbClr val="FFD5D5"/>
-          </a:solidFill>
-        </p:spPr>
-        <p:style>
-          <a:lnRef idx="2">
-            <a:schemeClr val="accent6">
-              <a:shade val="15000"/>
-            </a:schemeClr>
-          </a:lnRef>
-          <a:fillRef idx="1">
-            <a:schemeClr val="accent6"/>
-          </a:fillRef>
-          <a:effectRef idx="0">
-            <a:schemeClr val="accent6"/>
-          </a:effectRef>
-          <a:fontRef idx="minor">
-            <a:schemeClr val="lt1"/>
-          </a:fontRef>
-        </p:style>
-        <p:txBody>
-          <a:bodyPr rtlCol="0" anchor="ctr"/>
-          <a:lstStyle/>
-          <a:p>
-            <a:pPr algn="ctr"/>
-            <a:r>
-              <a:rPr lang="en-US" b="1" dirty="0">
-                <a:solidFill>
-                  <a:schemeClr val="tx1"/>
-                </a:solidFill>
-              </a:rPr>
-              <a:t>L2 Cache</a:t>
-            </a:r>
-          </a:p>
-        </p:txBody>
-      </p:sp>
-      <p:cxnSp>
-        <p:nvCxnSpPr>
-          <p:cNvPr id="1069" name="Straight Arrow Connector 1068">
-            <a:extLst>
-              <a:ext uri="{FF2B5EF4-FFF2-40B4-BE49-F238E27FC236}">
-                <a16:creationId xmlns:a16="http://schemas.microsoft.com/office/drawing/2014/main" id="{9C5BE5A5-30CF-A329-F70C-D8EB480D3281}"/>
-              </a:ext>
-            </a:extLst>
-          </p:cNvPr>
-          <p:cNvCxnSpPr>
-            <a:cxnSpLocks/>
-            <a:stCxn id="1067" idx="2"/>
-          </p:cNvCxnSpPr>
-          <p:nvPr/>
-        </p:nvCxnSpPr>
-        <p:spPr>
-          <a:xfrm>
-            <a:off x="6735546" y="3553728"/>
-            <a:ext cx="0" cy="166397"/>
-          </a:xfrm>
-          <a:prstGeom prst="straightConnector1">
-            <a:avLst/>
-          </a:prstGeom>
-          <a:ln>
-            <a:headEnd type="triangle"/>
-            <a:tailEnd type="triangle"/>
-          </a:ln>
-        </p:spPr>
-        <p:style>
-          <a:lnRef idx="1">
-            <a:schemeClr val="dk1"/>
-          </a:lnRef>
-          <a:fillRef idx="0">
-            <a:schemeClr val="dk1"/>
-          </a:fillRef>
-          <a:effectRef idx="0">
-            <a:schemeClr val="dk1"/>
-          </a:effectRef>
-          <a:fontRef idx="minor">
-            <a:schemeClr val="tx1"/>
-          </a:fontRef>
-        </p:style>
-      </p:cxnSp>
-      <p:cxnSp>
-        <p:nvCxnSpPr>
-          <p:cNvPr id="1070" name="Straight Arrow Connector 1069">
-            <a:extLst>
-              <a:ext uri="{FF2B5EF4-FFF2-40B4-BE49-F238E27FC236}">
-                <a16:creationId xmlns:a16="http://schemas.microsoft.com/office/drawing/2014/main" id="{9A835599-6C22-D265-3A57-6A2FE19E93AE}"/>
-              </a:ext>
-            </a:extLst>
-          </p:cNvPr>
-          <p:cNvCxnSpPr>
-            <a:cxnSpLocks/>
-            <a:stCxn id="1068" idx="2"/>
-          </p:cNvCxnSpPr>
-          <p:nvPr/>
-        </p:nvCxnSpPr>
-        <p:spPr>
-          <a:xfrm flipH="1">
-            <a:off x="8403519" y="3554858"/>
-            <a:ext cx="1" cy="176944"/>
-          </a:xfrm>
-          <a:prstGeom prst="straightConnector1">
-            <a:avLst/>
-          </a:prstGeom>
-          <a:ln>
-            <a:headEnd type="triangle"/>
-            <a:tailEnd type="triangle"/>
-          </a:ln>
-        </p:spPr>
-        <p:style>
-          <a:lnRef idx="1">
-            <a:schemeClr val="dk1"/>
-          </a:lnRef>
-          <a:fillRef idx="0">
-            <a:schemeClr val="dk1"/>
-          </a:fillRef>
-          <a:effectRef idx="0">
-            <a:schemeClr val="dk1"/>
-          </a:effectRef>
-          <a:fontRef idx="minor">
-            <a:schemeClr val="tx1"/>
-          </a:fontRef>
-        </p:style>
-      </p:cxnSp>
-      <p:cxnSp>
-        <p:nvCxnSpPr>
-          <p:cNvPr id="1071" name="Straight Arrow Connector 1070">
-            <a:extLst>
-              <a:ext uri="{FF2B5EF4-FFF2-40B4-BE49-F238E27FC236}">
-                <a16:creationId xmlns:a16="http://schemas.microsoft.com/office/drawing/2014/main" id="{54FB8A26-B74D-5884-6D9D-DA02632A7A16}"/>
-              </a:ext>
-            </a:extLst>
-          </p:cNvPr>
-          <p:cNvCxnSpPr>
-            <a:cxnSpLocks/>
-            <a:stCxn id="1061" idx="2"/>
-          </p:cNvCxnSpPr>
-          <p:nvPr/>
-        </p:nvCxnSpPr>
-        <p:spPr>
-          <a:xfrm>
-            <a:off x="7637879" y="4172069"/>
-            <a:ext cx="0" cy="349393"/>
-          </a:xfrm>
-          <a:prstGeom prst="straightConnector1">
-            <a:avLst/>
-          </a:prstGeom>
-          <a:ln>
-            <a:headEnd type="triangle"/>
-            <a:tailEnd type="triangle"/>
-          </a:ln>
-        </p:spPr>
-        <p:style>
-          <a:lnRef idx="1">
-            <a:schemeClr val="dk1"/>
-          </a:lnRef>
-          <a:fillRef idx="0">
-            <a:schemeClr val="dk1"/>
-          </a:fillRef>
-          <a:effectRef idx="0">
-            <a:schemeClr val="dk1"/>
-          </a:effectRef>
-          <a:fontRef idx="minor">
-            <a:schemeClr val="tx1"/>
-          </a:fontRef>
-        </p:style>
-      </p:cxnSp>
-    </p:spTree>
-    <p:extLst>
-      <p:ext uri="{BB962C8B-B14F-4D97-AF65-F5344CB8AC3E}">
-        <p14:creationId xmlns:p14="http://schemas.microsoft.com/office/powerpoint/2010/main" val="1885982350"/>
-      </p:ext>
-    </p:extLst>
-  </p:cSld>
-  <p:clrMapOvr>
-    <a:masterClrMapping/>
-  </p:clrMapOvr>
-  <p:timing>
-    <p:tnLst>
-      <p:par>
-        <p:cTn id="1" dur="indefinite" restart="never" nodeType="tmRoot">
-          <p:childTnLst>
-            <p:seq concurrent="1" nextAc="seek">
-              <p:cTn id="2" dur="indefinite" nodeType="mainSeq">
-                <p:childTnLst>
-                  <p:par>
-                    <p:cTn id="3" fill="hold">
-                      <p:stCondLst>
-                        <p:cond delay="indefinite"/>
-                      </p:stCondLst>
-                      <p:childTnLst>
-                        <p:par>
-                          <p:cTn id="4" fill="hold">
-                            <p:stCondLst>
-                              <p:cond delay="0"/>
-                            </p:stCondLst>
-                            <p:childTnLst>
-                              <p:par>
-                                <p:cTn id="5" presetID="1" presetClass="entr" presetSubtype="0" fill="hold" grpId="0" nodeType="clickEffect">
-                                  <p:stCondLst>
-                                    <p:cond delay="0"/>
-                                  </p:stCondLst>
-                                  <p:childTnLst>
-                                    <p:set>
-                                      <p:cBhvr>
-                                        <p:cTn id="6" dur="1" fill="hold">
-                                          <p:stCondLst>
-                                            <p:cond delay="0"/>
-                                          </p:stCondLst>
-                                        </p:cTn>
-                                        <p:tgtEl>
-                                          <p:spTgt spid="1026"/>
-                                        </p:tgtEl>
-                                        <p:attrNameLst>
-                                          <p:attrName>style.visibility</p:attrName>
-                                        </p:attrNameLst>
-                                      </p:cBhvr>
-                                      <p:to>
-                                        <p:strVal val="visible"/>
-                                      </p:to>
-                                    </p:set>
-                                  </p:childTnLst>
-                                </p:cTn>
-                              </p:par>
-                            </p:childTnLst>
-                          </p:cTn>
-                        </p:par>
-                      </p:childTnLst>
-                    </p:cTn>
-                  </p:par>
-                </p:childTnLst>
-              </p:cTn>
-              <p:prevCondLst>
-                <p:cond evt="onPrev" delay="0">
-                  <p:tgtEl>
-                    <p:sldTgt/>
-                  </p:tgtEl>
-                </p:cond>
-              </p:prevCondLst>
-              <p:nextCondLst>
-                <p:cond evt="onNext" delay="0">
-                  <p:tgtEl>
-                    <p:sldTgt/>
-                  </p:tgtEl>
-                </p:cond>
-              </p:nextCondLst>
-            </p:seq>
-          </p:childTnLst>
-        </p:cTn>
-      </p:par>
-    </p:tnLst>
-    <p:bldLst>
-      <p:bldP spid="1026" grpId="0" animBg="1"/>
-    </p:bldLst>
-  </p:timing>
-</p:sld>
-</file>
-
-<file path=ppt/slides/slide63.xml><?xml version="1.0" encoding="utf-8"?>
-<p:sld xmlns:a="http://schemas.openxmlformats.org/drawingml/2006/main" xmlns:r="http://schemas.openxmlformats.org/officeDocument/2006/relationships" xmlns:p="http://schemas.openxmlformats.org/presentationml/2006/main">
-  <p:cSld>
-    <p:spTree>
-      <p:nvGrpSpPr>
-        <p:cNvPr id="1" name="">
-          <a:extLst>
-            <a:ext uri="{FF2B5EF4-FFF2-40B4-BE49-F238E27FC236}">
-              <a16:creationId xmlns:a16="http://schemas.microsoft.com/office/drawing/2014/main" id="{2EBB0943-F821-7F21-1367-38A97236066C}"/>
-            </a:ext>
-          </a:extLst>
-        </p:cNvPr>
-        <p:cNvGrpSpPr/>
-        <p:nvPr/>
-      </p:nvGrpSpPr>
-      <p:grpSpPr>
-        <a:xfrm>
-          <a:off x="0" y="0"/>
-          <a:ext cx="0" cy="0"/>
-          <a:chOff x="0" y="0"/>
-          <a:chExt cx="0" cy="0"/>
-        </a:xfrm>
-      </p:grpSpPr>
-      <p:sp>
-        <p:nvSpPr>
-          <p:cNvPr id="7" name="Content Placeholder 6">
-            <a:extLst>
-              <a:ext uri="{FF2B5EF4-FFF2-40B4-BE49-F238E27FC236}">
-                <a16:creationId xmlns:a16="http://schemas.microsoft.com/office/drawing/2014/main" id="{84633E1B-56D6-621A-08DB-434C3F967535}"/>
-              </a:ext>
-            </a:extLst>
-          </p:cNvPr>
-          <p:cNvSpPr>
-            <a:spLocks noGrp="1"/>
-          </p:cNvSpPr>
-          <p:nvPr>
-            <p:ph idx="1"/>
-          </p:nvPr>
-        </p:nvSpPr>
-        <p:spPr>
-          <a:xfrm>
-            <a:off x="1919110" y="1851218"/>
-            <a:ext cx="9132712" cy="1577782"/>
-          </a:xfrm>
-        </p:spPr>
-        <p:txBody>
-          <a:bodyPr>
-            <a:normAutofit/>
-          </a:bodyPr>
-          <a:lstStyle/>
-          <a:p>
-            <a:r>
-              <a:rPr lang="en-US" sz="2000" dirty="0"/>
-              <a:t>GP register access .........................~0.2 ns (1 cycle)</a:t>
-            </a:r>
-          </a:p>
-          <a:p>
-            <a:r>
-              <a:rPr lang="en-US" sz="2000" dirty="0"/>
-              <a:t>L1 cache reference ......................... 0.5 ns</a:t>
-            </a:r>
-          </a:p>
-          <a:p>
-            <a:r>
-              <a:rPr lang="en-US" sz="2000" dirty="0"/>
-              <a:t>L2 cache reference ........................... 7 ns</a:t>
-            </a:r>
-          </a:p>
-          <a:p>
-            <a:r>
-              <a:rPr lang="en-US" sz="2000" dirty="0"/>
-              <a:t>Main memory reference ...................... 100 ns             </a:t>
-            </a:r>
-          </a:p>
-          <a:p>
-            <a:endParaRPr lang="en-US" sz="2000" dirty="0"/>
-          </a:p>
-        </p:txBody>
-      </p:sp>
-      <p:sp>
-        <p:nvSpPr>
-          <p:cNvPr id="4" name="Title 3">
-            <a:extLst>
-              <a:ext uri="{FF2B5EF4-FFF2-40B4-BE49-F238E27FC236}">
-                <a16:creationId xmlns:a16="http://schemas.microsoft.com/office/drawing/2014/main" id="{C2FF3DCF-CB8E-9DBF-893F-53BB48DC5E17}"/>
-              </a:ext>
-            </a:extLst>
-          </p:cNvPr>
-          <p:cNvSpPr>
-            <a:spLocks noGrp="1"/>
-          </p:cNvSpPr>
-          <p:nvPr>
-            <p:ph type="title"/>
-          </p:nvPr>
-        </p:nvSpPr>
-        <p:spPr/>
-        <p:txBody>
-          <a:bodyPr/>
-          <a:lstStyle/>
-          <a:p>
-            <a:r>
-              <a:rPr lang="en-US" dirty="0"/>
-              <a:t>Memory hierarchy</a:t>
-            </a:r>
-          </a:p>
-        </p:txBody>
-      </p:sp>
-      <p:sp>
-        <p:nvSpPr>
-          <p:cNvPr id="3" name="TextBox 2">
-            <a:extLst>
-              <a:ext uri="{FF2B5EF4-FFF2-40B4-BE49-F238E27FC236}">
-                <a16:creationId xmlns:a16="http://schemas.microsoft.com/office/drawing/2014/main" id="{6DB0FF31-B8B8-64FD-8C49-330C297EEFA2}"/>
-              </a:ext>
-            </a:extLst>
-          </p:cNvPr>
-          <p:cNvSpPr txBox="1"/>
-          <p:nvPr/>
-        </p:nvSpPr>
-        <p:spPr>
-          <a:xfrm>
-            <a:off x="7645400" y="4445441"/>
-            <a:ext cx="6096000" cy="276999"/>
-          </a:xfrm>
-          <a:prstGeom prst="rect">
-            <a:avLst/>
-          </a:prstGeom>
-          <a:noFill/>
-        </p:spPr>
-        <p:txBody>
-          <a:bodyPr wrap="square">
-            <a:spAutoFit/>
-          </a:bodyPr>
-          <a:lstStyle/>
-          <a:p>
-            <a:r>
-              <a:rPr lang="en-US" sz="1200" dirty="0"/>
-              <a:t>https://gist.github.com/hellerbarde/2843375</a:t>
-            </a:r>
-          </a:p>
-        </p:txBody>
-      </p:sp>
-    </p:spTree>
-    <p:extLst>
-      <p:ext uri="{BB962C8B-B14F-4D97-AF65-F5344CB8AC3E}">
-        <p14:creationId xmlns:p14="http://schemas.microsoft.com/office/powerpoint/2010/main" val="89294180"/>
-      </p:ext>
-    </p:extLst>
-  </p:cSld>
-  <p:clrMapOvr>
-    <a:masterClrMapping/>
-  </p:clrMapOvr>
-</p:sld>
-</file>
-
-<file path=ppt/slides/slide64.xml><?xml version="1.0" encoding="utf-8"?>
-<p:sld xmlns:a="http://schemas.openxmlformats.org/drawingml/2006/main" xmlns:r="http://schemas.openxmlformats.org/officeDocument/2006/relationships" xmlns:p="http://schemas.openxmlformats.org/presentationml/2006/main">
-  <p:cSld>
-    <p:spTree>
-      <p:nvGrpSpPr>
-        <p:cNvPr id="1" name=""/>
-        <p:cNvGrpSpPr/>
-        <p:nvPr/>
-      </p:nvGrpSpPr>
-      <p:grpSpPr>
-        <a:xfrm>
-          <a:off x="0" y="0"/>
-          <a:ext cx="0" cy="0"/>
-          <a:chOff x="0" y="0"/>
-          <a:chExt cx="0" cy="0"/>
-        </a:xfrm>
-      </p:grpSpPr>
-      <p:sp>
-        <p:nvSpPr>
-          <p:cNvPr id="5" name="Title 4">
-            <a:extLst>
-              <a:ext uri="{FF2B5EF4-FFF2-40B4-BE49-F238E27FC236}">
-                <a16:creationId xmlns:a16="http://schemas.microsoft.com/office/drawing/2014/main" id="{D687C363-C1AA-B3E9-DF08-AA38209BF430}"/>
-              </a:ext>
-            </a:extLst>
-          </p:cNvPr>
-          <p:cNvSpPr>
-            <a:spLocks noGrp="1"/>
-          </p:cNvSpPr>
-          <p:nvPr>
-            <p:ph type="title"/>
-          </p:nvPr>
-        </p:nvSpPr>
-        <p:spPr/>
-        <p:txBody>
-          <a:bodyPr/>
-          <a:lstStyle/>
-          <a:p>
-            <a:r>
-              <a:rPr lang="en-US" dirty="0"/>
-              <a:t>Compiler goal: improve cache locality</a:t>
-            </a:r>
-          </a:p>
-        </p:txBody>
-      </p:sp>
-      <p:sp>
-        <p:nvSpPr>
-          <p:cNvPr id="7" name="TextBox 6">
-            <a:extLst>
-              <a:ext uri="{FF2B5EF4-FFF2-40B4-BE49-F238E27FC236}">
-                <a16:creationId xmlns:a16="http://schemas.microsoft.com/office/drawing/2014/main" id="{AF098843-B012-2CB6-5E2B-547E65ED1A4E}"/>
-              </a:ext>
-            </a:extLst>
-          </p:cNvPr>
-          <p:cNvSpPr txBox="1"/>
-          <p:nvPr/>
-        </p:nvSpPr>
-        <p:spPr>
-          <a:xfrm>
-            <a:off x="1429359" y="1442172"/>
-            <a:ext cx="3570208" cy="2862322"/>
-          </a:xfrm>
-          <a:prstGeom prst="rect">
-            <a:avLst/>
-          </a:prstGeom>
-          <a:noFill/>
-          <a:ln w="12700">
-            <a:solidFill>
-              <a:schemeClr val="tx1"/>
-            </a:solidFill>
-          </a:ln>
-        </p:spPr>
-        <p:txBody>
-          <a:bodyPr wrap="none" rtlCol="0">
-            <a:spAutoFit/>
-          </a:bodyPr>
-          <a:lstStyle/>
-          <a:p>
-            <a:r>
-              <a:rPr lang="en-US" sz="2000" dirty="0">
-                <a:latin typeface="Consolas" panose="020B0609020204030204" pitchFamily="49" charset="0"/>
-              </a:rPr>
-              <a:t>int function(char* a) {</a:t>
-            </a:r>
-            <a:br>
-              <a:rPr lang="en-US" sz="2000" dirty="0">
-                <a:latin typeface="Consolas" panose="020B0609020204030204" pitchFamily="49" charset="0"/>
-              </a:rPr>
-            </a:br>
-            <a:r>
-              <a:rPr lang="en-US" sz="2000" dirty="0">
-                <a:latin typeface="Consolas" panose="020B0609020204030204" pitchFamily="49" charset="0"/>
-              </a:rPr>
-              <a:t>  int sum = 0;</a:t>
-            </a:r>
-            <a:br>
-              <a:rPr lang="en-US" sz="2000" dirty="0">
-                <a:latin typeface="Consolas" panose="020B0609020204030204" pitchFamily="49" charset="0"/>
-              </a:rPr>
-            </a:br>
-            <a:r>
-              <a:rPr lang="en-US" sz="2000" dirty="0">
-                <a:latin typeface="Consolas" panose="020B0609020204030204" pitchFamily="49" charset="0"/>
-              </a:rPr>
-              <a:t>  sum += a[0];</a:t>
-            </a:r>
-            <a:br>
-              <a:rPr lang="en-US" sz="2000" dirty="0">
-                <a:latin typeface="Consolas" panose="020B0609020204030204" pitchFamily="49" charset="0"/>
-              </a:rPr>
-            </a:br>
-            <a:r>
-              <a:rPr lang="en-US" sz="2000" dirty="0">
-                <a:latin typeface="Consolas" panose="020B0609020204030204" pitchFamily="49" charset="0"/>
-              </a:rPr>
-              <a:t>  </a:t>
-            </a:r>
-            <a:r>
-              <a:rPr lang="en-US" sz="2000" dirty="0" err="1">
-                <a:latin typeface="Consolas" panose="020B0609020204030204" pitchFamily="49" charset="0"/>
-              </a:rPr>
-              <a:t>access_other_memory</a:t>
-            </a:r>
-            <a:r>
-              <a:rPr lang="en-US" sz="2000" dirty="0">
-                <a:latin typeface="Consolas" panose="020B0609020204030204" pitchFamily="49" charset="0"/>
-              </a:rPr>
-              <a:t>();</a:t>
-            </a:r>
-            <a:br>
-              <a:rPr lang="en-US" sz="2000" dirty="0">
-                <a:latin typeface="Consolas" panose="020B0609020204030204" pitchFamily="49" charset="0"/>
-              </a:rPr>
-            </a:br>
-            <a:r>
-              <a:rPr lang="en-US" sz="2000" dirty="0">
-                <a:latin typeface="Consolas" panose="020B0609020204030204" pitchFamily="49" charset="0"/>
-              </a:rPr>
-              <a:t>  sum += a[1];</a:t>
-            </a:r>
-            <a:br>
-              <a:rPr lang="en-US" sz="2000" dirty="0">
-                <a:latin typeface="Consolas" panose="020B0609020204030204" pitchFamily="49" charset="0"/>
-              </a:rPr>
-            </a:br>
-            <a:r>
-              <a:rPr lang="en-US" sz="2000" dirty="0">
-                <a:latin typeface="Consolas" panose="020B0609020204030204" pitchFamily="49" charset="0"/>
-              </a:rPr>
-              <a:t>  </a:t>
-            </a:r>
-            <a:r>
-              <a:rPr lang="en-US" sz="2000" dirty="0" err="1">
-                <a:latin typeface="Consolas" panose="020B0609020204030204" pitchFamily="49" charset="0"/>
-              </a:rPr>
-              <a:t>access_other_memory</a:t>
-            </a:r>
-            <a:r>
-              <a:rPr lang="en-US" sz="2000" dirty="0">
-                <a:latin typeface="Consolas" panose="020B0609020204030204" pitchFamily="49" charset="0"/>
-              </a:rPr>
-              <a:t>();</a:t>
-            </a:r>
-            <a:br>
-              <a:rPr lang="en-US" sz="2000" dirty="0">
-                <a:latin typeface="Consolas" panose="020B0609020204030204" pitchFamily="49" charset="0"/>
-              </a:rPr>
-            </a:br>
-            <a:r>
-              <a:rPr lang="en-US" sz="2000" dirty="0">
-                <a:latin typeface="Consolas" panose="020B0609020204030204" pitchFamily="49" charset="0"/>
-              </a:rPr>
-              <a:t>  sum += a[2];</a:t>
-            </a:r>
-            <a:br>
-              <a:rPr lang="en-US" sz="2000" dirty="0">
-                <a:latin typeface="Consolas" panose="020B0609020204030204" pitchFamily="49" charset="0"/>
-              </a:rPr>
-            </a:br>
-            <a:r>
-              <a:rPr lang="en-US" sz="2000" dirty="0">
-                <a:latin typeface="Consolas" panose="020B0609020204030204" pitchFamily="49" charset="0"/>
-              </a:rPr>
-              <a:t>  </a:t>
-            </a:r>
-            <a:r>
-              <a:rPr lang="en-US" sz="2000" dirty="0" err="1">
-                <a:latin typeface="Consolas" panose="020B0609020204030204" pitchFamily="49" charset="0"/>
-              </a:rPr>
-              <a:t>access_other_memory</a:t>
-            </a:r>
-            <a:r>
-              <a:rPr lang="en-US" sz="2000" dirty="0">
-                <a:latin typeface="Consolas" panose="020B0609020204030204" pitchFamily="49" charset="0"/>
-              </a:rPr>
-              <a:t>();</a:t>
-            </a:r>
-            <a:br>
-              <a:rPr lang="en-US" sz="2000" dirty="0">
-                <a:latin typeface="Consolas" panose="020B0609020204030204" pitchFamily="49" charset="0"/>
-              </a:rPr>
-            </a:br>
-            <a:r>
-              <a:rPr lang="en-US" sz="2000" dirty="0">
-                <a:latin typeface="Consolas" panose="020B0609020204030204" pitchFamily="49" charset="0"/>
-              </a:rPr>
-              <a:t>}</a:t>
-            </a:r>
-          </a:p>
-        </p:txBody>
-      </p:sp>
-      <p:sp>
-        <p:nvSpPr>
-          <p:cNvPr id="11" name="Rectangle 10">
-            <a:extLst>
-              <a:ext uri="{FF2B5EF4-FFF2-40B4-BE49-F238E27FC236}">
-                <a16:creationId xmlns:a16="http://schemas.microsoft.com/office/drawing/2014/main" id="{9BCABEF0-7E78-BB0A-D06E-5B0B29595900}"/>
-              </a:ext>
-            </a:extLst>
-          </p:cNvPr>
-          <p:cNvSpPr/>
-          <p:nvPr/>
-        </p:nvSpPr>
-        <p:spPr>
-          <a:xfrm>
-            <a:off x="858913" y="4529576"/>
-            <a:ext cx="6103274" cy="400110"/>
-          </a:xfrm>
-          <a:prstGeom prst="rect">
-            <a:avLst/>
-          </a:prstGeom>
-          <a:solidFill>
-            <a:srgbClr val="FFFFFF"/>
-          </a:solidFill>
-        </p:spPr>
-        <p:txBody>
-          <a:bodyPr wrap="none" lIns="91440" tIns="45720" rIns="91440" bIns="45720">
-            <a:spAutoFit/>
-          </a:bodyPr>
-          <a:lstStyle/>
-          <a:p>
-            <a:pPr algn="ctr"/>
-            <a:r>
-              <a:rPr lang="en-US" sz="2000" i="1" cap="none" spc="0" dirty="0" err="1">
-                <a:ln w="0"/>
-                <a:solidFill>
-                  <a:schemeClr val="tx1"/>
-                </a:solidFill>
-                <a:effectLst>
-                  <a:outerShdw blurRad="38100" dist="19050" dir="2700000" algn="tl" rotWithShape="0">
-                    <a:schemeClr val="dk1">
-                      <a:alpha val="40000"/>
-                    </a:schemeClr>
-                  </a:outerShdw>
-                </a:effectLst>
-              </a:rPr>
-              <a:t>access_other_memory</a:t>
-            </a:r>
-            <a:r>
-              <a:rPr lang="en-US" sz="2000" i="1" cap="none" spc="0" dirty="0">
-                <a:ln w="0"/>
-                <a:solidFill>
-                  <a:schemeClr val="tx1"/>
-                </a:solidFill>
-                <a:effectLst>
-                  <a:outerShdw blurRad="38100" dist="19050" dir="2700000" algn="tl" rotWithShape="0">
-                    <a:schemeClr val="dk1">
-                      <a:alpha val="40000"/>
-                    </a:schemeClr>
-                  </a:outerShdw>
-                </a:effectLst>
-              </a:rPr>
-              <a:t>() does not modify sum or array a</a:t>
-            </a:r>
-          </a:p>
-        </p:txBody>
-      </p:sp>
-      <p:sp>
-        <p:nvSpPr>
-          <p:cNvPr id="12" name="TextBox 11">
-            <a:extLst>
-              <a:ext uri="{FF2B5EF4-FFF2-40B4-BE49-F238E27FC236}">
-                <a16:creationId xmlns:a16="http://schemas.microsoft.com/office/drawing/2014/main" id="{94DBA05E-3E41-6D15-C9AD-9C12D6CD6A61}"/>
-              </a:ext>
-            </a:extLst>
-          </p:cNvPr>
-          <p:cNvSpPr txBox="1"/>
-          <p:nvPr/>
-        </p:nvSpPr>
-        <p:spPr>
-          <a:xfrm>
-            <a:off x="2526838" y="921359"/>
-            <a:ext cx="1383712" cy="523220"/>
-          </a:xfrm>
-          <a:prstGeom prst="rect">
-            <a:avLst/>
-          </a:prstGeom>
-          <a:noFill/>
-        </p:spPr>
-        <p:txBody>
-          <a:bodyPr wrap="none" rtlCol="0">
-            <a:spAutoFit/>
-          </a:bodyPr>
-          <a:lstStyle/>
-          <a:p>
-            <a:r>
-              <a:rPr lang="en-US" sz="2800" b="1" i="1" dirty="0"/>
-              <a:t>Original</a:t>
-            </a:r>
-          </a:p>
-        </p:txBody>
-      </p:sp>
-      <p:grpSp>
-        <p:nvGrpSpPr>
-          <p:cNvPr id="2" name="Group 1">
-            <a:extLst>
-              <a:ext uri="{FF2B5EF4-FFF2-40B4-BE49-F238E27FC236}">
-                <a16:creationId xmlns:a16="http://schemas.microsoft.com/office/drawing/2014/main" id="{D0B25F8A-FA17-64DB-EE04-A3C2AA750B7E}"/>
-              </a:ext>
-            </a:extLst>
-          </p:cNvPr>
-          <p:cNvGrpSpPr/>
-          <p:nvPr/>
-        </p:nvGrpSpPr>
-        <p:grpSpPr>
-          <a:xfrm>
-            <a:off x="7509933" y="918952"/>
-            <a:ext cx="3570208" cy="3385542"/>
-            <a:chOff x="7509933" y="918952"/>
-            <a:chExt cx="3570208" cy="3385542"/>
-          </a:xfrm>
-        </p:grpSpPr>
-        <p:sp>
-          <p:nvSpPr>
-            <p:cNvPr id="8" name="TextBox 7">
-              <a:extLst>
-                <a:ext uri="{FF2B5EF4-FFF2-40B4-BE49-F238E27FC236}">
-                  <a16:creationId xmlns:a16="http://schemas.microsoft.com/office/drawing/2014/main" id="{BE9C54F7-DB64-FB1D-979F-34DB495FF78C}"/>
-                </a:ext>
-              </a:extLst>
-            </p:cNvPr>
-            <p:cNvSpPr txBox="1"/>
-            <p:nvPr/>
-          </p:nvSpPr>
-          <p:spPr>
-            <a:xfrm>
-              <a:off x="7509933" y="1442172"/>
-              <a:ext cx="3570208" cy="2862322"/>
-            </a:xfrm>
-            <a:prstGeom prst="rect">
-              <a:avLst/>
-            </a:prstGeom>
-            <a:noFill/>
-            <a:ln w="12700">
-              <a:solidFill>
-                <a:schemeClr val="tx1"/>
-              </a:solidFill>
-            </a:ln>
-          </p:spPr>
-          <p:txBody>
-            <a:bodyPr wrap="none" rtlCol="0">
-              <a:spAutoFit/>
-            </a:bodyPr>
-            <a:lstStyle/>
-            <a:p>
-              <a:r>
-                <a:rPr lang="en-US" sz="2000" dirty="0">
-                  <a:latin typeface="Consolas" panose="020B0609020204030204" pitchFamily="49" charset="0"/>
-                </a:rPr>
-                <a:t>int function(char* a) {</a:t>
-              </a:r>
-              <a:br>
-                <a:rPr lang="en-US" sz="2000" dirty="0">
-                  <a:latin typeface="Consolas" panose="020B0609020204030204" pitchFamily="49" charset="0"/>
-                </a:rPr>
-              </a:br>
-              <a:r>
-                <a:rPr lang="en-US" sz="2000" dirty="0">
-                  <a:latin typeface="Consolas" panose="020B0609020204030204" pitchFamily="49" charset="0"/>
-                </a:rPr>
-                <a:t>  int sum = 0;</a:t>
-              </a:r>
-              <a:br>
-                <a:rPr lang="en-US" sz="2000" dirty="0">
-                  <a:latin typeface="Consolas" panose="020B0609020204030204" pitchFamily="49" charset="0"/>
-                </a:rPr>
-              </a:br>
-              <a:r>
-                <a:rPr lang="en-US" sz="2000" dirty="0">
-                  <a:latin typeface="Consolas" panose="020B0609020204030204" pitchFamily="49" charset="0"/>
-                </a:rPr>
-                <a:t>  sum += a[0];</a:t>
-              </a:r>
-              <a:br>
-                <a:rPr lang="en-US" sz="2000" dirty="0">
-                  <a:latin typeface="Consolas" panose="020B0609020204030204" pitchFamily="49" charset="0"/>
-                </a:rPr>
-              </a:br>
-              <a:r>
-                <a:rPr lang="en-US" sz="2000" dirty="0">
-                  <a:latin typeface="Consolas" panose="020B0609020204030204" pitchFamily="49" charset="0"/>
-                </a:rPr>
-                <a:t>  sum += a[1];</a:t>
-              </a:r>
-              <a:br>
-                <a:rPr lang="en-US" sz="2000" dirty="0">
-                  <a:latin typeface="Consolas" panose="020B0609020204030204" pitchFamily="49" charset="0"/>
-                </a:rPr>
-              </a:br>
-              <a:r>
-                <a:rPr lang="en-US" sz="2000" dirty="0">
-                  <a:latin typeface="Consolas" panose="020B0609020204030204" pitchFamily="49" charset="0"/>
-                </a:rPr>
-                <a:t>  sum += a[2];</a:t>
-              </a:r>
-              <a:br>
-                <a:rPr lang="en-US" sz="2000" dirty="0">
-                  <a:latin typeface="Consolas" panose="020B0609020204030204" pitchFamily="49" charset="0"/>
-                </a:rPr>
-              </a:br>
-              <a:r>
-                <a:rPr lang="en-US" sz="2000" dirty="0">
-                  <a:latin typeface="Consolas" panose="020B0609020204030204" pitchFamily="49" charset="0"/>
-                </a:rPr>
-                <a:t>  </a:t>
-              </a:r>
-              <a:r>
-                <a:rPr lang="en-US" sz="2000" dirty="0" err="1">
-                  <a:latin typeface="Consolas" panose="020B0609020204030204" pitchFamily="49" charset="0"/>
-                </a:rPr>
-                <a:t>access_other_memory</a:t>
-              </a:r>
-              <a:r>
-                <a:rPr lang="en-US" sz="2000" dirty="0">
-                  <a:latin typeface="Consolas" panose="020B0609020204030204" pitchFamily="49" charset="0"/>
-                </a:rPr>
-                <a:t>();</a:t>
-              </a:r>
-              <a:br>
-                <a:rPr lang="en-US" sz="2000" dirty="0">
-                  <a:latin typeface="Consolas" panose="020B0609020204030204" pitchFamily="49" charset="0"/>
-                </a:rPr>
-              </a:br>
-              <a:r>
-                <a:rPr lang="en-US" sz="2000" dirty="0">
-                  <a:latin typeface="Consolas" panose="020B0609020204030204" pitchFamily="49" charset="0"/>
-                </a:rPr>
-                <a:t>  </a:t>
-              </a:r>
-              <a:r>
-                <a:rPr lang="en-US" sz="2000" dirty="0" err="1">
-                  <a:latin typeface="Consolas" panose="020B0609020204030204" pitchFamily="49" charset="0"/>
-                </a:rPr>
-                <a:t>access_other_memory</a:t>
-              </a:r>
-              <a:r>
-                <a:rPr lang="en-US" sz="2000" dirty="0">
-                  <a:latin typeface="Consolas" panose="020B0609020204030204" pitchFamily="49" charset="0"/>
-                </a:rPr>
-                <a:t>();</a:t>
-              </a:r>
-              <a:br>
-                <a:rPr lang="en-US" sz="2000" dirty="0">
-                  <a:latin typeface="Consolas" panose="020B0609020204030204" pitchFamily="49" charset="0"/>
-                </a:rPr>
-              </a:br>
-              <a:r>
-                <a:rPr lang="en-US" sz="2000" dirty="0">
-                  <a:latin typeface="Consolas" panose="020B0609020204030204" pitchFamily="49" charset="0"/>
-                </a:rPr>
-                <a:t>  </a:t>
-              </a:r>
-              <a:r>
-                <a:rPr lang="en-US" sz="2000" dirty="0" err="1">
-                  <a:latin typeface="Consolas" panose="020B0609020204030204" pitchFamily="49" charset="0"/>
-                </a:rPr>
-                <a:t>access_other_memory</a:t>
-              </a:r>
-              <a:r>
-                <a:rPr lang="en-US" sz="2000" dirty="0">
-                  <a:latin typeface="Consolas" panose="020B0609020204030204" pitchFamily="49" charset="0"/>
-                </a:rPr>
-                <a:t>();</a:t>
-              </a:r>
-              <a:br>
-                <a:rPr lang="en-US" sz="2000" dirty="0">
-                  <a:latin typeface="Consolas" panose="020B0609020204030204" pitchFamily="49" charset="0"/>
-                </a:rPr>
-              </a:br>
-              <a:r>
-                <a:rPr lang="en-US" sz="2000" dirty="0">
-                  <a:latin typeface="Consolas" panose="020B0609020204030204" pitchFamily="49" charset="0"/>
-                </a:rPr>
-                <a:t>}</a:t>
-              </a:r>
-            </a:p>
-          </p:txBody>
-        </p:sp>
-        <p:sp>
-          <p:nvSpPr>
-            <p:cNvPr id="13" name="TextBox 12">
-              <a:extLst>
-                <a:ext uri="{FF2B5EF4-FFF2-40B4-BE49-F238E27FC236}">
-                  <a16:creationId xmlns:a16="http://schemas.microsoft.com/office/drawing/2014/main" id="{706D22F7-A7B9-1C79-817E-0CA94E07FE43}"/>
-                </a:ext>
-              </a:extLst>
-            </p:cNvPr>
-            <p:cNvSpPr txBox="1"/>
-            <p:nvPr/>
-          </p:nvSpPr>
-          <p:spPr>
-            <a:xfrm>
-              <a:off x="8162186" y="918952"/>
-              <a:ext cx="2600455" cy="523220"/>
-            </a:xfrm>
-            <a:prstGeom prst="rect">
-              <a:avLst/>
-            </a:prstGeom>
-            <a:noFill/>
-          </p:spPr>
-          <p:txBody>
-            <a:bodyPr wrap="none" rtlCol="0">
-              <a:spAutoFit/>
-            </a:bodyPr>
-            <a:lstStyle/>
-            <a:p>
-              <a:r>
-                <a:rPr lang="en-US" sz="2800" b="1" i="1" dirty="0"/>
-                <a:t>After reordering</a:t>
-              </a:r>
-            </a:p>
-          </p:txBody>
-        </p:sp>
-      </p:grpSp>
-    </p:spTree>
-    <p:extLst>
-      <p:ext uri="{BB962C8B-B14F-4D97-AF65-F5344CB8AC3E}">
-        <p14:creationId xmlns:p14="http://schemas.microsoft.com/office/powerpoint/2010/main" val="252976808"/>
-      </p:ext>
-    </p:extLst>
-  </p:cSld>
-  <p:clrMapOvr>
-    <a:masterClrMapping/>
-  </p:clrMapOvr>
-  <p:timing>
-    <p:tnLst>
-      <p:par>
-        <p:cTn id="1" dur="indefinite" restart="never" nodeType="tmRoot">
-          <p:childTnLst>
-            <p:seq concurrent="1" nextAc="seek">
-              <p:cTn id="2" dur="indefinite" nodeType="mainSeq">
-                <p:childTnLst>
-                  <p:par>
-                    <p:cTn id="3" fill="hold">
-                      <p:stCondLst>
-                        <p:cond delay="indefinite"/>
-                      </p:stCondLst>
-                      <p:childTnLst>
-                        <p:par>
-                          <p:cTn id="4" fill="hold">
-                            <p:stCondLst>
-                              <p:cond delay="0"/>
-                            </p:stCondLst>
-                            <p:childTnLst>
-                              <p:par>
-                                <p:cTn id="5" presetID="1" presetClass="entr" presetSubtype="0" fill="hold" grpId="0" nodeType="clickEffect">
-                                  <p:stCondLst>
-                                    <p:cond delay="0"/>
-                                  </p:stCondLst>
-                                  <p:childTnLst>
-                                    <p:set>
-                                      <p:cBhvr>
-                                        <p:cTn id="6" dur="1" fill="hold">
-                                          <p:stCondLst>
-                                            <p:cond delay="0"/>
-                                          </p:stCondLst>
-                                        </p:cTn>
-                                        <p:tgtEl>
-                                          <p:spTgt spid="11"/>
-                                        </p:tgtEl>
-                                        <p:attrNameLst>
-                                          <p:attrName>style.visibility</p:attrName>
-                                        </p:attrNameLst>
-                                      </p:cBhvr>
-                                      <p:to>
-                                        <p:strVal val="visible"/>
-                                      </p:to>
-                                    </p:set>
-                                  </p:childTnLst>
-                                </p:cTn>
-                              </p:par>
-                            </p:childTnLst>
-                          </p:cTn>
-                        </p:par>
-                      </p:childTnLst>
-                    </p:cTn>
-                  </p:par>
-                  <p:par>
-                    <p:cTn id="7" fill="hold">
-                      <p:stCondLst>
-                        <p:cond delay="indefinite"/>
-                      </p:stCondLst>
-                      <p:childTnLst>
-                        <p:par>
-                          <p:cTn id="8" fill="hold">
-                            <p:stCondLst>
-                              <p:cond delay="0"/>
-                            </p:stCondLst>
-                            <p:childTnLst>
-                              <p:par>
-                                <p:cTn id="9" presetID="1" presetClass="entr" presetSubtype="0" fill="hold" nodeType="clickEffect">
-                                  <p:stCondLst>
-                                    <p:cond delay="0"/>
-                                  </p:stCondLst>
-                                  <p:childTnLst>
-                                    <p:set>
-                                      <p:cBhvr>
-                                        <p:cTn id="10" dur="1" fill="hold">
-                                          <p:stCondLst>
-                                            <p:cond delay="0"/>
-                                          </p:stCondLst>
-                                        </p:cTn>
-                                        <p:tgtEl>
-                                          <p:spTgt spid="2"/>
-                                        </p:tgtEl>
-                                        <p:attrNameLst>
-                                          <p:attrName>style.visibility</p:attrName>
-                                        </p:attrNameLst>
-                                      </p:cBhvr>
-                                      <p:to>
-                                        <p:strVal val="visible"/>
-                                      </p:to>
-                                    </p:set>
-                                  </p:childTnLst>
-                                </p:cTn>
-                              </p:par>
-                            </p:childTnLst>
-                          </p:cTn>
-                        </p:par>
-                      </p:childTnLst>
-                    </p:cTn>
-                  </p:par>
-                </p:childTnLst>
-              </p:cTn>
-              <p:prevCondLst>
-                <p:cond evt="onPrev" delay="0">
-                  <p:tgtEl>
-                    <p:sldTgt/>
-                  </p:tgtEl>
-                </p:cond>
-              </p:prevCondLst>
-              <p:nextCondLst>
-                <p:cond evt="onNext" delay="0">
-                  <p:tgtEl>
-                    <p:sldTgt/>
-                  </p:tgtEl>
-                </p:cond>
-              </p:nextCondLst>
-            </p:seq>
-          </p:childTnLst>
-        </p:cTn>
-      </p:par>
-    </p:tnLst>
-    <p:bldLst>
-      <p:bldP spid="11" grpId="0" animBg="1"/>
-    </p:bldLst>
-  </p:timing>
-</p:sld>
-</file>
-
-<file path=ppt/slides/slide65.xml><?xml version="1.0" encoding="utf-8"?>
-<p:sld xmlns:a="http://schemas.openxmlformats.org/drawingml/2006/main" xmlns:r="http://schemas.openxmlformats.org/officeDocument/2006/relationships" xmlns:p="http://schemas.openxmlformats.org/presentationml/2006/main">
-  <p:cSld>
-    <p:spTree>
-      <p:nvGrpSpPr>
-        <p:cNvPr id="1" name="">
-          <a:extLst>
-            <a:ext uri="{FF2B5EF4-FFF2-40B4-BE49-F238E27FC236}">
-              <a16:creationId xmlns:a16="http://schemas.microsoft.com/office/drawing/2014/main" id="{9CADAF55-9275-5ED3-DB0B-F2A31C17BF6D}"/>
-            </a:ext>
-          </a:extLst>
-        </p:cNvPr>
-        <p:cNvGrpSpPr/>
-        <p:nvPr/>
-      </p:nvGrpSpPr>
-      <p:grpSpPr>
-        <a:xfrm>
-          <a:off x="0" y="0"/>
-          <a:ext cx="0" cy="0"/>
-          <a:chOff x="0" y="0"/>
-          <a:chExt cx="0" cy="0"/>
-        </a:xfrm>
-      </p:grpSpPr>
-      <p:sp>
-        <p:nvSpPr>
-          <p:cNvPr id="5" name="Title 4">
-            <a:extLst>
-              <a:ext uri="{FF2B5EF4-FFF2-40B4-BE49-F238E27FC236}">
-                <a16:creationId xmlns:a16="http://schemas.microsoft.com/office/drawing/2014/main" id="{4017ADE1-EBF2-4C67-0068-1690F105CFCB}"/>
-              </a:ext>
-            </a:extLst>
-          </p:cNvPr>
-          <p:cNvSpPr>
-            <a:spLocks noGrp="1"/>
-          </p:cNvSpPr>
-          <p:nvPr>
-            <p:ph type="title"/>
-          </p:nvPr>
-        </p:nvSpPr>
-        <p:spPr/>
-        <p:txBody>
-          <a:bodyPr/>
-          <a:lstStyle/>
-          <a:p>
-            <a:r>
-              <a:rPr lang="en-US" dirty="0"/>
-              <a:t>Compiler goal: improve cache locality</a:t>
-            </a:r>
-          </a:p>
-        </p:txBody>
-      </p:sp>
-      <p:sp>
-        <p:nvSpPr>
-          <p:cNvPr id="3" name="Content Placeholder 2">
-            <a:extLst>
-              <a:ext uri="{FF2B5EF4-FFF2-40B4-BE49-F238E27FC236}">
-                <a16:creationId xmlns:a16="http://schemas.microsoft.com/office/drawing/2014/main" id="{0D42AC3B-BCF6-B162-FC7E-466B70B49C49}"/>
-              </a:ext>
-            </a:extLst>
-          </p:cNvPr>
-          <p:cNvSpPr>
-            <a:spLocks noGrp="1"/>
-          </p:cNvSpPr>
-          <p:nvPr>
-            <p:ph idx="13"/>
-          </p:nvPr>
-        </p:nvSpPr>
-        <p:spPr/>
-        <p:txBody>
-          <a:bodyPr/>
-          <a:lstStyle/>
-          <a:p>
-            <a:r>
-              <a:rPr lang="en-US" dirty="0"/>
-              <a:t>Better cache locality</a:t>
-            </a:r>
-          </a:p>
-          <a:p>
-            <a:r>
-              <a:rPr lang="en-US" dirty="0"/>
-              <a:t>More cache hits -&gt; lower latency</a:t>
-            </a:r>
-          </a:p>
-          <a:p>
-            <a:r>
-              <a:rPr lang="en-US" dirty="0"/>
-              <a:t>Compiler can reorder the accesses to a[] </a:t>
-            </a:r>
-          </a:p>
-          <a:p>
-            <a:pPr lvl="1"/>
-            <a:r>
-              <a:rPr lang="en-US" dirty="0"/>
-              <a:t>ONLY if it can safely determine that </a:t>
-            </a:r>
-            <a:r>
-              <a:rPr lang="en-US" dirty="0" err="1"/>
-              <a:t>access_other_memory</a:t>
-            </a:r>
-            <a:r>
-              <a:rPr lang="en-US" dirty="0"/>
-              <a:t>() does not update </a:t>
-            </a:r>
-            <a:r>
-              <a:rPr lang="en-US" dirty="0">
-                <a:latin typeface="Consolas" panose="020B0609020204030204" pitchFamily="49" charset="0"/>
-              </a:rPr>
-              <a:t>sum</a:t>
-            </a:r>
-            <a:r>
-              <a:rPr lang="en-US" dirty="0"/>
-              <a:t> or </a:t>
-            </a:r>
-            <a:r>
-              <a:rPr lang="en-US" dirty="0">
-                <a:latin typeface="Consolas" panose="020B0609020204030204" pitchFamily="49" charset="0"/>
-              </a:rPr>
-              <a:t>a</a:t>
-            </a:r>
-          </a:p>
-        </p:txBody>
-      </p:sp>
-      <p:sp>
-        <p:nvSpPr>
-          <p:cNvPr id="8" name="TextBox 7">
-            <a:extLst>
-              <a:ext uri="{FF2B5EF4-FFF2-40B4-BE49-F238E27FC236}">
-                <a16:creationId xmlns:a16="http://schemas.microsoft.com/office/drawing/2014/main" id="{3EDCC7A7-6C37-8777-3E4E-65FCE9BF05BE}"/>
-              </a:ext>
-            </a:extLst>
-          </p:cNvPr>
-          <p:cNvSpPr txBox="1"/>
-          <p:nvPr/>
-        </p:nvSpPr>
-        <p:spPr>
-          <a:xfrm>
-            <a:off x="7509933" y="1442172"/>
-            <a:ext cx="3570208" cy="2862322"/>
-          </a:xfrm>
-          <a:prstGeom prst="rect">
-            <a:avLst/>
-          </a:prstGeom>
-          <a:noFill/>
-          <a:ln w="12700">
-            <a:solidFill>
-              <a:schemeClr val="tx1"/>
-            </a:solidFill>
-          </a:ln>
-        </p:spPr>
-        <p:txBody>
-          <a:bodyPr wrap="none" rtlCol="0">
-            <a:spAutoFit/>
-          </a:bodyPr>
-          <a:lstStyle/>
-          <a:p>
-            <a:r>
-              <a:rPr lang="en-US" sz="2000" dirty="0">
-                <a:latin typeface="Consolas" panose="020B0609020204030204" pitchFamily="49" charset="0"/>
-              </a:rPr>
-              <a:t>int function(char* a) {</a:t>
-            </a:r>
-            <a:br>
-              <a:rPr lang="en-US" sz="2000" dirty="0">
-                <a:latin typeface="Consolas" panose="020B0609020204030204" pitchFamily="49" charset="0"/>
-              </a:rPr>
-            </a:br>
-            <a:r>
-              <a:rPr lang="en-US" sz="2000" dirty="0">
-                <a:latin typeface="Consolas" panose="020B0609020204030204" pitchFamily="49" charset="0"/>
-              </a:rPr>
-              <a:t>  int sum = 0;</a:t>
-            </a:r>
-            <a:br>
-              <a:rPr lang="en-US" sz="2000" dirty="0">
-                <a:latin typeface="Consolas" panose="020B0609020204030204" pitchFamily="49" charset="0"/>
-              </a:rPr>
-            </a:br>
-            <a:r>
-              <a:rPr lang="en-US" sz="2000" dirty="0">
-                <a:latin typeface="Consolas" panose="020B0609020204030204" pitchFamily="49" charset="0"/>
-              </a:rPr>
-              <a:t>  sum += a[0];</a:t>
-            </a:r>
-            <a:br>
-              <a:rPr lang="en-US" sz="2000" dirty="0">
-                <a:latin typeface="Consolas" panose="020B0609020204030204" pitchFamily="49" charset="0"/>
-              </a:rPr>
-            </a:br>
-            <a:r>
-              <a:rPr lang="en-US" sz="2000" dirty="0">
-                <a:latin typeface="Consolas" panose="020B0609020204030204" pitchFamily="49" charset="0"/>
-              </a:rPr>
-              <a:t>  sum += a[1];</a:t>
-            </a:r>
-            <a:br>
-              <a:rPr lang="en-US" sz="2000" dirty="0">
-                <a:latin typeface="Consolas" panose="020B0609020204030204" pitchFamily="49" charset="0"/>
-              </a:rPr>
-            </a:br>
-            <a:r>
-              <a:rPr lang="en-US" sz="2000" dirty="0">
-                <a:latin typeface="Consolas" panose="020B0609020204030204" pitchFamily="49" charset="0"/>
-              </a:rPr>
-              <a:t>  sum += a[2];</a:t>
-            </a:r>
-            <a:br>
-              <a:rPr lang="en-US" sz="2000" dirty="0">
-                <a:latin typeface="Consolas" panose="020B0609020204030204" pitchFamily="49" charset="0"/>
-              </a:rPr>
-            </a:br>
-            <a:r>
-              <a:rPr lang="en-US" sz="2000" dirty="0">
-                <a:latin typeface="Consolas" panose="020B0609020204030204" pitchFamily="49" charset="0"/>
-              </a:rPr>
-              <a:t>  </a:t>
-            </a:r>
-            <a:r>
-              <a:rPr lang="en-US" sz="2000" dirty="0" err="1">
-                <a:latin typeface="Consolas" panose="020B0609020204030204" pitchFamily="49" charset="0"/>
-              </a:rPr>
-              <a:t>access_other_memory</a:t>
-            </a:r>
-            <a:r>
-              <a:rPr lang="en-US" sz="2000" dirty="0">
-                <a:latin typeface="Consolas" panose="020B0609020204030204" pitchFamily="49" charset="0"/>
-              </a:rPr>
-              <a:t>();</a:t>
-            </a:r>
-            <a:br>
-              <a:rPr lang="en-US" sz="2000" dirty="0">
-                <a:latin typeface="Consolas" panose="020B0609020204030204" pitchFamily="49" charset="0"/>
-              </a:rPr>
-            </a:br>
-            <a:r>
-              <a:rPr lang="en-US" sz="2000" dirty="0">
-                <a:latin typeface="Consolas" panose="020B0609020204030204" pitchFamily="49" charset="0"/>
-              </a:rPr>
-              <a:t>  </a:t>
-            </a:r>
-            <a:r>
-              <a:rPr lang="en-US" sz="2000" dirty="0" err="1">
-                <a:latin typeface="Consolas" panose="020B0609020204030204" pitchFamily="49" charset="0"/>
-              </a:rPr>
-              <a:t>access_other_memory</a:t>
-            </a:r>
-            <a:r>
-              <a:rPr lang="en-US" sz="2000" dirty="0">
-                <a:latin typeface="Consolas" panose="020B0609020204030204" pitchFamily="49" charset="0"/>
-              </a:rPr>
-              <a:t>();</a:t>
-            </a:r>
-            <a:br>
-              <a:rPr lang="en-US" sz="2000" dirty="0">
-                <a:latin typeface="Consolas" panose="020B0609020204030204" pitchFamily="49" charset="0"/>
-              </a:rPr>
-            </a:br>
-            <a:r>
-              <a:rPr lang="en-US" sz="2000" dirty="0">
-                <a:latin typeface="Consolas" panose="020B0609020204030204" pitchFamily="49" charset="0"/>
-              </a:rPr>
-              <a:t>  </a:t>
-            </a:r>
-            <a:r>
-              <a:rPr lang="en-US" sz="2000" dirty="0" err="1">
-                <a:latin typeface="Consolas" panose="020B0609020204030204" pitchFamily="49" charset="0"/>
-              </a:rPr>
-              <a:t>access_other_memory</a:t>
-            </a:r>
-            <a:r>
-              <a:rPr lang="en-US" sz="2000" dirty="0">
-                <a:latin typeface="Consolas" panose="020B0609020204030204" pitchFamily="49" charset="0"/>
-              </a:rPr>
-              <a:t>();</a:t>
-            </a:r>
-            <a:br>
-              <a:rPr lang="en-US" sz="2000" dirty="0">
-                <a:latin typeface="Consolas" panose="020B0609020204030204" pitchFamily="49" charset="0"/>
-              </a:rPr>
-            </a:br>
-            <a:r>
-              <a:rPr lang="en-US" sz="2000" dirty="0">
-                <a:latin typeface="Consolas" panose="020B0609020204030204" pitchFamily="49" charset="0"/>
-              </a:rPr>
-              <a:t>}</a:t>
-            </a:r>
-          </a:p>
-        </p:txBody>
-      </p:sp>
-      <p:sp>
-        <p:nvSpPr>
-          <p:cNvPr id="11" name="Rectangle 10">
-            <a:extLst>
-              <a:ext uri="{FF2B5EF4-FFF2-40B4-BE49-F238E27FC236}">
-                <a16:creationId xmlns:a16="http://schemas.microsoft.com/office/drawing/2014/main" id="{9EBD2343-9874-BA8A-502C-30F86AD488BD}"/>
-              </a:ext>
-            </a:extLst>
-          </p:cNvPr>
-          <p:cNvSpPr/>
-          <p:nvPr/>
-        </p:nvSpPr>
-        <p:spPr>
-          <a:xfrm>
-            <a:off x="3818184" y="4529576"/>
-            <a:ext cx="184731" cy="400110"/>
-          </a:xfrm>
-          <a:prstGeom prst="rect">
-            <a:avLst/>
-          </a:prstGeom>
-          <a:solidFill>
-            <a:srgbClr val="FFFFFF"/>
-          </a:solidFill>
-        </p:spPr>
-        <p:txBody>
-          <a:bodyPr wrap="none" lIns="91440" tIns="45720" rIns="91440" bIns="45720">
-            <a:spAutoFit/>
-          </a:bodyPr>
-          <a:lstStyle/>
-          <a:p>
-            <a:pPr algn="ctr"/>
-            <a:endParaRPr lang="en-US" sz="2000" i="1" cap="none" spc="0" dirty="0">
-              <a:ln w="0"/>
-              <a:solidFill>
-                <a:schemeClr val="tx1"/>
-              </a:solidFill>
-              <a:effectLst>
-                <a:outerShdw blurRad="38100" dist="19050" dir="2700000" algn="tl" rotWithShape="0">
-                  <a:schemeClr val="dk1">
-                    <a:alpha val="40000"/>
-                  </a:schemeClr>
-                </a:outerShdw>
-              </a:effectLst>
-            </a:endParaRPr>
-          </a:p>
-        </p:txBody>
-      </p:sp>
-      <p:sp>
-        <p:nvSpPr>
-          <p:cNvPr id="13" name="TextBox 12">
-            <a:extLst>
-              <a:ext uri="{FF2B5EF4-FFF2-40B4-BE49-F238E27FC236}">
-                <a16:creationId xmlns:a16="http://schemas.microsoft.com/office/drawing/2014/main" id="{36156895-114B-F881-2536-D17AC2FFCB92}"/>
-              </a:ext>
-            </a:extLst>
-          </p:cNvPr>
-          <p:cNvSpPr txBox="1"/>
-          <p:nvPr/>
-        </p:nvSpPr>
-        <p:spPr>
-          <a:xfrm>
-            <a:off x="8162186" y="918952"/>
-            <a:ext cx="2600455" cy="523220"/>
-          </a:xfrm>
-          <a:prstGeom prst="rect">
-            <a:avLst/>
-          </a:prstGeom>
-          <a:noFill/>
-        </p:spPr>
-        <p:txBody>
-          <a:bodyPr wrap="none" rtlCol="0">
-            <a:spAutoFit/>
-          </a:bodyPr>
-          <a:lstStyle/>
-          <a:p>
-            <a:r>
-              <a:rPr lang="en-US" sz="2800" b="1" i="1" dirty="0"/>
-              <a:t>After reordering</a:t>
-            </a:r>
-          </a:p>
-        </p:txBody>
-      </p:sp>
-    </p:spTree>
-    <p:extLst>
-      <p:ext uri="{BB962C8B-B14F-4D97-AF65-F5344CB8AC3E}">
-        <p14:creationId xmlns:p14="http://schemas.microsoft.com/office/powerpoint/2010/main" val="2106869303"/>
-      </p:ext>
-    </p:extLst>
-  </p:cSld>
-  <p:clrMapOvr>
-    <a:masterClrMapping/>
-  </p:clrMapOvr>
-  <p:timing>
-    <p:tnLst>
-      <p:par>
-        <p:cTn id="1" dur="indefinite" restart="never" nodeType="tmRoot">
-          <p:childTnLst>
-            <p:seq concurrent="1" nextAc="seek">
-              <p:cTn id="2" dur="indefinite" nodeType="mainSeq">
-                <p:childTnLst>
-                  <p:par>
-                    <p:cTn id="3" fill="hold">
-                      <p:stCondLst>
-                        <p:cond delay="indefinite"/>
-                      </p:stCondLst>
-                      <p:childTnLst>
-                        <p:par>
-                          <p:cTn id="4" fill="hold">
-                            <p:stCondLst>
-                              <p:cond delay="0"/>
-                            </p:stCondLst>
-                            <p:childTnLst>
-                              <p:par>
-                                <p:cTn id="5" presetID="1" presetClass="entr" presetSubtype="0" fill="hold" grpId="0" nodeType="clickEffect">
-                                  <p:stCondLst>
-                                    <p:cond delay="0"/>
-                                  </p:stCondLst>
-                                  <p:childTnLst>
-                                    <p:set>
-                                      <p:cBhvr>
-                                        <p:cTn id="6" dur="1" fill="hold">
-                                          <p:stCondLst>
-                                            <p:cond delay="0"/>
-                                          </p:stCondLst>
-                                        </p:cTn>
-                                        <p:tgtEl>
-                                          <p:spTgt spid="11"/>
-                                        </p:tgtEl>
-                                        <p:attrNameLst>
-                                          <p:attrName>style.visibility</p:attrName>
-                                        </p:attrNameLst>
-                                      </p:cBhvr>
-                                      <p:to>
-                                        <p:strVal val="visible"/>
-                                      </p:to>
-                                    </p:set>
-                                  </p:childTnLst>
-                                </p:cTn>
-                              </p:par>
-                            </p:childTnLst>
-                          </p:cTn>
-                        </p:par>
-                      </p:childTnLst>
-                    </p:cTn>
-                  </p:par>
-                </p:childTnLst>
-              </p:cTn>
-              <p:prevCondLst>
-                <p:cond evt="onPrev" delay="0">
-                  <p:tgtEl>
-                    <p:sldTgt/>
-                  </p:tgtEl>
-                </p:cond>
-              </p:prevCondLst>
-              <p:nextCondLst>
-                <p:cond evt="onNext" delay="0">
-                  <p:tgtEl>
-                    <p:sldTgt/>
-                  </p:tgtEl>
-                </p:cond>
-              </p:nextCondLst>
-            </p:seq>
-          </p:childTnLst>
-        </p:cTn>
-      </p:par>
-    </p:tnLst>
-    <p:bldLst>
-      <p:bldP spid="11" grpId="0" animBg="1"/>
-    </p:bldLst>
-  </p:timing>
-</p:sld>
-</file>
-
-<file path=ppt/slides/slide66.xml><?xml version="1.0" encoding="utf-8"?>
-<p:sld xmlns:a="http://schemas.openxmlformats.org/drawingml/2006/main" xmlns:r="http://schemas.openxmlformats.org/officeDocument/2006/relationships" xmlns:p="http://schemas.openxmlformats.org/presentationml/2006/main">
-  <p:cSld>
-    <p:spTree>
-      <p:nvGrpSpPr>
-        <p:cNvPr id="1" name=""/>
-        <p:cNvGrpSpPr/>
-        <p:nvPr/>
-      </p:nvGrpSpPr>
-      <p:grpSpPr>
-        <a:xfrm>
-          <a:off x="0" y="0"/>
-          <a:ext cx="0" cy="0"/>
-          <a:chOff x="0" y="0"/>
-          <a:chExt cx="0" cy="0"/>
-        </a:xfrm>
-      </p:grpSpPr>
-      <p:sp>
-        <p:nvSpPr>
-          <p:cNvPr id="5" name="Content Placeholder 4">
-            <a:extLst>
-              <a:ext uri="{FF2B5EF4-FFF2-40B4-BE49-F238E27FC236}">
-                <a16:creationId xmlns:a16="http://schemas.microsoft.com/office/drawing/2014/main" id="{1182D811-491F-7907-BD1B-82C440A8DDF1}"/>
-              </a:ext>
-            </a:extLst>
-          </p:cNvPr>
-          <p:cNvSpPr>
-            <a:spLocks noGrp="1"/>
-          </p:cNvSpPr>
-          <p:nvPr>
-            <p:ph idx="1"/>
-          </p:nvPr>
-        </p:nvSpPr>
-        <p:spPr/>
-        <p:txBody>
-          <a:bodyPr/>
-          <a:lstStyle/>
-          <a:p>
-            <a:r>
-              <a:rPr lang="en-US" dirty="0"/>
-              <a:t>Some architectures (Intel X86-64) provides wide registers</a:t>
-            </a:r>
-          </a:p>
-          <a:p>
-            <a:pPr lvl="1"/>
-            <a:r>
-              <a:rPr lang="en-US" dirty="0"/>
-              <a:t>Intel AVX – up to 512-bit wide registers </a:t>
-            </a:r>
-          </a:p>
-          <a:p>
-            <a:pPr lvl="1"/>
-            <a:r>
-              <a:rPr lang="en-US" dirty="0"/>
-              <a:t>Instructions to operate on 512 bits at once</a:t>
-            </a:r>
-          </a:p>
-          <a:p>
-            <a:r>
-              <a:rPr lang="en-US" dirty="0"/>
-              <a:t>Compiler use these regs to improve performance</a:t>
-            </a:r>
-          </a:p>
-        </p:txBody>
-      </p:sp>
-      <p:sp>
-        <p:nvSpPr>
-          <p:cNvPr id="4" name="Title 3">
-            <a:extLst>
-              <a:ext uri="{FF2B5EF4-FFF2-40B4-BE49-F238E27FC236}">
-                <a16:creationId xmlns:a16="http://schemas.microsoft.com/office/drawing/2014/main" id="{F3829BB1-DA60-7418-0506-8437E472AFA7}"/>
-              </a:ext>
-            </a:extLst>
-          </p:cNvPr>
-          <p:cNvSpPr>
-            <a:spLocks noGrp="1"/>
-          </p:cNvSpPr>
-          <p:nvPr>
-            <p:ph type="title"/>
-          </p:nvPr>
-        </p:nvSpPr>
-        <p:spPr/>
-        <p:txBody>
-          <a:bodyPr/>
-          <a:lstStyle/>
-          <a:p>
-            <a:r>
-              <a:rPr lang="en-US" dirty="0"/>
-              <a:t>Architecture-specific registers</a:t>
-            </a:r>
-          </a:p>
-        </p:txBody>
-      </p:sp>
-      <p:pic>
-        <p:nvPicPr>
-          <p:cNvPr id="9" name="Picture 8">
-            <a:extLst>
-              <a:ext uri="{FF2B5EF4-FFF2-40B4-BE49-F238E27FC236}">
-                <a16:creationId xmlns:a16="http://schemas.microsoft.com/office/drawing/2014/main" id="{C174DFC4-D909-4432-AE77-05D40B2AF51F}"/>
-              </a:ext>
-            </a:extLst>
-          </p:cNvPr>
-          <p:cNvPicPr>
-            <a:picLocks noChangeAspect="1"/>
-          </p:cNvPicPr>
-          <p:nvPr/>
-        </p:nvPicPr>
-        <p:blipFill>
-          <a:blip r:embed="rId2"/>
-          <a:stretch>
-            <a:fillRect/>
-          </a:stretch>
-        </p:blipFill>
-        <p:spPr>
-          <a:xfrm>
-            <a:off x="5438821" y="3203599"/>
-            <a:ext cx="6371105" cy="2800386"/>
-          </a:xfrm>
-          <a:prstGeom prst="rect">
-            <a:avLst/>
-          </a:prstGeom>
-        </p:spPr>
-      </p:pic>
-    </p:spTree>
-    <p:extLst>
-      <p:ext uri="{BB962C8B-B14F-4D97-AF65-F5344CB8AC3E}">
-        <p14:creationId xmlns:p14="http://schemas.microsoft.com/office/powerpoint/2010/main" val="2675211584"/>
-      </p:ext>
-    </p:extLst>
-  </p:cSld>
-  <p:clrMapOvr>
-    <a:masterClrMapping/>
-  </p:clrMapOvr>
-</p:sld>
-</file>
-
-<file path=ppt/slides/slide67.xml><?xml version="1.0" encoding="utf-8"?>
-<p:sld xmlns:a="http://schemas.openxmlformats.org/drawingml/2006/main" xmlns:r="http://schemas.openxmlformats.org/officeDocument/2006/relationships" xmlns:p="http://schemas.openxmlformats.org/presentationml/2006/main">
-  <p:cSld>
-    <p:spTree>
-      <p:nvGrpSpPr>
-        <p:cNvPr id="1" name="">
-          <a:extLst>
-            <a:ext uri="{FF2B5EF4-FFF2-40B4-BE49-F238E27FC236}">
-              <a16:creationId xmlns:a16="http://schemas.microsoft.com/office/drawing/2014/main" id="{933DAC61-DE3B-5A27-61C6-70F22396A4E1}"/>
-            </a:ext>
-          </a:extLst>
-        </p:cNvPr>
-        <p:cNvGrpSpPr/>
-        <p:nvPr/>
-      </p:nvGrpSpPr>
-      <p:grpSpPr>
-        <a:xfrm>
-          <a:off x="0" y="0"/>
-          <a:ext cx="0" cy="0"/>
-          <a:chOff x="0" y="0"/>
-          <a:chExt cx="0" cy="0"/>
-        </a:xfrm>
-      </p:grpSpPr>
-      <p:sp>
-        <p:nvSpPr>
-          <p:cNvPr id="6" name="Content Placeholder 5">
-            <a:extLst>
-              <a:ext uri="{FF2B5EF4-FFF2-40B4-BE49-F238E27FC236}">
-                <a16:creationId xmlns:a16="http://schemas.microsoft.com/office/drawing/2014/main" id="{5948D401-33B5-5217-ED73-91AA597ECC61}"/>
-              </a:ext>
-            </a:extLst>
-          </p:cNvPr>
-          <p:cNvSpPr>
-            <a:spLocks noGrp="1"/>
-          </p:cNvSpPr>
-          <p:nvPr>
-            <p:ph idx="1"/>
-          </p:nvPr>
-        </p:nvSpPr>
-        <p:spPr/>
-        <p:txBody>
-          <a:bodyPr/>
-          <a:lstStyle/>
-          <a:p>
-            <a:r>
-              <a:rPr lang="en-US" dirty="0"/>
-              <a:t>CPUs have instruction-level parallelism</a:t>
-            </a:r>
-          </a:p>
-          <a:p>
-            <a:r>
-              <a:rPr lang="en-US" dirty="0"/>
-              <a:t>Each pipeline stage can execute a different instruction</a:t>
-            </a:r>
-          </a:p>
-          <a:p>
-            <a:endParaRPr lang="en-US" dirty="0"/>
-          </a:p>
-        </p:txBody>
-      </p:sp>
-      <p:sp>
-        <p:nvSpPr>
-          <p:cNvPr id="5" name="Title 4">
-            <a:extLst>
-              <a:ext uri="{FF2B5EF4-FFF2-40B4-BE49-F238E27FC236}">
-                <a16:creationId xmlns:a16="http://schemas.microsoft.com/office/drawing/2014/main" id="{4557BDB2-3E29-D014-16ED-BD030DEC7156}"/>
-              </a:ext>
-            </a:extLst>
-          </p:cNvPr>
-          <p:cNvSpPr>
-            <a:spLocks noGrp="1"/>
-          </p:cNvSpPr>
-          <p:nvPr>
-            <p:ph type="title"/>
-          </p:nvPr>
-        </p:nvSpPr>
-        <p:spPr/>
-        <p:txBody>
-          <a:bodyPr/>
-          <a:lstStyle/>
-          <a:p>
-            <a:r>
-              <a:rPr lang="en-US" dirty="0"/>
-              <a:t>Instruction pipelining</a:t>
-            </a:r>
-          </a:p>
-        </p:txBody>
-      </p:sp>
-      <p:pic>
-        <p:nvPicPr>
-          <p:cNvPr id="1026" name="Picture 2">
-            <a:extLst>
-              <a:ext uri="{FF2B5EF4-FFF2-40B4-BE49-F238E27FC236}">
-                <a16:creationId xmlns:a16="http://schemas.microsoft.com/office/drawing/2014/main" id="{2B84FE01-877C-B6E7-7A0A-00B7DD67BF06}"/>
-              </a:ext>
-            </a:extLst>
-          </p:cNvPr>
-          <p:cNvPicPr>
-            <a:picLocks noChangeAspect="1" noChangeArrowheads="1"/>
-          </p:cNvPicPr>
-          <p:nvPr/>
-        </p:nvPicPr>
-        <p:blipFill>
-          <a:blip r:embed="rId2">
-            <a:extLst>
-              <a:ext uri="{28A0092B-C50C-407E-A947-70E740481C1C}">
-                <a14:useLocalDpi xmlns:a14="http://schemas.microsoft.com/office/drawing/2010/main" val="0"/>
-              </a:ext>
-            </a:extLst>
-          </a:blip>
-          <a:srcRect/>
-          <a:stretch>
-            <a:fillRect/>
-          </a:stretch>
-        </p:blipFill>
-        <p:spPr bwMode="auto">
-          <a:xfrm>
-            <a:off x="1885949" y="2692400"/>
-            <a:ext cx="7767803" cy="2252663"/>
-          </a:xfrm>
-          <a:prstGeom prst="rect">
-            <a:avLst/>
-          </a:prstGeom>
-          <a:noFill/>
-          <a:extLst>
-            <a:ext uri="{909E8E84-426E-40DD-AFC4-6F175D3DCCD1}">
-              <a14:hiddenFill xmlns:a14="http://schemas.microsoft.com/office/drawing/2010/main">
-                <a:solidFill>
-                  <a:srgbClr val="FFFFFF"/>
-                </a:solidFill>
-              </a14:hiddenFill>
-            </a:ext>
-          </a:extLst>
-        </p:spPr>
-      </p:pic>
-      <p:sp>
-        <p:nvSpPr>
-          <p:cNvPr id="8" name="TextBox 7">
-            <a:extLst>
-              <a:ext uri="{FF2B5EF4-FFF2-40B4-BE49-F238E27FC236}">
-                <a16:creationId xmlns:a16="http://schemas.microsoft.com/office/drawing/2014/main" id="{09D47451-4D76-469C-190B-87BBEB16C1B4}"/>
-              </a:ext>
-            </a:extLst>
-          </p:cNvPr>
-          <p:cNvSpPr txBox="1"/>
-          <p:nvPr/>
-        </p:nvSpPr>
-        <p:spPr>
-          <a:xfrm>
-            <a:off x="8196507" y="5409684"/>
-            <a:ext cx="3995493" cy="307777"/>
-          </a:xfrm>
-          <a:prstGeom prst="rect">
-            <a:avLst/>
-          </a:prstGeom>
-          <a:noFill/>
-        </p:spPr>
-        <p:txBody>
-          <a:bodyPr wrap="square">
-            <a:spAutoFit/>
-          </a:bodyPr>
-          <a:lstStyle/>
-          <a:p>
-            <a:r>
-              <a:rPr lang="en-US" sz="1400" dirty="0"/>
-              <a:t>https://en.wikipedia.org/wiki/Classic_RISC_pipeline</a:t>
-            </a:r>
-          </a:p>
-        </p:txBody>
-      </p:sp>
-    </p:spTree>
-    <p:extLst>
-      <p:ext uri="{BB962C8B-B14F-4D97-AF65-F5344CB8AC3E}">
-        <p14:creationId xmlns:p14="http://schemas.microsoft.com/office/powerpoint/2010/main" val="3529951822"/>
-      </p:ext>
-    </p:extLst>
-  </p:cSld>
-  <p:clrMapOvr>
-    <a:masterClrMapping/>
-  </p:clrMapOvr>
-</p:sld>
-</file>
-
-<file path=ppt/slides/slide68.xml><?xml version="1.0" encoding="utf-8"?>
-<p:sld xmlns:a="http://schemas.openxmlformats.org/drawingml/2006/main" xmlns:r="http://schemas.openxmlformats.org/officeDocument/2006/relationships" xmlns:p="http://schemas.openxmlformats.org/presentationml/2006/main">
-  <p:cSld>
-    <p:spTree>
-      <p:nvGrpSpPr>
-        <p:cNvPr id="1" name=""/>
-        <p:cNvGrpSpPr/>
-        <p:nvPr/>
-      </p:nvGrpSpPr>
-      <p:grpSpPr>
-        <a:xfrm>
-          <a:off x="0" y="0"/>
-          <a:ext cx="0" cy="0"/>
-          <a:chOff x="0" y="0"/>
-          <a:chExt cx="0" cy="0"/>
-        </a:xfrm>
-      </p:grpSpPr>
-      <p:sp>
-        <p:nvSpPr>
-          <p:cNvPr id="6" name="Content Placeholder 5">
-            <a:extLst>
-              <a:ext uri="{FF2B5EF4-FFF2-40B4-BE49-F238E27FC236}">
-                <a16:creationId xmlns:a16="http://schemas.microsoft.com/office/drawing/2014/main" id="{B098131F-6DC3-ED0E-F783-DC6875BF690A}"/>
-              </a:ext>
-            </a:extLst>
-          </p:cNvPr>
-          <p:cNvSpPr>
-            <a:spLocks noGrp="1"/>
-          </p:cNvSpPr>
-          <p:nvPr>
-            <p:ph idx="1"/>
-          </p:nvPr>
-        </p:nvSpPr>
-        <p:spPr/>
-        <p:txBody>
-          <a:bodyPr/>
-          <a:lstStyle/>
-          <a:p>
-            <a:r>
-              <a:rPr lang="en-US" dirty="0"/>
-              <a:t>Instruction fetch -&gt; instruction decode -&gt; execute -&gt; memory access -&gt; write back</a:t>
-            </a:r>
-          </a:p>
-          <a:p>
-            <a:endParaRPr lang="en-US" dirty="0"/>
-          </a:p>
-        </p:txBody>
-      </p:sp>
-      <p:sp>
-        <p:nvSpPr>
-          <p:cNvPr id="5" name="Title 4">
-            <a:extLst>
-              <a:ext uri="{FF2B5EF4-FFF2-40B4-BE49-F238E27FC236}">
-                <a16:creationId xmlns:a16="http://schemas.microsoft.com/office/drawing/2014/main" id="{5DCE9E7D-DFFF-0F02-5025-564AC9C8BFAE}"/>
-              </a:ext>
-            </a:extLst>
-          </p:cNvPr>
-          <p:cNvSpPr>
-            <a:spLocks noGrp="1"/>
-          </p:cNvSpPr>
-          <p:nvPr>
-            <p:ph type="title"/>
-          </p:nvPr>
-        </p:nvSpPr>
-        <p:spPr/>
-        <p:txBody>
-          <a:bodyPr/>
-          <a:lstStyle/>
-          <a:p>
-            <a:r>
-              <a:rPr lang="en-US" dirty="0"/>
-              <a:t>Instruction pipelining</a:t>
-            </a:r>
-          </a:p>
-        </p:txBody>
-      </p:sp>
-      <p:pic>
-        <p:nvPicPr>
-          <p:cNvPr id="1026" name="Picture 2">
-            <a:extLst>
-              <a:ext uri="{FF2B5EF4-FFF2-40B4-BE49-F238E27FC236}">
-                <a16:creationId xmlns:a16="http://schemas.microsoft.com/office/drawing/2014/main" id="{B6F0F9FB-657F-358F-B991-33AD34D87A91}"/>
-              </a:ext>
-            </a:extLst>
-          </p:cNvPr>
-          <p:cNvPicPr>
-            <a:picLocks noChangeAspect="1" noChangeArrowheads="1"/>
-          </p:cNvPicPr>
-          <p:nvPr/>
-        </p:nvPicPr>
-        <p:blipFill>
-          <a:blip r:embed="rId2">
-            <a:extLst>
-              <a:ext uri="{28A0092B-C50C-407E-A947-70E740481C1C}">
-                <a14:useLocalDpi xmlns:a14="http://schemas.microsoft.com/office/drawing/2010/main" val="0"/>
-              </a:ext>
-            </a:extLst>
-          </a:blip>
-          <a:srcRect/>
-          <a:stretch>
-            <a:fillRect/>
-          </a:stretch>
-        </p:blipFill>
-        <p:spPr bwMode="auto">
-          <a:xfrm>
-            <a:off x="1885949" y="2692400"/>
-            <a:ext cx="7767803" cy="2252663"/>
-          </a:xfrm>
-          <a:prstGeom prst="rect">
-            <a:avLst/>
-          </a:prstGeom>
-          <a:noFill/>
-          <a:extLst>
-            <a:ext uri="{909E8E84-426E-40DD-AFC4-6F175D3DCCD1}">
-              <a14:hiddenFill xmlns:a14="http://schemas.microsoft.com/office/drawing/2010/main">
-                <a:solidFill>
-                  <a:srgbClr val="FFFFFF"/>
-                </a:solidFill>
-              </a14:hiddenFill>
-            </a:ext>
-          </a:extLst>
-        </p:spPr>
-      </p:pic>
-      <p:sp>
-        <p:nvSpPr>
-          <p:cNvPr id="8" name="TextBox 7">
-            <a:extLst>
-              <a:ext uri="{FF2B5EF4-FFF2-40B4-BE49-F238E27FC236}">
-                <a16:creationId xmlns:a16="http://schemas.microsoft.com/office/drawing/2014/main" id="{8C303CE5-9ACA-1364-B522-F42F8AE5996E}"/>
-              </a:ext>
-            </a:extLst>
-          </p:cNvPr>
-          <p:cNvSpPr txBox="1"/>
-          <p:nvPr/>
-        </p:nvSpPr>
-        <p:spPr>
-          <a:xfrm>
-            <a:off x="8196507" y="5409684"/>
-            <a:ext cx="3995493" cy="307777"/>
-          </a:xfrm>
-          <a:prstGeom prst="rect">
-            <a:avLst/>
-          </a:prstGeom>
-          <a:noFill/>
-        </p:spPr>
-        <p:txBody>
-          <a:bodyPr wrap="square">
-            <a:spAutoFit/>
-          </a:bodyPr>
-          <a:lstStyle/>
-          <a:p>
-            <a:r>
-              <a:rPr lang="en-US" sz="1400" dirty="0"/>
-              <a:t>https://en.wikipedia.org/wiki/Classic_RISC_pipeline</a:t>
-            </a:r>
-          </a:p>
-        </p:txBody>
-      </p:sp>
-    </p:spTree>
-    <p:extLst>
-      <p:ext uri="{BB962C8B-B14F-4D97-AF65-F5344CB8AC3E}">
-        <p14:creationId xmlns:p14="http://schemas.microsoft.com/office/powerpoint/2010/main" val="1823377748"/>
-      </p:ext>
-    </p:extLst>
-  </p:cSld>
-  <p:clrMapOvr>
-    <a:masterClrMapping/>
-  </p:clrMapOvr>
-</p:sld>
-</file>
-
-<file path=ppt/slides/slide69.xml><?xml version="1.0" encoding="utf-8"?>
-<p:sld xmlns:a="http://schemas.openxmlformats.org/drawingml/2006/main" xmlns:r="http://schemas.openxmlformats.org/officeDocument/2006/relationships" xmlns:p="http://schemas.openxmlformats.org/presentationml/2006/main">
-  <p:cSld>
-    <p:spTree>
-      <p:nvGrpSpPr>
-        <p:cNvPr id="1" name="">
-          <a:extLst>
-            <a:ext uri="{FF2B5EF4-FFF2-40B4-BE49-F238E27FC236}">
-              <a16:creationId xmlns:a16="http://schemas.microsoft.com/office/drawing/2014/main" id="{F0216531-9B14-ABAC-5C02-C56CA5F52069}"/>
-            </a:ext>
-          </a:extLst>
-        </p:cNvPr>
-        <p:cNvGrpSpPr/>
-        <p:nvPr/>
-      </p:nvGrpSpPr>
-      <p:grpSpPr>
-        <a:xfrm>
-          <a:off x="0" y="0"/>
-          <a:ext cx="0" cy="0"/>
-          <a:chOff x="0" y="0"/>
-          <a:chExt cx="0" cy="0"/>
-        </a:xfrm>
-      </p:grpSpPr>
-      <p:sp>
-        <p:nvSpPr>
-          <p:cNvPr id="6" name="Content Placeholder 5">
-            <a:extLst>
-              <a:ext uri="{FF2B5EF4-FFF2-40B4-BE49-F238E27FC236}">
-                <a16:creationId xmlns:a16="http://schemas.microsoft.com/office/drawing/2014/main" id="{A2AE7EB9-A7CB-C1A4-207F-094EF5C271A6}"/>
-              </a:ext>
-            </a:extLst>
-          </p:cNvPr>
-          <p:cNvSpPr>
-            <a:spLocks noGrp="1"/>
-          </p:cNvSpPr>
-          <p:nvPr>
-            <p:ph idx="1"/>
-          </p:nvPr>
-        </p:nvSpPr>
-        <p:spPr/>
-        <p:txBody>
-          <a:bodyPr/>
-          <a:lstStyle/>
-          <a:p>
-            <a:r>
-              <a:rPr lang="en-US" dirty="0"/>
-              <a:t>Conditional branches cause “bubbles” and under-utilization of the pipeline</a:t>
-            </a:r>
-          </a:p>
-          <a:p>
-            <a:endParaRPr lang="en-US" dirty="0"/>
-          </a:p>
-        </p:txBody>
-      </p:sp>
-      <p:sp>
-        <p:nvSpPr>
-          <p:cNvPr id="5" name="Title 4">
-            <a:extLst>
-              <a:ext uri="{FF2B5EF4-FFF2-40B4-BE49-F238E27FC236}">
-                <a16:creationId xmlns:a16="http://schemas.microsoft.com/office/drawing/2014/main" id="{BD3E1458-7510-EC88-B2B9-2D8A95EF2A03}"/>
-              </a:ext>
-            </a:extLst>
-          </p:cNvPr>
-          <p:cNvSpPr>
-            <a:spLocks noGrp="1"/>
-          </p:cNvSpPr>
-          <p:nvPr>
-            <p:ph type="title"/>
-          </p:nvPr>
-        </p:nvSpPr>
-        <p:spPr/>
-        <p:txBody>
-          <a:bodyPr/>
-          <a:lstStyle/>
-          <a:p>
-            <a:r>
-              <a:rPr lang="en-US" dirty="0"/>
-              <a:t>Instruction pipelining</a:t>
-            </a:r>
-          </a:p>
-        </p:txBody>
-      </p:sp>
-      <p:pic>
-        <p:nvPicPr>
-          <p:cNvPr id="1026" name="Picture 2">
-            <a:extLst>
-              <a:ext uri="{FF2B5EF4-FFF2-40B4-BE49-F238E27FC236}">
-                <a16:creationId xmlns:a16="http://schemas.microsoft.com/office/drawing/2014/main" id="{FBC88079-0491-8A35-D123-23576CA698C3}"/>
-              </a:ext>
-            </a:extLst>
-          </p:cNvPr>
-          <p:cNvPicPr>
-            <a:picLocks noChangeAspect="1" noChangeArrowheads="1"/>
-          </p:cNvPicPr>
-          <p:nvPr/>
-        </p:nvPicPr>
-        <p:blipFill>
-          <a:blip r:embed="rId2">
-            <a:extLst>
-              <a:ext uri="{28A0092B-C50C-407E-A947-70E740481C1C}">
-                <a14:useLocalDpi xmlns:a14="http://schemas.microsoft.com/office/drawing/2010/main" val="0"/>
-              </a:ext>
-            </a:extLst>
-          </a:blip>
-          <a:srcRect/>
-          <a:stretch>
-            <a:fillRect/>
-          </a:stretch>
-        </p:blipFill>
-        <p:spPr bwMode="auto">
-          <a:xfrm>
-            <a:off x="1885949" y="2692400"/>
-            <a:ext cx="7767803" cy="2252663"/>
-          </a:xfrm>
-          <a:prstGeom prst="rect">
-            <a:avLst/>
-          </a:prstGeom>
-          <a:noFill/>
-          <a:extLst>
-            <a:ext uri="{909E8E84-426E-40DD-AFC4-6F175D3DCCD1}">
-              <a14:hiddenFill xmlns:a14="http://schemas.microsoft.com/office/drawing/2010/main">
-                <a:solidFill>
-                  <a:srgbClr val="FFFFFF"/>
-                </a:solidFill>
-              </a14:hiddenFill>
-            </a:ext>
-          </a:extLst>
-        </p:spPr>
-      </p:pic>
-      <p:sp>
-        <p:nvSpPr>
-          <p:cNvPr id="8" name="TextBox 7">
-            <a:extLst>
-              <a:ext uri="{FF2B5EF4-FFF2-40B4-BE49-F238E27FC236}">
-                <a16:creationId xmlns:a16="http://schemas.microsoft.com/office/drawing/2014/main" id="{7B60496F-1CE1-C4A2-F4A1-DB92B25EBEBD}"/>
-              </a:ext>
-            </a:extLst>
-          </p:cNvPr>
-          <p:cNvSpPr txBox="1"/>
-          <p:nvPr/>
-        </p:nvSpPr>
-        <p:spPr>
-          <a:xfrm>
-            <a:off x="8196507" y="5409684"/>
-            <a:ext cx="3995493" cy="307777"/>
-          </a:xfrm>
-          <a:prstGeom prst="rect">
-            <a:avLst/>
-          </a:prstGeom>
-          <a:noFill/>
-        </p:spPr>
-        <p:txBody>
-          <a:bodyPr wrap="square">
-            <a:spAutoFit/>
-          </a:bodyPr>
-          <a:lstStyle/>
-          <a:p>
-            <a:r>
-              <a:rPr lang="en-US" sz="1400" dirty="0"/>
-              <a:t>https://en.wikipedia.org/wiki/Classic_RISC_pipeline</a:t>
-            </a:r>
-          </a:p>
-        </p:txBody>
-      </p:sp>
-    </p:spTree>
-    <p:extLst>
-      <p:ext uri="{BB962C8B-B14F-4D97-AF65-F5344CB8AC3E}">
-        <p14:creationId xmlns:p14="http://schemas.microsoft.com/office/powerpoint/2010/main" val="1622984825"/>
       </p:ext>
     </p:extLst>
   </p:cSld>
